--- a/Slide.pptx
+++ b/Slide.pptx
@@ -41,6 +41,20 @@
     <p:sldId id="295" r:id="rId35"/>
     <p:sldId id="296" r:id="rId36"/>
     <p:sldId id="297" r:id="rId37"/>
+    <p:sldId id="299" r:id="rId38"/>
+    <p:sldId id="300" r:id="rId39"/>
+    <p:sldId id="301" r:id="rId40"/>
+    <p:sldId id="302" r:id="rId41"/>
+    <p:sldId id="303" r:id="rId42"/>
+    <p:sldId id="304" r:id="rId43"/>
+    <p:sldId id="305" r:id="rId44"/>
+    <p:sldId id="306" r:id="rId45"/>
+    <p:sldId id="307" r:id="rId46"/>
+    <p:sldId id="308" r:id="rId47"/>
+    <p:sldId id="309" r:id="rId48"/>
+    <p:sldId id="310" r:id="rId49"/>
+    <p:sldId id="311" r:id="rId50"/>
+    <p:sldId id="312" r:id="rId51"/>
   </p:sldIdLst>
   <p:sldSz cx="9144000" cy="6858000" type="screen4x3"/>
   <p:notesSz cx="6858000" cy="9144000"/>
@@ -171,7 +185,7 @@
   </p:defaultTextStyle>
   <p:extLst>
     <p:ext uri="{EFAFB233-063F-42B5-8137-9DF3F51BA10A}">
-      <p15:sldGuideLst xmlns:p15="http://schemas.microsoft.com/office/powerpoint/2012/main">
+      <p15:sldGuideLst xmlns:p15="http://schemas.microsoft.com/office/powerpoint/2012/main" xmlns="">
         <p15:guide id="1" orient="horz" pos="2160">
           <p15:clr>
             <a:srgbClr val="A4A3A4"/>
@@ -6226,11 +6240,7 @@
             </a:pPr>
             <a:r>
               <a:rPr lang="en-US" sz="2800"/>
-              <a:t>Toán tử đồng nhất           được ký </a:t>
-            </a:r>
-            <a:r>
-              <a:rPr lang="en-US" sz="2800"/>
-              <a:t>hiệu </a:t>
+              <a:t>Toán tử đồng nhất           được ký hiệu </a:t>
             </a:r>
             <a:r>
               <a:rPr lang="en-US" sz="2800" smtClean="0"/>
@@ -6261,11 +6271,7 @@
             </a:pPr>
             <a:r>
               <a:rPr lang="en-US" sz="2800"/>
-              <a:t>Sử dụng mẫu LBP đồng nhất giúp tiết kiệm bộ nhớ và phát hiện những mẫu kết cấu bề mặt cục bộ quan trọng như các điểm cuối đường thẳng, cạnh biên và </a:t>
-            </a:r>
-            <a:r>
-              <a:rPr lang="en-US" sz="2800"/>
-              <a:t>các </a:t>
+              <a:t>Sử dụng mẫu LBP đồng nhất giúp tiết kiệm bộ nhớ và phát hiện những mẫu kết cấu bề mặt cục bộ quan trọng như các điểm cuối đường thẳng, cạnh biên và các </a:t>
             </a:r>
             <a:r>
               <a:rPr lang="en-US" sz="2800" smtClean="0"/>
@@ -6734,11 +6740,6 @@
               </a:rPr>
               <a:t>Thành viên nhóm</a:t>
             </a:r>
-            <a:endParaRPr lang="en-US" smtClean="0">
-              <a:solidFill>
-                <a:schemeClr val="bg1"/>
-              </a:solidFill>
-            </a:endParaRPr>
           </a:p>
         </p:txBody>
       </p:sp>
@@ -13894,14 +13895,3228 @@
           </a:lstStyle>
           <a:p>
             <a:pPr>
-              <a:buFont typeface="Arial" panose="020B0604020202020204" pitchFamily="34" charset="0"/>
+              <a:buFont typeface="Arial" pitchFamily="34" charset="0"/>
               <a:buChar char="•"/>
             </a:pPr>
-            <a:endParaRPr lang="en-US" sz="2800"/>
+            <a:r>
+              <a:rPr lang="en-US" sz="2800" dirty="0" err="1"/>
+              <a:t>Chương</a:t>
+            </a:r>
+            <a:r>
+              <a:rPr lang="en-US" sz="2800" dirty="0"/>
+              <a:t> </a:t>
+            </a:r>
+            <a:r>
+              <a:rPr lang="en-US" sz="2800" dirty="0" err="1"/>
+              <a:t>trình</a:t>
+            </a:r>
+            <a:r>
+              <a:rPr lang="en-US" sz="2800" dirty="0"/>
+              <a:t> </a:t>
+            </a:r>
+            <a:r>
+              <a:rPr lang="en-US" sz="2800" dirty="0" err="1"/>
+              <a:t>có</a:t>
+            </a:r>
+            <a:r>
+              <a:rPr lang="en-US" sz="2800" dirty="0"/>
+              <a:t> </a:t>
+            </a:r>
+            <a:r>
+              <a:rPr lang="en-US" sz="2800" dirty="0" err="1"/>
+              <a:t>các</a:t>
+            </a:r>
+            <a:r>
+              <a:rPr lang="en-US" sz="2800" dirty="0"/>
+              <a:t> </a:t>
+            </a:r>
+            <a:r>
+              <a:rPr lang="en-US" sz="2800" dirty="0" err="1"/>
+              <a:t>bộ</a:t>
+            </a:r>
+            <a:r>
+              <a:rPr lang="en-US" sz="2800" dirty="0"/>
+              <a:t> </a:t>
+            </a:r>
+            <a:r>
+              <a:rPr lang="en-US" sz="2800" dirty="0" err="1"/>
+              <a:t>dữ</a:t>
+            </a:r>
+            <a:r>
+              <a:rPr lang="en-US" sz="2800" dirty="0"/>
+              <a:t> </a:t>
+            </a:r>
+            <a:r>
+              <a:rPr lang="en-US" sz="2800" dirty="0" err="1"/>
+              <a:t>liệu</a:t>
+            </a:r>
+            <a:r>
+              <a:rPr lang="en-US" sz="2800" dirty="0"/>
+              <a:t> </a:t>
+            </a:r>
+            <a:r>
+              <a:rPr lang="en-US" sz="2800" dirty="0" err="1"/>
+              <a:t>mẫu</a:t>
+            </a:r>
+            <a:r>
+              <a:rPr lang="en-US" sz="2800" dirty="0"/>
+              <a:t> </a:t>
+            </a:r>
+            <a:r>
+              <a:rPr lang="en-US" sz="2800" dirty="0" err="1"/>
+              <a:t>gồm</a:t>
+            </a:r>
+            <a:r>
+              <a:rPr lang="en-US" sz="2800" dirty="0"/>
+              <a:t> </a:t>
+            </a:r>
+            <a:r>
+              <a:rPr lang="en-US" sz="2800" dirty="0" err="1"/>
+              <a:t>nhiều</a:t>
+            </a:r>
+            <a:r>
+              <a:rPr lang="en-US" sz="2800" dirty="0"/>
+              <a:t> </a:t>
+            </a:r>
+            <a:r>
+              <a:rPr lang="en-US" sz="2800" dirty="0" err="1"/>
+              <a:t>tập</a:t>
+            </a:r>
+            <a:r>
+              <a:rPr lang="en-US" sz="2800" dirty="0"/>
+              <a:t> </a:t>
+            </a:r>
+            <a:r>
+              <a:rPr lang="en-US" sz="2800" dirty="0" err="1" smtClean="0"/>
+              <a:t>ảnh</a:t>
+            </a:r>
+            <a:r>
+              <a:rPr lang="en-US" sz="2800" dirty="0"/>
+              <a:t> </a:t>
+            </a:r>
+            <a:r>
+              <a:rPr lang="en-US" sz="2800" dirty="0" err="1" smtClean="0"/>
+              <a:t>với</a:t>
+            </a:r>
+            <a:r>
+              <a:rPr lang="en-US" sz="2800" dirty="0" smtClean="0"/>
+              <a:t> </a:t>
+            </a:r>
+            <a:r>
+              <a:rPr lang="en-US" sz="2800" dirty="0" err="1" smtClean="0"/>
+              <a:t>mỗi</a:t>
+            </a:r>
+            <a:r>
+              <a:rPr lang="en-US" sz="2800" dirty="0" smtClean="0"/>
+              <a:t> </a:t>
+            </a:r>
+            <a:r>
+              <a:rPr lang="en-US" sz="2800" dirty="0" err="1" smtClean="0"/>
+              <a:t>tập</a:t>
+            </a:r>
+            <a:r>
+              <a:rPr lang="en-US" sz="2800" dirty="0" smtClean="0"/>
+              <a:t> </a:t>
+            </a:r>
+            <a:r>
+              <a:rPr lang="en-US" sz="2800" dirty="0" err="1" smtClean="0"/>
+              <a:t>gồm</a:t>
+            </a:r>
+            <a:r>
+              <a:rPr lang="en-US" sz="2800" dirty="0" smtClean="0"/>
+              <a:t> </a:t>
+            </a:r>
+            <a:r>
+              <a:rPr lang="en-US" sz="2800" dirty="0" err="1"/>
+              <a:t>nhiều</a:t>
+            </a:r>
+            <a:r>
+              <a:rPr lang="en-US" sz="2800" dirty="0"/>
+              <a:t> </a:t>
+            </a:r>
+            <a:r>
+              <a:rPr lang="en-US" sz="2800" dirty="0" err="1"/>
+              <a:t>ảnh</a:t>
+            </a:r>
+            <a:r>
+              <a:rPr lang="en-US" sz="2800" dirty="0"/>
+              <a:t> </a:t>
+            </a:r>
+            <a:r>
+              <a:rPr lang="en-US" sz="2800" dirty="0" err="1"/>
+              <a:t>khuôn</a:t>
+            </a:r>
+            <a:r>
+              <a:rPr lang="en-US" sz="2800" dirty="0"/>
+              <a:t> </a:t>
+            </a:r>
+            <a:r>
+              <a:rPr lang="en-US" sz="2800" dirty="0" err="1"/>
+              <a:t>mặt</a:t>
+            </a:r>
+            <a:r>
+              <a:rPr lang="en-US" sz="2800" dirty="0"/>
+              <a:t> </a:t>
+            </a:r>
+            <a:r>
+              <a:rPr lang="en-US" sz="2800" dirty="0" err="1" smtClean="0"/>
+              <a:t>khác</a:t>
+            </a:r>
+            <a:r>
+              <a:rPr lang="en-US" sz="2800" dirty="0" smtClean="0"/>
+              <a:t> </a:t>
+            </a:r>
+            <a:r>
+              <a:rPr lang="en-US" sz="2800" dirty="0" err="1" smtClean="0"/>
+              <a:t>nhau</a:t>
+            </a:r>
+            <a:r>
+              <a:rPr lang="en-US" sz="2800" dirty="0" smtClean="0"/>
+              <a:t> </a:t>
+            </a:r>
+            <a:r>
+              <a:rPr lang="en-US" sz="2800" dirty="0" err="1" smtClean="0"/>
+              <a:t>của</a:t>
+            </a:r>
+            <a:r>
+              <a:rPr lang="en-US" sz="2800" dirty="0" smtClean="0"/>
+              <a:t> </a:t>
+            </a:r>
+            <a:r>
+              <a:rPr lang="en-US" sz="2800" dirty="0" err="1"/>
+              <a:t>một</a:t>
+            </a:r>
+            <a:r>
+              <a:rPr lang="en-US" sz="2800" dirty="0"/>
+              <a:t> </a:t>
+            </a:r>
+            <a:r>
+              <a:rPr lang="en-US" sz="2800" dirty="0" err="1"/>
+              <a:t>người</a:t>
+            </a:r>
+            <a:r>
+              <a:rPr lang="en-US" sz="2800" dirty="0"/>
+              <a:t> </a:t>
+            </a:r>
+            <a:r>
+              <a:rPr lang="en-US" sz="2800" dirty="0" err="1" smtClean="0"/>
+              <a:t>có</a:t>
+            </a:r>
+            <a:r>
+              <a:rPr lang="en-US" sz="2800" dirty="0" smtClean="0"/>
+              <a:t> </a:t>
+            </a:r>
+            <a:r>
+              <a:rPr lang="en-US" sz="2800" dirty="0" err="1"/>
+              <a:t>một</a:t>
+            </a:r>
+            <a:r>
+              <a:rPr lang="en-US" sz="2800" dirty="0"/>
+              <a:t> </a:t>
+            </a:r>
+            <a:r>
+              <a:rPr lang="en-US" sz="2800" dirty="0" err="1"/>
+              <a:t>nhãn</a:t>
+            </a:r>
+            <a:r>
+              <a:rPr lang="en-US" sz="2800" dirty="0"/>
+              <a:t> </a:t>
+            </a:r>
+            <a:r>
+              <a:rPr lang="en-US" sz="2800" dirty="0" err="1"/>
+              <a:t>riêng</a:t>
+            </a:r>
+            <a:r>
+              <a:rPr lang="en-US" sz="2800" dirty="0"/>
+              <a:t> </a:t>
+            </a:r>
+            <a:r>
+              <a:rPr lang="en-US" sz="2800" dirty="0" err="1"/>
+              <a:t>để</a:t>
+            </a:r>
+            <a:r>
+              <a:rPr lang="en-US" sz="2800" dirty="0"/>
+              <a:t> </a:t>
+            </a:r>
+            <a:r>
+              <a:rPr lang="en-US" sz="2800" dirty="0" err="1"/>
+              <a:t>phân</a:t>
+            </a:r>
+            <a:r>
+              <a:rPr lang="en-US" sz="2800" dirty="0"/>
+              <a:t> </a:t>
+            </a:r>
+            <a:r>
+              <a:rPr lang="en-US" sz="2800" dirty="0" err="1" smtClean="0"/>
+              <a:t>biệt</a:t>
+            </a:r>
+            <a:r>
+              <a:rPr lang="en-US" sz="2800" dirty="0" smtClean="0"/>
+              <a:t>. </a:t>
+            </a:r>
+            <a:r>
+              <a:rPr lang="en-US" sz="2800" dirty="0" err="1"/>
+              <a:t>Các</a:t>
+            </a:r>
+            <a:r>
+              <a:rPr lang="en-US" sz="2800" dirty="0"/>
+              <a:t> </a:t>
+            </a:r>
+            <a:r>
+              <a:rPr lang="en-US" sz="2800" dirty="0" err="1"/>
+              <a:t>ảnh</a:t>
+            </a:r>
+            <a:r>
+              <a:rPr lang="en-US" sz="2800" dirty="0"/>
+              <a:t> </a:t>
+            </a:r>
+            <a:r>
+              <a:rPr lang="en-US" sz="2800" dirty="0" err="1"/>
+              <a:t>này</a:t>
+            </a:r>
+            <a:r>
+              <a:rPr lang="en-US" sz="2800" dirty="0"/>
+              <a:t> </a:t>
+            </a:r>
+            <a:r>
+              <a:rPr lang="en-US" sz="2800" dirty="0" err="1"/>
+              <a:t>đều</a:t>
+            </a:r>
+            <a:r>
+              <a:rPr lang="en-US" sz="2800" dirty="0"/>
+              <a:t> </a:t>
+            </a:r>
+            <a:r>
+              <a:rPr lang="en-US" sz="2800" dirty="0" err="1"/>
+              <a:t>đã</a:t>
+            </a:r>
+            <a:r>
+              <a:rPr lang="en-US" sz="2800" dirty="0"/>
+              <a:t> </a:t>
+            </a:r>
+            <a:r>
+              <a:rPr lang="en-US" sz="2800" dirty="0" err="1"/>
+              <a:t>được</a:t>
+            </a:r>
+            <a:r>
+              <a:rPr lang="en-US" sz="2800" dirty="0"/>
+              <a:t> </a:t>
+            </a:r>
+            <a:r>
+              <a:rPr lang="en-US" sz="2800" dirty="0" err="1"/>
+              <a:t>chuẩn</a:t>
+            </a:r>
+            <a:r>
+              <a:rPr lang="en-US" sz="2800" dirty="0"/>
+              <a:t> </a:t>
+            </a:r>
+            <a:r>
+              <a:rPr lang="en-US" sz="2800" dirty="0" err="1"/>
+              <a:t>hóa</a:t>
+            </a:r>
+            <a:r>
+              <a:rPr lang="en-US" sz="2800" dirty="0"/>
+              <a:t> </a:t>
+            </a:r>
+            <a:r>
+              <a:rPr lang="en-US" sz="2800" dirty="0" err="1"/>
+              <a:t>thành</a:t>
+            </a:r>
+            <a:r>
+              <a:rPr lang="en-US" sz="2800" dirty="0"/>
+              <a:t> </a:t>
+            </a:r>
+            <a:r>
+              <a:rPr lang="en-US" sz="2800" dirty="0" err="1"/>
+              <a:t>ảnh</a:t>
+            </a:r>
+            <a:r>
+              <a:rPr lang="en-US" sz="2800" dirty="0"/>
+              <a:t> </a:t>
+            </a:r>
+            <a:r>
+              <a:rPr lang="en-US" sz="2800" dirty="0" err="1"/>
+              <a:t>thang</a:t>
+            </a:r>
+            <a:r>
+              <a:rPr lang="en-US" sz="2800" dirty="0"/>
+              <a:t> </a:t>
+            </a:r>
+            <a:r>
+              <a:rPr lang="en-US" sz="2800" dirty="0" err="1"/>
+              <a:t>độ</a:t>
+            </a:r>
+            <a:r>
+              <a:rPr lang="en-US" sz="2800" dirty="0"/>
+              <a:t> </a:t>
+            </a:r>
+            <a:r>
+              <a:rPr lang="en-US" sz="2800" dirty="0" err="1"/>
+              <a:t>xám</a:t>
+            </a:r>
+            <a:r>
+              <a:rPr lang="en-US" sz="2800" dirty="0"/>
+              <a:t> </a:t>
+            </a:r>
+            <a:r>
+              <a:rPr lang="en-US" sz="2800" dirty="0" err="1"/>
+              <a:t>định</a:t>
+            </a:r>
+            <a:r>
+              <a:rPr lang="en-US" sz="2800" dirty="0"/>
+              <a:t> </a:t>
+            </a:r>
+            <a:r>
+              <a:rPr lang="en-US" sz="2800" dirty="0" err="1"/>
+              <a:t>dạng</a:t>
+            </a:r>
+            <a:r>
+              <a:rPr lang="en-US" sz="2800" dirty="0"/>
+              <a:t> </a:t>
+            </a:r>
+            <a:r>
+              <a:rPr lang="en-US" sz="2800" dirty="0" err="1"/>
+              <a:t>pgm</a:t>
+            </a:r>
+            <a:r>
+              <a:rPr lang="en-US" sz="2800" dirty="0"/>
+              <a:t> </a:t>
+            </a:r>
+            <a:r>
+              <a:rPr lang="en-US" sz="2800" dirty="0" err="1"/>
+              <a:t>để</a:t>
+            </a:r>
+            <a:r>
+              <a:rPr lang="en-US" sz="2800" dirty="0"/>
+              <a:t> </a:t>
+            </a:r>
+            <a:r>
+              <a:rPr lang="en-US" sz="2800" dirty="0" err="1"/>
+              <a:t>phù</a:t>
+            </a:r>
+            <a:r>
+              <a:rPr lang="en-US" sz="2800" dirty="0"/>
+              <a:t> </a:t>
+            </a:r>
+            <a:r>
+              <a:rPr lang="en-US" sz="2800" dirty="0" err="1"/>
+              <a:t>hợp</a:t>
+            </a:r>
+            <a:r>
+              <a:rPr lang="en-US" sz="2800" dirty="0"/>
+              <a:t> </a:t>
+            </a:r>
+            <a:r>
+              <a:rPr lang="en-US" sz="2800" dirty="0" err="1"/>
+              <a:t>cho</a:t>
+            </a:r>
+            <a:r>
+              <a:rPr lang="en-US" sz="2800" dirty="0"/>
+              <a:t> </a:t>
+            </a:r>
+            <a:r>
+              <a:rPr lang="en-US" sz="2800" dirty="0" err="1"/>
+              <a:t>việc</a:t>
+            </a:r>
+            <a:r>
+              <a:rPr lang="en-US" sz="2800" dirty="0"/>
+              <a:t> </a:t>
+            </a:r>
+            <a:r>
+              <a:rPr lang="en-US" sz="2800" dirty="0" err="1"/>
+              <a:t>sử</a:t>
+            </a:r>
+            <a:r>
+              <a:rPr lang="en-US" sz="2800" dirty="0"/>
+              <a:t> </a:t>
+            </a:r>
+            <a:r>
+              <a:rPr lang="en-US" sz="2800" dirty="0" err="1"/>
+              <a:t>dụng</a:t>
+            </a:r>
+            <a:r>
+              <a:rPr lang="en-US" sz="2800" dirty="0"/>
+              <a:t> </a:t>
+            </a:r>
+            <a:r>
+              <a:rPr lang="en-US" sz="2800" dirty="0" err="1"/>
+              <a:t>thuật</a:t>
+            </a:r>
+            <a:r>
+              <a:rPr lang="en-US" sz="2800" dirty="0"/>
+              <a:t> </a:t>
+            </a:r>
+            <a:r>
+              <a:rPr lang="en-US" sz="2800" dirty="0" err="1"/>
+              <a:t>toán</a:t>
+            </a:r>
+            <a:r>
+              <a:rPr lang="en-US" sz="2800" dirty="0"/>
+              <a:t> LBP</a:t>
+            </a:r>
+            <a:r>
+              <a:rPr lang="en-US" sz="2800" dirty="0" smtClean="0"/>
+              <a:t>.</a:t>
+            </a:r>
+          </a:p>
+          <a:p>
+            <a:pPr>
+              <a:buFont typeface="Arial" pitchFamily="34" charset="0"/>
+              <a:buChar char="•"/>
+            </a:pPr>
+            <a:r>
+              <a:rPr lang="en-US" sz="2800" dirty="0" err="1" smtClean="0"/>
+              <a:t>Khi</a:t>
+            </a:r>
+            <a:r>
+              <a:rPr lang="en-US" sz="2800" dirty="0" smtClean="0"/>
+              <a:t> </a:t>
+            </a:r>
+            <a:r>
+              <a:rPr lang="en-US" sz="2800" dirty="0" err="1"/>
+              <a:t>cung</a:t>
+            </a:r>
+            <a:r>
+              <a:rPr lang="en-US" sz="2800" dirty="0"/>
+              <a:t> </a:t>
+            </a:r>
+            <a:r>
+              <a:rPr lang="en-US" sz="2800" dirty="0" err="1"/>
+              <a:t>cấp</a:t>
+            </a:r>
+            <a:r>
+              <a:rPr lang="en-US" sz="2800" dirty="0"/>
+              <a:t> </a:t>
+            </a:r>
+            <a:r>
+              <a:rPr lang="en-US" sz="2800" dirty="0" err="1"/>
+              <a:t>một</a:t>
+            </a:r>
+            <a:r>
+              <a:rPr lang="en-US" sz="2800" dirty="0"/>
+              <a:t> </a:t>
+            </a:r>
+            <a:r>
+              <a:rPr lang="en-US" sz="2800" dirty="0" err="1"/>
+              <a:t>ảnh</a:t>
+            </a:r>
+            <a:r>
+              <a:rPr lang="en-US" sz="2800" dirty="0"/>
+              <a:t> </a:t>
+            </a:r>
+            <a:r>
+              <a:rPr lang="en-US" sz="2800" dirty="0" err="1"/>
+              <a:t>khuôn</a:t>
+            </a:r>
+            <a:r>
+              <a:rPr lang="en-US" sz="2800" dirty="0"/>
+              <a:t> </a:t>
+            </a:r>
+            <a:r>
+              <a:rPr lang="en-US" sz="2800" dirty="0" err="1"/>
+              <a:t>mặt</a:t>
+            </a:r>
+            <a:r>
+              <a:rPr lang="en-US" sz="2800" dirty="0"/>
+              <a:t> </a:t>
+            </a:r>
+            <a:r>
+              <a:rPr lang="en-US" sz="2800" dirty="0" err="1"/>
+              <a:t>thang</a:t>
+            </a:r>
+            <a:r>
+              <a:rPr lang="en-US" sz="2800" dirty="0"/>
+              <a:t> </a:t>
+            </a:r>
+            <a:r>
+              <a:rPr lang="en-US" sz="2800" dirty="0" err="1"/>
+              <a:t>độ</a:t>
+            </a:r>
+            <a:r>
+              <a:rPr lang="en-US" sz="2800" dirty="0"/>
+              <a:t> </a:t>
+            </a:r>
+            <a:r>
+              <a:rPr lang="en-US" sz="2800" dirty="0" err="1"/>
+              <a:t>xám</a:t>
+            </a:r>
+            <a:r>
+              <a:rPr lang="en-US" sz="2800" dirty="0"/>
+              <a:t> </a:t>
+            </a:r>
+            <a:r>
+              <a:rPr lang="en-US" sz="2800" dirty="0" err="1"/>
+              <a:t>và</a:t>
+            </a:r>
+            <a:r>
+              <a:rPr lang="en-US" sz="2800" dirty="0"/>
+              <a:t> </a:t>
+            </a:r>
+            <a:r>
+              <a:rPr lang="en-US" sz="2800" dirty="0" err="1"/>
+              <a:t>xác</a:t>
+            </a:r>
+            <a:r>
+              <a:rPr lang="en-US" sz="2800" dirty="0"/>
+              <a:t> </a:t>
+            </a:r>
+            <a:r>
+              <a:rPr lang="en-US" sz="2800" dirty="0" err="1"/>
+              <a:t>định</a:t>
+            </a:r>
+            <a:r>
+              <a:rPr lang="en-US" sz="2800" dirty="0"/>
+              <a:t> </a:t>
+            </a:r>
+            <a:r>
+              <a:rPr lang="en-US" sz="2800" dirty="0" err="1"/>
+              <a:t>xem</a:t>
+            </a:r>
+            <a:r>
+              <a:rPr lang="en-US" sz="2800" dirty="0"/>
+              <a:t> </a:t>
+            </a:r>
+            <a:r>
+              <a:rPr lang="en-US" sz="2800" dirty="0" err="1"/>
+              <a:t>ảnh</a:t>
+            </a:r>
+            <a:r>
+              <a:rPr lang="en-US" sz="2800" dirty="0"/>
+              <a:t> </a:t>
+            </a:r>
+            <a:r>
+              <a:rPr lang="en-US" sz="2800" dirty="0" err="1"/>
+              <a:t>này</a:t>
+            </a:r>
+            <a:r>
+              <a:rPr lang="en-US" sz="2800" dirty="0"/>
+              <a:t> </a:t>
+            </a:r>
+            <a:r>
+              <a:rPr lang="en-US" sz="2800" dirty="0" err="1"/>
+              <a:t>liệu</a:t>
+            </a:r>
+            <a:r>
+              <a:rPr lang="en-US" sz="2800" dirty="0"/>
+              <a:t> </a:t>
+            </a:r>
+            <a:r>
+              <a:rPr lang="en-US" sz="2800" dirty="0" err="1"/>
+              <a:t>có</a:t>
+            </a:r>
+            <a:r>
+              <a:rPr lang="en-US" sz="2800" dirty="0"/>
+              <a:t> </a:t>
+            </a:r>
+            <a:r>
+              <a:rPr lang="en-US" sz="2800" dirty="0" err="1"/>
+              <a:t>xuất</a:t>
+            </a:r>
+            <a:r>
+              <a:rPr lang="en-US" sz="2800" dirty="0"/>
+              <a:t> </a:t>
+            </a:r>
+            <a:r>
+              <a:rPr lang="en-US" sz="2800" dirty="0" err="1"/>
+              <a:t>hiện</a:t>
+            </a:r>
+            <a:r>
+              <a:rPr lang="en-US" sz="2800" dirty="0"/>
+              <a:t> </a:t>
+            </a:r>
+            <a:r>
+              <a:rPr lang="en-US" sz="2800" dirty="0" err="1"/>
+              <a:t>trong</a:t>
+            </a:r>
+            <a:r>
+              <a:rPr lang="en-US" sz="2800" dirty="0"/>
+              <a:t> </a:t>
+            </a:r>
+            <a:r>
+              <a:rPr lang="en-US" sz="2800" dirty="0" err="1"/>
+              <a:t>cơ</a:t>
+            </a:r>
+            <a:r>
+              <a:rPr lang="en-US" sz="2800" dirty="0"/>
+              <a:t> </a:t>
+            </a:r>
+            <a:r>
+              <a:rPr lang="en-US" sz="2800" dirty="0" err="1"/>
+              <a:t>sở</a:t>
+            </a:r>
+            <a:r>
+              <a:rPr lang="en-US" sz="2800" dirty="0"/>
+              <a:t> </a:t>
+            </a:r>
+            <a:r>
+              <a:rPr lang="en-US" sz="2800" dirty="0" err="1"/>
+              <a:t>dữ</a:t>
+            </a:r>
+            <a:r>
+              <a:rPr lang="en-US" sz="2800" dirty="0"/>
+              <a:t> </a:t>
+            </a:r>
+            <a:r>
+              <a:rPr lang="en-US" sz="2800" dirty="0" err="1"/>
+              <a:t>liệu</a:t>
+            </a:r>
+            <a:r>
+              <a:rPr lang="en-US" sz="2800" dirty="0"/>
+              <a:t> </a:t>
+            </a:r>
+            <a:r>
+              <a:rPr lang="en-US" sz="2800" dirty="0" err="1"/>
+              <a:t>đã</a:t>
+            </a:r>
+            <a:r>
+              <a:rPr lang="en-US" sz="2800" dirty="0"/>
+              <a:t> </a:t>
+            </a:r>
+            <a:r>
+              <a:rPr lang="en-US" sz="2800" dirty="0" err="1"/>
+              <a:t>có</a:t>
+            </a:r>
+            <a:r>
+              <a:rPr lang="en-US" sz="2800" dirty="0"/>
+              <a:t> hay </a:t>
+            </a:r>
+            <a:r>
+              <a:rPr lang="en-US" sz="2800" dirty="0" err="1" smtClean="0"/>
+              <a:t>không</a:t>
+            </a:r>
+            <a:r>
+              <a:rPr lang="en-US" sz="2800" dirty="0" smtClean="0"/>
+              <a:t> </a:t>
+            </a:r>
+            <a:r>
+              <a:rPr lang="en-US" sz="2800" dirty="0" err="1" smtClean="0"/>
+              <a:t>và</a:t>
+            </a:r>
+            <a:r>
+              <a:rPr lang="en-US" sz="2800" dirty="0" smtClean="0"/>
+              <a:t> </a:t>
+            </a:r>
+            <a:r>
+              <a:rPr lang="en-US" sz="2800" dirty="0" err="1" smtClean="0"/>
+              <a:t>ảnh</a:t>
+            </a:r>
+            <a:r>
+              <a:rPr lang="en-US" sz="2800" dirty="0" smtClean="0"/>
+              <a:t> </a:t>
+            </a:r>
+            <a:r>
+              <a:rPr lang="en-US" sz="2800" dirty="0" err="1"/>
+              <a:t>này</a:t>
+            </a:r>
+            <a:r>
+              <a:rPr lang="en-US" sz="2800" dirty="0"/>
+              <a:t> </a:t>
+            </a:r>
+            <a:r>
+              <a:rPr lang="en-US" sz="2800" dirty="0" err="1"/>
+              <a:t>có</a:t>
+            </a:r>
+            <a:r>
+              <a:rPr lang="en-US" sz="2800" dirty="0"/>
+              <a:t> </a:t>
+            </a:r>
+            <a:r>
+              <a:rPr lang="en-US" sz="2800" dirty="0" err="1"/>
+              <a:t>xuất</a:t>
+            </a:r>
+            <a:r>
+              <a:rPr lang="en-US" sz="2800" dirty="0"/>
+              <a:t> </a:t>
+            </a:r>
+            <a:r>
+              <a:rPr lang="en-US" sz="2800" dirty="0" err="1"/>
+              <a:t>hiện</a:t>
+            </a:r>
+            <a:r>
+              <a:rPr lang="en-US" sz="2800" dirty="0"/>
+              <a:t> </a:t>
+            </a:r>
+            <a:r>
+              <a:rPr lang="en-US" sz="2800" dirty="0" err="1"/>
+              <a:t>thì</a:t>
+            </a:r>
+            <a:r>
+              <a:rPr lang="en-US" sz="2800" dirty="0"/>
+              <a:t> </a:t>
+            </a:r>
+            <a:r>
+              <a:rPr lang="en-US" sz="2800" dirty="0" err="1"/>
+              <a:t>thuộc</a:t>
+            </a:r>
+            <a:r>
+              <a:rPr lang="en-US" sz="2800" dirty="0"/>
+              <a:t> </a:t>
+            </a:r>
+            <a:r>
+              <a:rPr lang="en-US" sz="2800" dirty="0" err="1"/>
+              <a:t>vào</a:t>
+            </a:r>
+            <a:r>
+              <a:rPr lang="en-US" sz="2800" dirty="0"/>
+              <a:t> </a:t>
+            </a:r>
+            <a:r>
+              <a:rPr lang="en-US" sz="2800" dirty="0" err="1"/>
+              <a:t>tập</a:t>
+            </a:r>
+            <a:r>
+              <a:rPr lang="en-US" sz="2800" dirty="0"/>
+              <a:t> </a:t>
+            </a:r>
+            <a:r>
+              <a:rPr lang="en-US" sz="2800" dirty="0" err="1"/>
+              <a:t>ảnh</a:t>
+            </a:r>
+            <a:r>
+              <a:rPr lang="en-US" sz="2800" dirty="0"/>
+              <a:t> </a:t>
+            </a:r>
+            <a:r>
+              <a:rPr lang="en-US" sz="2800" dirty="0" err="1" smtClean="0"/>
+              <a:t>nào</a:t>
+            </a:r>
+            <a:r>
+              <a:rPr lang="en-US" sz="2800" dirty="0" smtClean="0"/>
+              <a:t>.</a:t>
+            </a:r>
+            <a:endParaRPr lang="en-US" sz="2800" dirty="0"/>
           </a:p>
         </p:txBody>
       </p:sp>
     </p:spTree>
+  </p:cSld>
+  <p:clrMapOvr>
+    <a:masterClrMapping/>
+  </p:clrMapOvr>
+</p:sld>
+</file>
+
+<file path=ppt/slides/slide37.xml><?xml version="1.0" encoding="utf-8"?>
+<p:sld xmlns:a="http://schemas.openxmlformats.org/drawingml/2006/main" xmlns:r="http://schemas.openxmlformats.org/officeDocument/2006/relationships" xmlns:p="http://schemas.openxmlformats.org/presentationml/2006/main">
+  <p:cSld>
+    <p:spTree>
+      <p:nvGrpSpPr>
+        <p:cNvPr id="1" name=""/>
+        <p:cNvGrpSpPr/>
+        <p:nvPr/>
+      </p:nvGrpSpPr>
+      <p:grpSpPr>
+        <a:xfrm>
+          <a:off x="0" y="0"/>
+          <a:ext cx="0" cy="0"/>
+          <a:chOff x="0" y="0"/>
+          <a:chExt cx="0" cy="0"/>
+        </a:xfrm>
+      </p:grpSpPr>
+      <p:sp>
+        <p:nvSpPr>
+          <p:cNvPr id="36866" name="Title 1"/>
+          <p:cNvSpPr>
+            <a:spLocks noGrp="1"/>
+          </p:cNvSpPr>
+          <p:nvPr>
+            <p:ph type="title"/>
+          </p:nvPr>
+        </p:nvSpPr>
+        <p:spPr>
+          <a:xfrm>
+            <a:off x="395288" y="115888"/>
+            <a:ext cx="8229600" cy="909637"/>
+          </a:xfrm>
+        </p:spPr>
+        <p:txBody>
+          <a:bodyPr/>
+          <a:lstStyle/>
+          <a:p>
+            <a:pPr algn="l" eaLnBrk="1" hangingPunct="1"/>
+            <a:r>
+              <a:rPr lang="en-US" sz="3200" smtClean="0">
+                <a:solidFill>
+                  <a:schemeClr val="bg1"/>
+                </a:solidFill>
+              </a:rPr>
+              <a:t>3. Bài Toán Ứng Dụng</a:t>
+            </a:r>
+            <a:endParaRPr lang="en-US" b="1" smtClean="0"/>
+          </a:p>
+        </p:txBody>
+      </p:sp>
+      <p:sp>
+        <p:nvSpPr>
+          <p:cNvPr id="36867" name="Content Placeholder 2"/>
+          <p:cNvSpPr>
+            <a:spLocks noGrp="1"/>
+          </p:cNvSpPr>
+          <p:nvPr>
+            <p:ph idx="1"/>
+          </p:nvPr>
+        </p:nvSpPr>
+        <p:spPr>
+          <a:xfrm>
+            <a:off x="0" y="981075"/>
+            <a:ext cx="9144000" cy="935038"/>
+          </a:xfrm>
+        </p:spPr>
+        <p:txBody>
+          <a:bodyPr anchor="ctr"/>
+          <a:lstStyle/>
+          <a:p>
+            <a:pPr marL="457200" lvl="1" indent="0">
+              <a:buFontTx/>
+              <a:buNone/>
+            </a:pPr>
+            <a:r>
+              <a:rPr lang="en-US" dirty="0" smtClean="0"/>
+              <a:t>3.2 </a:t>
+            </a:r>
+            <a:r>
+              <a:rPr lang="en-US" dirty="0" err="1" smtClean="0"/>
+              <a:t>Phương</a:t>
+            </a:r>
+            <a:r>
+              <a:rPr lang="en-US" dirty="0" smtClean="0"/>
+              <a:t> </a:t>
+            </a:r>
+            <a:r>
+              <a:rPr lang="en-US" dirty="0" err="1" smtClean="0"/>
+              <a:t>Pháp</a:t>
+            </a:r>
+            <a:r>
+              <a:rPr lang="en-US" dirty="0" smtClean="0"/>
+              <a:t> </a:t>
+            </a:r>
+            <a:r>
+              <a:rPr lang="en-US" dirty="0" err="1" smtClean="0"/>
+              <a:t>thực</a:t>
+            </a:r>
+            <a:r>
+              <a:rPr lang="en-US" dirty="0" smtClean="0"/>
+              <a:t> </a:t>
+            </a:r>
+            <a:r>
+              <a:rPr lang="en-US" dirty="0" err="1" smtClean="0"/>
+              <a:t>hiện</a:t>
+            </a:r>
+            <a:endParaRPr lang="en-US" i="1" dirty="0" smtClean="0"/>
+          </a:p>
+        </p:txBody>
+      </p:sp>
+      <p:sp>
+        <p:nvSpPr>
+          <p:cNvPr id="36868" name="Content Placeholder 2"/>
+          <p:cNvSpPr txBox="1">
+            <a:spLocks/>
+          </p:cNvSpPr>
+          <p:nvPr/>
+        </p:nvSpPr>
+        <p:spPr bwMode="auto">
+          <a:xfrm>
+            <a:off x="547688" y="1916113"/>
+            <a:ext cx="8229600" cy="4249737"/>
+          </a:xfrm>
+          <a:prstGeom prst="rect">
+            <a:avLst/>
+          </a:prstGeom>
+          <a:noFill/>
+          <a:ln>
+            <a:noFill/>
+          </a:ln>
+          <a:effectLst/>
+          <a:extLst>
+            <a:ext uri="{909E8E84-426E-40DD-AFC4-6F175D3DCCD1}">
+              <a14:hiddenFill xmlns:a14="http://schemas.microsoft.com/office/drawing/2010/main">
+                <a:solidFill>
+                  <a:schemeClr val="accent1"/>
+                </a:solidFill>
+              </a14:hiddenFill>
+            </a:ext>
+            <a:ext uri="{91240B29-F687-4F45-9708-019B960494DF}">
+              <a14:hiddenLine xmlns:a14="http://schemas.microsoft.com/office/drawing/2010/main" w="9525">
+                <a:solidFill>
+                  <a:schemeClr val="tx1"/>
+                </a:solidFill>
+                <a:miter lim="800000"/>
+                <a:headEnd/>
+                <a:tailEnd/>
+              </a14:hiddenLine>
+            </a:ext>
+            <a:ext uri="{AF507438-7753-43E0-B8FC-AC1667EBCBE1}">
+              <a14:hiddenEffects xmlns:a14="http://schemas.microsoft.com/office/drawing/2010/main">
+                <a:effectLst>
+                  <a:outerShdw dist="35921" dir="2700000" algn="ctr" rotWithShape="0">
+                    <a:schemeClr val="bg2"/>
+                  </a:outerShdw>
+                </a:effectLst>
+              </a14:hiddenEffects>
+            </a:ext>
+          </a:extLst>
+        </p:spPr>
+        <p:txBody>
+          <a:bodyPr/>
+          <a:lstStyle>
+            <a:lvl1pPr marL="457200" indent="-457200" eaLnBrk="0" hangingPunct="0">
+              <a:defRPr>
+                <a:solidFill>
+                  <a:schemeClr val="tx1"/>
+                </a:solidFill>
+                <a:latin typeface="Arial" panose="020B0604020202020204" pitchFamily="34" charset="0"/>
+                <a:cs typeface="Arial" panose="020B0604020202020204" pitchFamily="34" charset="0"/>
+              </a:defRPr>
+            </a:lvl1pPr>
+            <a:lvl2pPr marL="742950" indent="-285750" eaLnBrk="0" hangingPunct="0">
+              <a:defRPr>
+                <a:solidFill>
+                  <a:schemeClr val="tx1"/>
+                </a:solidFill>
+                <a:latin typeface="Arial" panose="020B0604020202020204" pitchFamily="34" charset="0"/>
+                <a:cs typeface="Arial" panose="020B0604020202020204" pitchFamily="34" charset="0"/>
+              </a:defRPr>
+            </a:lvl2pPr>
+            <a:lvl3pPr marL="1143000" indent="-228600" eaLnBrk="0" hangingPunct="0">
+              <a:defRPr>
+                <a:solidFill>
+                  <a:schemeClr val="tx1"/>
+                </a:solidFill>
+                <a:latin typeface="Arial" panose="020B0604020202020204" pitchFamily="34" charset="0"/>
+                <a:cs typeface="Arial" panose="020B0604020202020204" pitchFamily="34" charset="0"/>
+              </a:defRPr>
+            </a:lvl3pPr>
+            <a:lvl4pPr marL="1600200" indent="-228600" eaLnBrk="0" hangingPunct="0">
+              <a:defRPr>
+                <a:solidFill>
+                  <a:schemeClr val="tx1"/>
+                </a:solidFill>
+                <a:latin typeface="Arial" panose="020B0604020202020204" pitchFamily="34" charset="0"/>
+                <a:cs typeface="Arial" panose="020B0604020202020204" pitchFamily="34" charset="0"/>
+              </a:defRPr>
+            </a:lvl4pPr>
+            <a:lvl5pPr marL="2057400" indent="-228600" eaLnBrk="0" hangingPunct="0">
+              <a:defRPr>
+                <a:solidFill>
+                  <a:schemeClr val="tx1"/>
+                </a:solidFill>
+                <a:latin typeface="Arial" panose="020B0604020202020204" pitchFamily="34" charset="0"/>
+                <a:cs typeface="Arial" panose="020B0604020202020204" pitchFamily="34" charset="0"/>
+              </a:defRPr>
+            </a:lvl5pPr>
+            <a:lvl6pPr marL="2514600" indent="-228600" eaLnBrk="0" fontAlgn="base" hangingPunct="0">
+              <a:spcBef>
+                <a:spcPct val="0"/>
+              </a:spcBef>
+              <a:spcAft>
+                <a:spcPct val="0"/>
+              </a:spcAft>
+              <a:defRPr>
+                <a:solidFill>
+                  <a:schemeClr val="tx1"/>
+                </a:solidFill>
+                <a:latin typeface="Arial" panose="020B0604020202020204" pitchFamily="34" charset="0"/>
+                <a:cs typeface="Arial" panose="020B0604020202020204" pitchFamily="34" charset="0"/>
+              </a:defRPr>
+            </a:lvl6pPr>
+            <a:lvl7pPr marL="2971800" indent="-228600" eaLnBrk="0" fontAlgn="base" hangingPunct="0">
+              <a:spcBef>
+                <a:spcPct val="0"/>
+              </a:spcBef>
+              <a:spcAft>
+                <a:spcPct val="0"/>
+              </a:spcAft>
+              <a:defRPr>
+                <a:solidFill>
+                  <a:schemeClr val="tx1"/>
+                </a:solidFill>
+                <a:latin typeface="Arial" panose="020B0604020202020204" pitchFamily="34" charset="0"/>
+                <a:cs typeface="Arial" panose="020B0604020202020204" pitchFamily="34" charset="0"/>
+              </a:defRPr>
+            </a:lvl7pPr>
+            <a:lvl8pPr marL="3429000" indent="-228600" eaLnBrk="0" fontAlgn="base" hangingPunct="0">
+              <a:spcBef>
+                <a:spcPct val="0"/>
+              </a:spcBef>
+              <a:spcAft>
+                <a:spcPct val="0"/>
+              </a:spcAft>
+              <a:defRPr>
+                <a:solidFill>
+                  <a:schemeClr val="tx1"/>
+                </a:solidFill>
+                <a:latin typeface="Arial" panose="020B0604020202020204" pitchFamily="34" charset="0"/>
+                <a:cs typeface="Arial" panose="020B0604020202020204" pitchFamily="34" charset="0"/>
+              </a:defRPr>
+            </a:lvl8pPr>
+            <a:lvl9pPr marL="3886200" indent="-228600" eaLnBrk="0" fontAlgn="base" hangingPunct="0">
+              <a:spcBef>
+                <a:spcPct val="0"/>
+              </a:spcBef>
+              <a:spcAft>
+                <a:spcPct val="0"/>
+              </a:spcAft>
+              <a:defRPr>
+                <a:solidFill>
+                  <a:schemeClr val="tx1"/>
+                </a:solidFill>
+                <a:latin typeface="Arial" panose="020B0604020202020204" pitchFamily="34" charset="0"/>
+                <a:cs typeface="Arial" panose="020B0604020202020204" pitchFamily="34" charset="0"/>
+              </a:defRPr>
+            </a:lvl9pPr>
+          </a:lstStyle>
+          <a:p>
+            <a:pPr marL="0" indent="0"/>
+            <a:r>
+              <a:rPr lang="en-US" sz="2800" dirty="0" err="1" smtClean="0"/>
+              <a:t>Hình</a:t>
+            </a:r>
+            <a:r>
+              <a:rPr lang="en-US" sz="2800" dirty="0" smtClean="0"/>
+              <a:t> </a:t>
+            </a:r>
+            <a:r>
+              <a:rPr lang="en-US" sz="2800" dirty="0" err="1" smtClean="0"/>
+              <a:t>mô</a:t>
+            </a:r>
+            <a:r>
+              <a:rPr lang="en-US" sz="2800" dirty="0" smtClean="0"/>
+              <a:t> </a:t>
+            </a:r>
+            <a:r>
+              <a:rPr lang="en-US" sz="2800" dirty="0" err="1" smtClean="0"/>
+              <a:t>tả</a:t>
+            </a:r>
+            <a:r>
+              <a:rPr lang="en-US" sz="2800" dirty="0" smtClean="0"/>
+              <a:t> </a:t>
+            </a:r>
+            <a:r>
+              <a:rPr lang="en-US" sz="2800" dirty="0" err="1" smtClean="0"/>
+              <a:t>quá</a:t>
+            </a:r>
+            <a:r>
+              <a:rPr lang="en-US" sz="2800" dirty="0" smtClean="0"/>
+              <a:t> </a:t>
+            </a:r>
+            <a:r>
+              <a:rPr lang="en-US" sz="2800" dirty="0" err="1" smtClean="0"/>
+              <a:t>trình</a:t>
+            </a:r>
+            <a:r>
+              <a:rPr lang="en-US" sz="2800" dirty="0" smtClean="0"/>
+              <a:t> </a:t>
+            </a:r>
+            <a:r>
+              <a:rPr lang="en-US" sz="2800" dirty="0" err="1" smtClean="0"/>
+              <a:t>thực</a:t>
+            </a:r>
+            <a:r>
+              <a:rPr lang="en-US" sz="2800" dirty="0" smtClean="0"/>
+              <a:t> </a:t>
+            </a:r>
+            <a:r>
+              <a:rPr lang="en-US" sz="2800" dirty="0" err="1" smtClean="0"/>
+              <a:t>hiện</a:t>
+            </a:r>
+            <a:r>
+              <a:rPr lang="en-US" sz="2800" dirty="0" smtClean="0"/>
+              <a:t>:</a:t>
+            </a:r>
+          </a:p>
+          <a:p>
+            <a:pPr marL="0" indent="0"/>
+            <a:endParaRPr lang="en-US" sz="2800" dirty="0" smtClean="0"/>
+          </a:p>
+          <a:p>
+            <a:pPr marL="0" indent="0"/>
+            <a:endParaRPr lang="en-US" sz="2800" dirty="0"/>
+          </a:p>
+        </p:txBody>
+      </p:sp>
+      <p:pic>
+        <p:nvPicPr>
+          <p:cNvPr id="5" name="Picture 4"/>
+          <p:cNvPicPr/>
+          <p:nvPr/>
+        </p:nvPicPr>
+        <p:blipFill>
+          <a:blip r:embed="rId2">
+            <a:extLst>
+              <a:ext uri="{28A0092B-C50C-407E-A947-70E740481C1C}">
+                <a14:useLocalDpi xmlns:a14="http://schemas.microsoft.com/office/drawing/2010/main" val="0"/>
+              </a:ext>
+            </a:extLst>
+          </a:blip>
+          <a:srcRect/>
+          <a:stretch>
+            <a:fillRect/>
+          </a:stretch>
+        </p:blipFill>
+        <p:spPr bwMode="auto">
+          <a:xfrm>
+            <a:off x="547688" y="2596896"/>
+            <a:ext cx="8229600" cy="3784432"/>
+          </a:xfrm>
+          <a:prstGeom prst="rect">
+            <a:avLst/>
+          </a:prstGeom>
+          <a:noFill/>
+          <a:ln>
+            <a:noFill/>
+          </a:ln>
+        </p:spPr>
+      </p:pic>
+    </p:spTree>
+    <p:extLst>
+      <p:ext uri="{BB962C8B-B14F-4D97-AF65-F5344CB8AC3E}">
+        <p14:creationId xmlns:p14="http://schemas.microsoft.com/office/powerpoint/2010/main" val="2218044382"/>
+      </p:ext>
+    </p:extLst>
+  </p:cSld>
+  <p:clrMapOvr>
+    <a:masterClrMapping/>
+  </p:clrMapOvr>
+</p:sld>
+</file>
+
+<file path=ppt/slides/slide38.xml><?xml version="1.0" encoding="utf-8"?>
+<p:sld xmlns:a="http://schemas.openxmlformats.org/drawingml/2006/main" xmlns:r="http://schemas.openxmlformats.org/officeDocument/2006/relationships" xmlns:p="http://schemas.openxmlformats.org/presentationml/2006/main">
+  <p:cSld>
+    <p:spTree>
+      <p:nvGrpSpPr>
+        <p:cNvPr id="1" name=""/>
+        <p:cNvGrpSpPr/>
+        <p:nvPr/>
+      </p:nvGrpSpPr>
+      <p:grpSpPr>
+        <a:xfrm>
+          <a:off x="0" y="0"/>
+          <a:ext cx="0" cy="0"/>
+          <a:chOff x="0" y="0"/>
+          <a:chExt cx="0" cy="0"/>
+        </a:xfrm>
+      </p:grpSpPr>
+      <p:sp>
+        <p:nvSpPr>
+          <p:cNvPr id="36866" name="Title 1"/>
+          <p:cNvSpPr>
+            <a:spLocks noGrp="1"/>
+          </p:cNvSpPr>
+          <p:nvPr>
+            <p:ph type="title"/>
+          </p:nvPr>
+        </p:nvSpPr>
+        <p:spPr>
+          <a:xfrm>
+            <a:off x="395288" y="115888"/>
+            <a:ext cx="8229600" cy="909637"/>
+          </a:xfrm>
+        </p:spPr>
+        <p:txBody>
+          <a:bodyPr/>
+          <a:lstStyle/>
+          <a:p>
+            <a:pPr algn="l" eaLnBrk="1" hangingPunct="1"/>
+            <a:r>
+              <a:rPr lang="en-US" sz="3200" smtClean="0">
+                <a:solidFill>
+                  <a:schemeClr val="bg1"/>
+                </a:solidFill>
+              </a:rPr>
+              <a:t>3. Bài Toán Ứng Dụng</a:t>
+            </a:r>
+            <a:endParaRPr lang="en-US" b="1" smtClean="0"/>
+          </a:p>
+        </p:txBody>
+      </p:sp>
+      <p:sp>
+        <p:nvSpPr>
+          <p:cNvPr id="36867" name="Content Placeholder 2"/>
+          <p:cNvSpPr>
+            <a:spLocks noGrp="1"/>
+          </p:cNvSpPr>
+          <p:nvPr>
+            <p:ph idx="1"/>
+          </p:nvPr>
+        </p:nvSpPr>
+        <p:spPr>
+          <a:xfrm>
+            <a:off x="0" y="981075"/>
+            <a:ext cx="9144000" cy="935038"/>
+          </a:xfrm>
+        </p:spPr>
+        <p:txBody>
+          <a:bodyPr anchor="ctr"/>
+          <a:lstStyle/>
+          <a:p>
+            <a:pPr marL="457200" lvl="1" indent="0">
+              <a:buFontTx/>
+              <a:buNone/>
+            </a:pPr>
+            <a:r>
+              <a:rPr lang="en-US" dirty="0" smtClean="0"/>
+              <a:t>3.2 </a:t>
+            </a:r>
+            <a:r>
+              <a:rPr lang="en-US" dirty="0" err="1" smtClean="0"/>
+              <a:t>Phương</a:t>
+            </a:r>
+            <a:r>
+              <a:rPr lang="en-US" dirty="0" smtClean="0"/>
+              <a:t> </a:t>
+            </a:r>
+            <a:r>
+              <a:rPr lang="en-US" dirty="0" err="1" smtClean="0"/>
+              <a:t>Pháp</a:t>
+            </a:r>
+            <a:r>
+              <a:rPr lang="en-US" dirty="0" smtClean="0"/>
+              <a:t> </a:t>
+            </a:r>
+            <a:r>
+              <a:rPr lang="en-US" dirty="0" err="1" smtClean="0"/>
+              <a:t>thực</a:t>
+            </a:r>
+            <a:r>
+              <a:rPr lang="en-US" dirty="0" smtClean="0"/>
+              <a:t> </a:t>
+            </a:r>
+            <a:r>
+              <a:rPr lang="en-US" dirty="0" err="1" smtClean="0"/>
+              <a:t>hiện</a:t>
+            </a:r>
+            <a:r>
+              <a:rPr lang="en-US" dirty="0" smtClean="0"/>
+              <a:t>(</a:t>
+            </a:r>
+            <a:r>
+              <a:rPr lang="en-US" dirty="0" err="1" smtClean="0"/>
+              <a:t>tt</a:t>
+            </a:r>
+            <a:r>
+              <a:rPr lang="en-US" dirty="0" smtClean="0"/>
+              <a:t>)</a:t>
+            </a:r>
+            <a:endParaRPr lang="en-US" i="1" dirty="0" smtClean="0"/>
+          </a:p>
+        </p:txBody>
+      </p:sp>
+      <mc:AlternateContent xmlns:mc="http://schemas.openxmlformats.org/markup-compatibility/2006">
+        <mc:Choice xmlns:a14="http://schemas.microsoft.com/office/drawing/2010/main" Requires="a14">
+          <p:sp>
+            <p:nvSpPr>
+              <p:cNvPr id="36868" name="Content Placeholder 2"/>
+              <p:cNvSpPr txBox="1">
+                <a:spLocks/>
+              </p:cNvSpPr>
+              <p:nvPr/>
+            </p:nvSpPr>
+            <p:spPr bwMode="auto">
+              <a:xfrm>
+                <a:off x="547688" y="1916113"/>
+                <a:ext cx="8229600" cy="4249737"/>
+              </a:xfrm>
+              <a:prstGeom prst="rect">
+                <a:avLst/>
+              </a:prstGeom>
+              <a:noFill/>
+              <a:ln>
+                <a:noFill/>
+              </a:ln>
+              <a:effectLst/>
+              <a:extLst>
+                <a:ext uri="{909E8E84-426E-40DD-AFC4-6F175D3DCCD1}">
+                  <a14:hiddenFill>
+                    <a:solidFill>
+                      <a:schemeClr val="accent1"/>
+                    </a:solidFill>
+                  </a14:hiddenFill>
+                </a:ext>
+                <a:ext uri="{91240B29-F687-4F45-9708-019B960494DF}">
+                  <a14:hiddenLine w="9525">
+                    <a:solidFill>
+                      <a:schemeClr val="tx1"/>
+                    </a:solidFill>
+                    <a:miter lim="800000"/>
+                    <a:headEnd/>
+                    <a:tailEnd/>
+                  </a14:hiddenLine>
+                </a:ext>
+                <a:ext uri="{AF507438-7753-43E0-B8FC-AC1667EBCBE1}">
+                  <a14:hiddenEffects>
+                    <a:effectLst>
+                      <a:outerShdw dist="35921" dir="2700000" algn="ctr" rotWithShape="0">
+                        <a:schemeClr val="bg2"/>
+                      </a:outerShdw>
+                    </a:effectLst>
+                  </a14:hiddenEffects>
+                </a:ext>
+              </a:extLst>
+            </p:spPr>
+            <p:txBody>
+              <a:bodyPr/>
+              <a:lstStyle>
+                <a:lvl1pPr marL="457200" indent="-457200" eaLnBrk="0" hangingPunct="0">
+                  <a:defRPr>
+                    <a:solidFill>
+                      <a:schemeClr val="tx1"/>
+                    </a:solidFill>
+                    <a:latin typeface="Arial" panose="020B0604020202020204" pitchFamily="34" charset="0"/>
+                    <a:cs typeface="Arial" panose="020B0604020202020204" pitchFamily="34" charset="0"/>
+                  </a:defRPr>
+                </a:lvl1pPr>
+                <a:lvl2pPr marL="742950" indent="-285750" eaLnBrk="0" hangingPunct="0">
+                  <a:defRPr>
+                    <a:solidFill>
+                      <a:schemeClr val="tx1"/>
+                    </a:solidFill>
+                    <a:latin typeface="Arial" panose="020B0604020202020204" pitchFamily="34" charset="0"/>
+                    <a:cs typeface="Arial" panose="020B0604020202020204" pitchFamily="34" charset="0"/>
+                  </a:defRPr>
+                </a:lvl2pPr>
+                <a:lvl3pPr marL="1143000" indent="-228600" eaLnBrk="0" hangingPunct="0">
+                  <a:defRPr>
+                    <a:solidFill>
+                      <a:schemeClr val="tx1"/>
+                    </a:solidFill>
+                    <a:latin typeface="Arial" panose="020B0604020202020204" pitchFamily="34" charset="0"/>
+                    <a:cs typeface="Arial" panose="020B0604020202020204" pitchFamily="34" charset="0"/>
+                  </a:defRPr>
+                </a:lvl3pPr>
+                <a:lvl4pPr marL="1600200" indent="-228600" eaLnBrk="0" hangingPunct="0">
+                  <a:defRPr>
+                    <a:solidFill>
+                      <a:schemeClr val="tx1"/>
+                    </a:solidFill>
+                    <a:latin typeface="Arial" panose="020B0604020202020204" pitchFamily="34" charset="0"/>
+                    <a:cs typeface="Arial" panose="020B0604020202020204" pitchFamily="34" charset="0"/>
+                  </a:defRPr>
+                </a:lvl4pPr>
+                <a:lvl5pPr marL="2057400" indent="-228600" eaLnBrk="0" hangingPunct="0">
+                  <a:defRPr>
+                    <a:solidFill>
+                      <a:schemeClr val="tx1"/>
+                    </a:solidFill>
+                    <a:latin typeface="Arial" panose="020B0604020202020204" pitchFamily="34" charset="0"/>
+                    <a:cs typeface="Arial" panose="020B0604020202020204" pitchFamily="34" charset="0"/>
+                  </a:defRPr>
+                </a:lvl5pPr>
+                <a:lvl6pPr marL="2514600" indent="-228600" eaLnBrk="0" fontAlgn="base" hangingPunct="0">
+                  <a:spcBef>
+                    <a:spcPct val="0"/>
+                  </a:spcBef>
+                  <a:spcAft>
+                    <a:spcPct val="0"/>
+                  </a:spcAft>
+                  <a:defRPr>
+                    <a:solidFill>
+                      <a:schemeClr val="tx1"/>
+                    </a:solidFill>
+                    <a:latin typeface="Arial" panose="020B0604020202020204" pitchFamily="34" charset="0"/>
+                    <a:cs typeface="Arial" panose="020B0604020202020204" pitchFamily="34" charset="0"/>
+                  </a:defRPr>
+                </a:lvl6pPr>
+                <a:lvl7pPr marL="2971800" indent="-228600" eaLnBrk="0" fontAlgn="base" hangingPunct="0">
+                  <a:spcBef>
+                    <a:spcPct val="0"/>
+                  </a:spcBef>
+                  <a:spcAft>
+                    <a:spcPct val="0"/>
+                  </a:spcAft>
+                  <a:defRPr>
+                    <a:solidFill>
+                      <a:schemeClr val="tx1"/>
+                    </a:solidFill>
+                    <a:latin typeface="Arial" panose="020B0604020202020204" pitchFamily="34" charset="0"/>
+                    <a:cs typeface="Arial" panose="020B0604020202020204" pitchFamily="34" charset="0"/>
+                  </a:defRPr>
+                </a:lvl7pPr>
+                <a:lvl8pPr marL="3429000" indent="-228600" eaLnBrk="0" fontAlgn="base" hangingPunct="0">
+                  <a:spcBef>
+                    <a:spcPct val="0"/>
+                  </a:spcBef>
+                  <a:spcAft>
+                    <a:spcPct val="0"/>
+                  </a:spcAft>
+                  <a:defRPr>
+                    <a:solidFill>
+                      <a:schemeClr val="tx1"/>
+                    </a:solidFill>
+                    <a:latin typeface="Arial" panose="020B0604020202020204" pitchFamily="34" charset="0"/>
+                    <a:cs typeface="Arial" panose="020B0604020202020204" pitchFamily="34" charset="0"/>
+                  </a:defRPr>
+                </a:lvl8pPr>
+                <a:lvl9pPr marL="3886200" indent="-228600" eaLnBrk="0" fontAlgn="base" hangingPunct="0">
+                  <a:spcBef>
+                    <a:spcPct val="0"/>
+                  </a:spcBef>
+                  <a:spcAft>
+                    <a:spcPct val="0"/>
+                  </a:spcAft>
+                  <a:defRPr>
+                    <a:solidFill>
+                      <a:schemeClr val="tx1"/>
+                    </a:solidFill>
+                    <a:latin typeface="Arial" panose="020B0604020202020204" pitchFamily="34" charset="0"/>
+                    <a:cs typeface="Arial" panose="020B0604020202020204" pitchFamily="34" charset="0"/>
+                  </a:defRPr>
+                </a:lvl9pPr>
+              </a:lstStyle>
+              <a:p>
+                <a:pPr marL="0" indent="0"/>
+                <a:r>
+                  <a:rPr lang="en-US" sz="2800" dirty="0" err="1" smtClean="0"/>
+                  <a:t>Các</a:t>
+                </a:r>
+                <a:r>
+                  <a:rPr lang="en-US" sz="2800" dirty="0" smtClean="0"/>
+                  <a:t> </a:t>
+                </a:r>
+                <a:r>
+                  <a:rPr lang="en-US" sz="2800" dirty="0" err="1" smtClean="0"/>
+                  <a:t>bước</a:t>
+                </a:r>
+                <a:r>
+                  <a:rPr lang="en-US" sz="2800" dirty="0" smtClean="0"/>
+                  <a:t> </a:t>
+                </a:r>
+                <a:r>
+                  <a:rPr lang="en-US" sz="2800" dirty="0" err="1" smtClean="0"/>
+                  <a:t>thực</a:t>
+                </a:r>
+                <a:r>
+                  <a:rPr lang="en-US" sz="2800" dirty="0" smtClean="0"/>
+                  <a:t> </a:t>
+                </a:r>
+                <a:r>
+                  <a:rPr lang="en-US" sz="2800" dirty="0" err="1" smtClean="0"/>
+                  <a:t>hiện</a:t>
+                </a:r>
+                <a:r>
+                  <a:rPr lang="en-US" sz="2800" dirty="0" smtClean="0"/>
+                  <a:t>:</a:t>
+                </a:r>
+              </a:p>
+              <a:p>
+                <a:pPr marL="0" indent="0"/>
+                <a:r>
+                  <a:rPr lang="en-US" sz="2800" dirty="0" smtClean="0"/>
+                  <a:t>	</a:t>
+                </a:r>
+                <a:r>
+                  <a:rPr lang="en-US" sz="2800" dirty="0" err="1" smtClean="0"/>
+                  <a:t>Bước</a:t>
+                </a:r>
+                <a:r>
+                  <a:rPr lang="en-US" sz="2800" dirty="0" smtClean="0"/>
+                  <a:t> 1: </a:t>
+                </a:r>
+                <a:r>
+                  <a:rPr lang="en-US" sz="2800" dirty="0" err="1" smtClean="0"/>
+                  <a:t>Đọc</a:t>
+                </a:r>
+                <a:r>
+                  <a:rPr lang="en-US" sz="2800" dirty="0" smtClean="0"/>
+                  <a:t> </a:t>
+                </a:r>
+                <a:r>
+                  <a:rPr lang="en-US" sz="2800" dirty="0" err="1"/>
+                  <a:t>các</a:t>
+                </a:r>
+                <a:r>
+                  <a:rPr lang="en-US" sz="2800" dirty="0"/>
+                  <a:t> </a:t>
+                </a:r>
+                <a:r>
+                  <a:rPr lang="en-US" sz="2800" dirty="0" err="1"/>
+                  <a:t>dữ</a:t>
+                </a:r>
+                <a:r>
+                  <a:rPr lang="en-US" sz="2800" dirty="0"/>
+                  <a:t> </a:t>
+                </a:r>
+                <a:r>
+                  <a:rPr lang="en-US" sz="2800" dirty="0" err="1"/>
+                  <a:t>liệu</a:t>
+                </a:r>
+                <a:r>
+                  <a:rPr lang="en-US" sz="2800" dirty="0"/>
+                  <a:t> </a:t>
+                </a:r>
+                <a:r>
+                  <a:rPr lang="en-US" sz="2800" dirty="0" err="1"/>
+                  <a:t>mẫu</a:t>
+                </a:r>
+                <a:r>
+                  <a:rPr lang="en-US" sz="2800" dirty="0"/>
+                  <a:t> </a:t>
+                </a:r>
+                <a:r>
+                  <a:rPr lang="en-US" sz="2800" dirty="0" err="1"/>
+                  <a:t>để</a:t>
+                </a:r>
+                <a:r>
+                  <a:rPr lang="en-US" sz="2800" dirty="0"/>
+                  <a:t> </a:t>
+                </a:r>
+                <a:r>
+                  <a:rPr lang="en-US" sz="2800" dirty="0" err="1"/>
+                  <a:t>huấn</a:t>
+                </a:r>
+                <a:r>
+                  <a:rPr lang="en-US" sz="2800" dirty="0"/>
+                  <a:t> </a:t>
+                </a:r>
+                <a:r>
+                  <a:rPr lang="en-US" sz="2800" dirty="0" err="1" smtClean="0"/>
+                  <a:t>luyện</a:t>
+                </a:r>
+                <a:r>
+                  <a:rPr lang="en-US" sz="2800" dirty="0" smtClean="0"/>
+                  <a:t>, </a:t>
+                </a:r>
+                <a:r>
+                  <a:rPr lang="en-US" sz="2800" dirty="0" err="1" smtClean="0"/>
+                  <a:t>với</a:t>
+                </a:r>
+                <a:r>
+                  <a:rPr lang="en-US" sz="2800" dirty="0" smtClean="0"/>
+                  <a:t> </a:t>
+                </a:r>
+                <a:r>
+                  <a:rPr lang="en-US" sz="2800" dirty="0" err="1"/>
+                  <a:t>mỗi</a:t>
+                </a:r>
+                <a:r>
+                  <a:rPr lang="en-US" sz="2800" dirty="0"/>
+                  <a:t> </a:t>
+                </a:r>
+                <a:r>
+                  <a:rPr lang="en-US" sz="2800" dirty="0" err="1"/>
+                  <a:t>ảnh</a:t>
+                </a:r>
+                <a:r>
+                  <a:rPr lang="en-US" sz="2800" dirty="0"/>
+                  <a:t> </a:t>
+                </a:r>
+                <a:r>
+                  <a:rPr lang="en-US" sz="2800" dirty="0" err="1"/>
+                  <a:t>đọc</a:t>
+                </a:r>
+                <a:r>
+                  <a:rPr lang="en-US" sz="2800" dirty="0"/>
+                  <a:t> </a:t>
+                </a:r>
+                <a:r>
+                  <a:rPr lang="en-US" sz="2800" dirty="0" err="1"/>
+                  <a:t>được</a:t>
+                </a:r>
+                <a:r>
+                  <a:rPr lang="en-US" sz="2800" dirty="0"/>
+                  <a:t>, </a:t>
+                </a:r>
+                <a:r>
+                  <a:rPr lang="en-US" sz="2800" dirty="0" err="1" smtClean="0"/>
+                  <a:t>gọi</a:t>
+                </a:r>
+                <a:r>
+                  <a:rPr lang="en-US" sz="2800" dirty="0" smtClean="0"/>
+                  <a:t> </a:t>
+                </a:r>
+                <a:r>
+                  <a:rPr lang="en-US" sz="2800" dirty="0" err="1"/>
+                  <a:t>phương</a:t>
+                </a:r>
+                <a:r>
+                  <a:rPr lang="en-US" sz="2800" dirty="0"/>
+                  <a:t> </a:t>
+                </a:r>
+                <a:r>
+                  <a:rPr lang="en-US" sz="2800" dirty="0" err="1"/>
+                  <a:t>thức</a:t>
+                </a:r>
+                <a:r>
+                  <a:rPr lang="en-US" sz="2800" dirty="0"/>
+                  <a:t> </a:t>
+                </a:r>
+                <a:r>
+                  <a:rPr lang="en-US" sz="2800" i="1" dirty="0" err="1" smtClean="0"/>
+                  <a:t>createLBPHFaceRecognizer</a:t>
+                </a:r>
+                <a:r>
+                  <a:rPr lang="en-US" sz="2800" i="1" dirty="0" smtClean="0"/>
+                  <a:t>.</a:t>
+                </a:r>
+              </a:p>
+              <a:p>
+                <a:pPr marL="0" indent="0"/>
+                <a:r>
+                  <a:rPr lang="en-US" sz="2800" dirty="0" smtClean="0"/>
+                  <a:t>	</a:t>
+                </a:r>
+                <a:r>
+                  <a:rPr lang="en-US" sz="2800" dirty="0" err="1" smtClean="0"/>
+                  <a:t>Bước</a:t>
+                </a:r>
+                <a:r>
+                  <a:rPr lang="en-US" sz="2800" dirty="0" smtClean="0"/>
+                  <a:t> 2: </a:t>
+                </a:r>
+                <a:r>
+                  <a:rPr lang="en-US" sz="2800" dirty="0" err="1" smtClean="0"/>
+                  <a:t>Mỗi</a:t>
+                </a:r>
+                <a:r>
+                  <a:rPr lang="en-US" sz="2800" dirty="0" smtClean="0"/>
+                  <a:t> </a:t>
+                </a:r>
+                <a:r>
+                  <a:rPr lang="en-US" sz="2800" dirty="0" err="1"/>
+                  <a:t>ảnh</a:t>
+                </a:r>
+                <a:r>
+                  <a:rPr lang="en-US" sz="2800" dirty="0"/>
+                  <a:t> </a:t>
+                </a:r>
+                <a:r>
+                  <a:rPr lang="en-US" sz="2800" dirty="0" err="1"/>
+                  <a:t>sẽ</a:t>
+                </a:r>
+                <a:r>
+                  <a:rPr lang="en-US" sz="2800" dirty="0"/>
+                  <a:t> </a:t>
+                </a:r>
+                <a:r>
+                  <a:rPr lang="en-US" sz="2800" dirty="0" err="1"/>
+                  <a:t>được</a:t>
+                </a:r>
+                <a:r>
+                  <a:rPr lang="en-US" sz="2800" dirty="0"/>
+                  <a:t> chia </a:t>
+                </a:r>
+                <a:r>
+                  <a:rPr lang="en-US" sz="2800" dirty="0" err="1"/>
+                  <a:t>nhỏ</a:t>
+                </a:r>
+                <a:r>
+                  <a:rPr lang="en-US" sz="2800" dirty="0"/>
+                  <a:t> </a:t>
+                </a:r>
+                <a:r>
+                  <a:rPr lang="en-US" sz="2800" dirty="0" err="1"/>
+                  <a:t>thành</a:t>
+                </a:r>
+                <a:r>
+                  <a:rPr lang="en-US" sz="2800" dirty="0"/>
+                  <a:t> </a:t>
+                </a:r>
+                <a:r>
+                  <a:rPr lang="en-US" sz="2800" dirty="0" err="1"/>
+                  <a:t>thành</a:t>
+                </a:r>
+                <a:r>
+                  <a:rPr lang="en-US" sz="2800" dirty="0"/>
+                  <a:t> </a:t>
+                </a:r>
+                <a:r>
+                  <a:rPr lang="en-US" sz="2800" dirty="0" err="1"/>
+                  <a:t>các</a:t>
+                </a:r>
+                <a:r>
+                  <a:rPr lang="en-US" sz="2800" dirty="0"/>
+                  <a:t> </a:t>
+                </a:r>
+                <a:r>
+                  <a:rPr lang="en-US" sz="2800" dirty="0" smtClean="0"/>
+                  <a:t>ô. </a:t>
+                </a:r>
+                <a:r>
+                  <a:rPr lang="en-US" sz="2800" dirty="0" err="1" smtClean="0"/>
+                  <a:t>Mỗi</a:t>
+                </a:r>
+                <a:r>
+                  <a:rPr lang="en-US" sz="2800" dirty="0" smtClean="0"/>
+                  <a:t> </a:t>
+                </a:r>
+                <a:r>
+                  <a:rPr lang="en-US" sz="2800" dirty="0"/>
+                  <a:t>ô </a:t>
+                </a:r>
+                <a:r>
+                  <a:rPr lang="en-US" sz="2800" dirty="0" err="1"/>
+                  <a:t>sẽ</a:t>
+                </a:r>
+                <a:r>
+                  <a:rPr lang="en-US" sz="2800" dirty="0"/>
+                  <a:t> </a:t>
+                </a:r>
+                <a:r>
+                  <a:rPr lang="en-US" sz="2800" dirty="0" err="1"/>
+                  <a:t>tiến</a:t>
+                </a:r>
+                <a:r>
+                  <a:rPr lang="en-US" sz="2800" dirty="0"/>
+                  <a:t> </a:t>
+                </a:r>
+                <a:r>
+                  <a:rPr lang="en-US" sz="2800" dirty="0" err="1"/>
+                  <a:t>hành</a:t>
+                </a:r>
+                <a:r>
+                  <a:rPr lang="en-US" sz="2800" dirty="0"/>
+                  <a:t> </a:t>
+                </a:r>
+                <a:r>
+                  <a:rPr lang="en-US" sz="2800" dirty="0" err="1"/>
+                  <a:t>xây</a:t>
+                </a:r>
+                <a:r>
+                  <a:rPr lang="en-US" sz="2800" dirty="0"/>
+                  <a:t> </a:t>
+                </a:r>
+                <a:r>
+                  <a:rPr lang="en-US" sz="2800" dirty="0" err="1"/>
+                  <a:t>dựng</a:t>
+                </a:r>
+                <a:r>
+                  <a:rPr lang="en-US" sz="2800" dirty="0"/>
+                  <a:t> </a:t>
+                </a:r>
+                <a:r>
+                  <a:rPr lang="en-US" sz="2800" dirty="0" err="1"/>
+                  <a:t>biểu</a:t>
+                </a:r>
+                <a:r>
+                  <a:rPr lang="en-US" sz="2800" dirty="0"/>
+                  <a:t> </a:t>
+                </a:r>
+                <a:r>
+                  <a:rPr lang="en-US" sz="2800" dirty="0" err="1"/>
+                  <a:t>đồ</a:t>
+                </a:r>
+                <a:r>
+                  <a:rPr lang="en-US" sz="2800" dirty="0"/>
+                  <a:t> </a:t>
+                </a:r>
+                <a:r>
+                  <a:rPr lang="en-US" sz="2800" dirty="0" err="1"/>
+                  <a:t>tần</a:t>
+                </a:r>
+                <a:r>
+                  <a:rPr lang="en-US" sz="2800" dirty="0"/>
+                  <a:t> </a:t>
+                </a:r>
+                <a:r>
+                  <a:rPr lang="en-US" sz="2800" dirty="0" err="1"/>
+                  <a:t>số</a:t>
+                </a:r>
+                <a:r>
+                  <a:rPr lang="en-US" sz="2800" dirty="0"/>
+                  <a:t>. </a:t>
+                </a:r>
+                <a:endParaRPr lang="en-US" sz="2800" dirty="0" smtClean="0"/>
+              </a:p>
+              <a:p>
+                <a:pPr marL="0" indent="0"/>
+                <a14:m>
+                  <m:oMathPara xmlns:m="http://schemas.openxmlformats.org/officeDocument/2006/math">
+                    <m:oMathParaPr>
+                      <m:jc m:val="centerGroup"/>
+                    </m:oMathParaPr>
+                    <m:oMath xmlns:m="http://schemas.openxmlformats.org/officeDocument/2006/math">
+                      <m:r>
+                        <a:rPr lang="en-US" sz="2800" i="1"/>
+                        <m:t>𝐿𝐵𝑃</m:t>
+                      </m:r>
+                      <m:d>
+                        <m:dPr>
+                          <m:ctrlPr>
+                            <a:rPr lang="en-US" sz="2800" i="1"/>
+                          </m:ctrlPr>
+                        </m:dPr>
+                        <m:e>
+                          <m:sSub>
+                            <m:sSubPr>
+                              <m:ctrlPr>
+                                <a:rPr lang="en-US" sz="2800" i="1"/>
+                              </m:ctrlPr>
+                            </m:sSubPr>
+                            <m:e>
+                              <m:r>
+                                <a:rPr lang="en-US" sz="2800" i="1"/>
+                                <m:t>𝑥</m:t>
+                              </m:r>
+                            </m:e>
+                            <m:sub>
+                              <m:r>
+                                <a:rPr lang="en-US" sz="2800" i="1"/>
+                                <m:t>𝐶</m:t>
+                              </m:r>
+                            </m:sub>
+                          </m:sSub>
+                          <m:r>
+                            <a:rPr lang="en-US" sz="2800" i="1"/>
+                            <m:t>,</m:t>
+                          </m:r>
+                          <m:sSub>
+                            <m:sSubPr>
+                              <m:ctrlPr>
+                                <a:rPr lang="en-US" sz="2800" i="1"/>
+                              </m:ctrlPr>
+                            </m:sSubPr>
+                            <m:e>
+                              <m:r>
+                                <a:rPr lang="en-US" sz="2800" i="1"/>
+                                <m:t>𝑦</m:t>
+                              </m:r>
+                            </m:e>
+                            <m:sub>
+                              <m:r>
+                                <a:rPr lang="en-US" sz="2800" i="1"/>
+                                <m:t>𝐶</m:t>
+                              </m:r>
+                            </m:sub>
+                          </m:sSub>
+                        </m:e>
+                      </m:d>
+                      <m:r>
+                        <a:rPr lang="en-US" sz="2800" i="1"/>
+                        <m:t>=</m:t>
+                      </m:r>
+                      <m:nary>
+                        <m:naryPr>
+                          <m:chr m:val="∑"/>
+                          <m:limLoc m:val="undOvr"/>
+                          <m:ctrlPr>
+                            <a:rPr lang="en-US" sz="2800" i="1"/>
+                          </m:ctrlPr>
+                        </m:naryPr>
+                        <m:sub>
+                          <m:r>
+                            <a:rPr lang="en-US" sz="2800" i="1"/>
+                            <m:t>𝑝</m:t>
+                          </m:r>
+                          <m:r>
+                            <a:rPr lang="en-US" sz="2800" i="1"/>
+                            <m:t>=0</m:t>
+                          </m:r>
+                        </m:sub>
+                        <m:sup>
+                          <m:r>
+                            <a:rPr lang="en-US" sz="2800" i="1"/>
+                            <m:t>𝑃</m:t>
+                          </m:r>
+                          <m:r>
+                            <a:rPr lang="en-US" sz="2800" i="1"/>
+                            <m:t>−1</m:t>
+                          </m:r>
+                        </m:sup>
+                        <m:e>
+                          <m:sSup>
+                            <m:sSupPr>
+                              <m:ctrlPr>
+                                <a:rPr lang="en-US" sz="2800" i="1"/>
+                              </m:ctrlPr>
+                            </m:sSupPr>
+                            <m:e>
+                              <m:r>
+                                <a:rPr lang="en-US" sz="2800" i="1"/>
+                                <m:t>2</m:t>
+                              </m:r>
+                            </m:e>
+                            <m:sup>
+                              <m:r>
+                                <a:rPr lang="en-US" sz="2800" i="1"/>
+                                <m:t>𝑝</m:t>
+                              </m:r>
+                            </m:sup>
+                          </m:sSup>
+                        </m:e>
+                      </m:nary>
+                      <m:r>
+                        <a:rPr lang="en-US" sz="2800" i="1"/>
+                        <m:t>𝑠</m:t>
+                      </m:r>
+                      <m:r>
+                        <a:rPr lang="en-US" sz="2800" i="1"/>
+                        <m:t>(</m:t>
+                      </m:r>
+                      <m:sSub>
+                        <m:sSubPr>
+                          <m:ctrlPr>
+                            <a:rPr lang="en-US" sz="2800" i="1"/>
+                          </m:ctrlPr>
+                        </m:sSubPr>
+                        <m:e>
+                          <m:r>
+                            <a:rPr lang="en-US" sz="2800" i="1"/>
+                            <m:t>𝑖</m:t>
+                          </m:r>
+                        </m:e>
+                        <m:sub>
+                          <m:r>
+                            <a:rPr lang="en-US" sz="2800" i="1"/>
+                            <m:t>𝑝</m:t>
+                          </m:r>
+                        </m:sub>
+                      </m:sSub>
+                      <m:r>
+                        <a:rPr lang="en-US" sz="2800" i="1"/>
+                        <m:t>−</m:t>
+                      </m:r>
+                      <m:sSub>
+                        <m:sSubPr>
+                          <m:ctrlPr>
+                            <a:rPr lang="en-US" sz="2800" i="1"/>
+                          </m:ctrlPr>
+                        </m:sSubPr>
+                        <m:e>
+                          <m:r>
+                            <a:rPr lang="en-US" sz="2800" i="1"/>
+                            <m:t>𝑖</m:t>
+                          </m:r>
+                        </m:e>
+                        <m:sub>
+                          <m:r>
+                            <a:rPr lang="en-US" sz="2800" i="1"/>
+                            <m:t>𝐶</m:t>
+                          </m:r>
+                        </m:sub>
+                      </m:sSub>
+                      <m:r>
+                        <a:rPr lang="en-US" sz="2800" i="1"/>
+                        <m:t>)</m:t>
+                      </m:r>
+                    </m:oMath>
+                  </m:oMathPara>
+                </a14:m>
+                <a:endParaRPr lang="en-US" sz="2800" dirty="0" smtClean="0"/>
+              </a:p>
+              <a:p>
+                <a:pPr marL="0" indent="0"/>
+                <a:endParaRPr lang="en-US" sz="2800" dirty="0"/>
+              </a:p>
+            </p:txBody>
+          </p:sp>
+        </mc:Choice>
+        <mc:Fallback>
+          <p:sp>
+            <p:nvSpPr>
+              <p:cNvPr id="36868" name="Content Placeholder 2"/>
+              <p:cNvSpPr txBox="1">
+                <a:spLocks noRot="1" noChangeAspect="1" noMove="1" noResize="1" noEditPoints="1" noAdjustHandles="1" noChangeArrowheads="1" noChangeShapeType="1" noTextEdit="1"/>
+              </p:cNvSpPr>
+              <p:nvPr/>
+            </p:nvSpPr>
+            <p:spPr bwMode="auto">
+              <a:xfrm>
+                <a:off x="547688" y="1916113"/>
+                <a:ext cx="8229600" cy="4249737"/>
+              </a:xfrm>
+              <a:prstGeom prst="rect">
+                <a:avLst/>
+              </a:prstGeom>
+              <a:blipFill rotWithShape="1">
+                <a:blip r:embed="rId2"/>
+                <a:stretch>
+                  <a:fillRect l="-1556" t="-1435" r="-2074" b="-1148"/>
+                </a:stretch>
+              </a:blipFill>
+              <a:ln>
+                <a:noFill/>
+              </a:ln>
+              <a:effectLst/>
+              <a:extLst>
+                <a:ext uri="{909E8E84-426E-40DD-AFC4-6F175D3DCCD1}">
+                  <a14:hiddenFill xmlns:a14="http://schemas.microsoft.com/office/drawing/2010/main">
+                    <a:solidFill>
+                      <a:schemeClr val="accent1"/>
+                    </a:solidFill>
+                  </a14:hiddenFill>
+                </a:ext>
+                <a:ext uri="{91240B29-F687-4F45-9708-019B960494DF}">
+                  <a14:hiddenLine xmlns:a14="http://schemas.microsoft.com/office/drawing/2010/main" w="9525">
+                    <a:solidFill>
+                      <a:schemeClr val="tx1"/>
+                    </a:solidFill>
+                    <a:miter lim="800000"/>
+                    <a:headEnd/>
+                    <a:tailEnd/>
+                  </a14:hiddenLine>
+                </a:ext>
+                <a:ext uri="{AF507438-7753-43E0-B8FC-AC1667EBCBE1}">
+                  <a14:hiddenEffects xmlns:a14="http://schemas.microsoft.com/office/drawing/2010/main">
+                    <a:effectLst>
+                      <a:outerShdw dist="35921" dir="2700000" algn="ctr" rotWithShape="0">
+                        <a:schemeClr val="bg2"/>
+                      </a:outerShdw>
+                    </a:effectLst>
+                  </a14:hiddenEffects>
+                </a:ext>
+              </a:extLst>
+            </p:spPr>
+            <p:txBody>
+              <a:bodyPr/>
+              <a:lstStyle/>
+              <a:p>
+                <a:r>
+                  <a:rPr lang="en-US">
+                    <a:noFill/>
+                  </a:rPr>
+                  <a:t> </a:t>
+                </a:r>
+              </a:p>
+            </p:txBody>
+          </p:sp>
+        </mc:Fallback>
+      </mc:AlternateContent>
+    </p:spTree>
+    <p:extLst>
+      <p:ext uri="{BB962C8B-B14F-4D97-AF65-F5344CB8AC3E}">
+        <p14:creationId xmlns:p14="http://schemas.microsoft.com/office/powerpoint/2010/main" val="2960313974"/>
+      </p:ext>
+    </p:extLst>
+  </p:cSld>
+  <p:clrMapOvr>
+    <a:masterClrMapping/>
+  </p:clrMapOvr>
+</p:sld>
+</file>
+
+<file path=ppt/slides/slide39.xml><?xml version="1.0" encoding="utf-8"?>
+<p:sld xmlns:a="http://schemas.openxmlformats.org/drawingml/2006/main" xmlns:r="http://schemas.openxmlformats.org/officeDocument/2006/relationships" xmlns:p="http://schemas.openxmlformats.org/presentationml/2006/main">
+  <p:cSld>
+    <p:spTree>
+      <p:nvGrpSpPr>
+        <p:cNvPr id="1" name=""/>
+        <p:cNvGrpSpPr/>
+        <p:nvPr/>
+      </p:nvGrpSpPr>
+      <p:grpSpPr>
+        <a:xfrm>
+          <a:off x="0" y="0"/>
+          <a:ext cx="0" cy="0"/>
+          <a:chOff x="0" y="0"/>
+          <a:chExt cx="0" cy="0"/>
+        </a:xfrm>
+      </p:grpSpPr>
+      <p:sp>
+        <p:nvSpPr>
+          <p:cNvPr id="36866" name="Title 1"/>
+          <p:cNvSpPr>
+            <a:spLocks noGrp="1"/>
+          </p:cNvSpPr>
+          <p:nvPr>
+            <p:ph type="title"/>
+          </p:nvPr>
+        </p:nvSpPr>
+        <p:spPr>
+          <a:xfrm>
+            <a:off x="395288" y="115888"/>
+            <a:ext cx="8229600" cy="909637"/>
+          </a:xfrm>
+        </p:spPr>
+        <p:txBody>
+          <a:bodyPr/>
+          <a:lstStyle/>
+          <a:p>
+            <a:pPr algn="l" eaLnBrk="1" hangingPunct="1"/>
+            <a:r>
+              <a:rPr lang="en-US" sz="3200" smtClean="0">
+                <a:solidFill>
+                  <a:schemeClr val="bg1"/>
+                </a:solidFill>
+              </a:rPr>
+              <a:t>3. Bài Toán Ứng Dụng</a:t>
+            </a:r>
+            <a:endParaRPr lang="en-US" b="1" smtClean="0"/>
+          </a:p>
+        </p:txBody>
+      </p:sp>
+      <p:sp>
+        <p:nvSpPr>
+          <p:cNvPr id="36867" name="Content Placeholder 2"/>
+          <p:cNvSpPr>
+            <a:spLocks noGrp="1"/>
+          </p:cNvSpPr>
+          <p:nvPr>
+            <p:ph idx="1"/>
+          </p:nvPr>
+        </p:nvSpPr>
+        <p:spPr>
+          <a:xfrm>
+            <a:off x="0" y="981075"/>
+            <a:ext cx="9144000" cy="935038"/>
+          </a:xfrm>
+        </p:spPr>
+        <p:txBody>
+          <a:bodyPr anchor="ctr"/>
+          <a:lstStyle/>
+          <a:p>
+            <a:pPr marL="457200" lvl="1" indent="0">
+              <a:buFontTx/>
+              <a:buNone/>
+            </a:pPr>
+            <a:r>
+              <a:rPr lang="en-US" dirty="0" smtClean="0"/>
+              <a:t>3.2 </a:t>
+            </a:r>
+            <a:r>
+              <a:rPr lang="en-US" dirty="0" err="1" smtClean="0"/>
+              <a:t>Phương</a:t>
+            </a:r>
+            <a:r>
+              <a:rPr lang="en-US" dirty="0" smtClean="0"/>
+              <a:t> </a:t>
+            </a:r>
+            <a:r>
+              <a:rPr lang="en-US" dirty="0" err="1" smtClean="0"/>
+              <a:t>Pháp</a:t>
+            </a:r>
+            <a:r>
+              <a:rPr lang="en-US" dirty="0" smtClean="0"/>
+              <a:t> </a:t>
+            </a:r>
+            <a:r>
+              <a:rPr lang="en-US" dirty="0" err="1" smtClean="0"/>
+              <a:t>thực</a:t>
+            </a:r>
+            <a:r>
+              <a:rPr lang="en-US" dirty="0" smtClean="0"/>
+              <a:t> </a:t>
+            </a:r>
+            <a:r>
+              <a:rPr lang="en-US" dirty="0" err="1" smtClean="0"/>
+              <a:t>hiện</a:t>
+            </a:r>
+            <a:r>
+              <a:rPr lang="en-US" dirty="0" smtClean="0"/>
+              <a:t>(</a:t>
+            </a:r>
+            <a:r>
+              <a:rPr lang="en-US" dirty="0" err="1" smtClean="0"/>
+              <a:t>tt</a:t>
+            </a:r>
+            <a:r>
+              <a:rPr lang="en-US" dirty="0" smtClean="0"/>
+              <a:t>)</a:t>
+            </a:r>
+            <a:endParaRPr lang="en-US" i="1" dirty="0" smtClean="0"/>
+          </a:p>
+        </p:txBody>
+      </p:sp>
+      <mc:AlternateContent xmlns:mc="http://schemas.openxmlformats.org/markup-compatibility/2006">
+        <mc:Choice xmlns:a14="http://schemas.microsoft.com/office/drawing/2010/main" Requires="a14">
+          <p:sp>
+            <p:nvSpPr>
+              <p:cNvPr id="36868" name="Content Placeholder 2"/>
+              <p:cNvSpPr txBox="1">
+                <a:spLocks/>
+              </p:cNvSpPr>
+              <p:nvPr/>
+            </p:nvSpPr>
+            <p:spPr bwMode="auto">
+              <a:xfrm>
+                <a:off x="547688" y="1916113"/>
+                <a:ext cx="8229600" cy="4609231"/>
+              </a:xfrm>
+              <a:prstGeom prst="rect">
+                <a:avLst/>
+              </a:prstGeom>
+              <a:noFill/>
+              <a:ln>
+                <a:noFill/>
+              </a:ln>
+              <a:effectLst/>
+              <a:extLst>
+                <a:ext uri="{909E8E84-426E-40DD-AFC4-6F175D3DCCD1}">
+                  <a14:hiddenFill>
+                    <a:solidFill>
+                      <a:schemeClr val="accent1"/>
+                    </a:solidFill>
+                  </a14:hiddenFill>
+                </a:ext>
+                <a:ext uri="{91240B29-F687-4F45-9708-019B960494DF}">
+                  <a14:hiddenLine w="9525">
+                    <a:solidFill>
+                      <a:schemeClr val="tx1"/>
+                    </a:solidFill>
+                    <a:miter lim="800000"/>
+                    <a:headEnd/>
+                    <a:tailEnd/>
+                  </a14:hiddenLine>
+                </a:ext>
+                <a:ext uri="{AF507438-7753-43E0-B8FC-AC1667EBCBE1}">
+                  <a14:hiddenEffects>
+                    <a:effectLst>
+                      <a:outerShdw dist="35921" dir="2700000" algn="ctr" rotWithShape="0">
+                        <a:schemeClr val="bg2"/>
+                      </a:outerShdw>
+                    </a:effectLst>
+                  </a14:hiddenEffects>
+                </a:ext>
+              </a:extLst>
+            </p:spPr>
+            <p:txBody>
+              <a:bodyPr/>
+              <a:lstStyle>
+                <a:lvl1pPr marL="457200" indent="-457200" eaLnBrk="0" hangingPunct="0">
+                  <a:defRPr>
+                    <a:solidFill>
+                      <a:schemeClr val="tx1"/>
+                    </a:solidFill>
+                    <a:latin typeface="Arial" panose="020B0604020202020204" pitchFamily="34" charset="0"/>
+                    <a:cs typeface="Arial" panose="020B0604020202020204" pitchFamily="34" charset="0"/>
+                  </a:defRPr>
+                </a:lvl1pPr>
+                <a:lvl2pPr marL="742950" indent="-285750" eaLnBrk="0" hangingPunct="0">
+                  <a:defRPr>
+                    <a:solidFill>
+                      <a:schemeClr val="tx1"/>
+                    </a:solidFill>
+                    <a:latin typeface="Arial" panose="020B0604020202020204" pitchFamily="34" charset="0"/>
+                    <a:cs typeface="Arial" panose="020B0604020202020204" pitchFamily="34" charset="0"/>
+                  </a:defRPr>
+                </a:lvl2pPr>
+                <a:lvl3pPr marL="1143000" indent="-228600" eaLnBrk="0" hangingPunct="0">
+                  <a:defRPr>
+                    <a:solidFill>
+                      <a:schemeClr val="tx1"/>
+                    </a:solidFill>
+                    <a:latin typeface="Arial" panose="020B0604020202020204" pitchFamily="34" charset="0"/>
+                    <a:cs typeface="Arial" panose="020B0604020202020204" pitchFamily="34" charset="0"/>
+                  </a:defRPr>
+                </a:lvl3pPr>
+                <a:lvl4pPr marL="1600200" indent="-228600" eaLnBrk="0" hangingPunct="0">
+                  <a:defRPr>
+                    <a:solidFill>
+                      <a:schemeClr val="tx1"/>
+                    </a:solidFill>
+                    <a:latin typeface="Arial" panose="020B0604020202020204" pitchFamily="34" charset="0"/>
+                    <a:cs typeface="Arial" panose="020B0604020202020204" pitchFamily="34" charset="0"/>
+                  </a:defRPr>
+                </a:lvl4pPr>
+                <a:lvl5pPr marL="2057400" indent="-228600" eaLnBrk="0" hangingPunct="0">
+                  <a:defRPr>
+                    <a:solidFill>
+                      <a:schemeClr val="tx1"/>
+                    </a:solidFill>
+                    <a:latin typeface="Arial" panose="020B0604020202020204" pitchFamily="34" charset="0"/>
+                    <a:cs typeface="Arial" panose="020B0604020202020204" pitchFamily="34" charset="0"/>
+                  </a:defRPr>
+                </a:lvl5pPr>
+                <a:lvl6pPr marL="2514600" indent="-228600" eaLnBrk="0" fontAlgn="base" hangingPunct="0">
+                  <a:spcBef>
+                    <a:spcPct val="0"/>
+                  </a:spcBef>
+                  <a:spcAft>
+                    <a:spcPct val="0"/>
+                  </a:spcAft>
+                  <a:defRPr>
+                    <a:solidFill>
+                      <a:schemeClr val="tx1"/>
+                    </a:solidFill>
+                    <a:latin typeface="Arial" panose="020B0604020202020204" pitchFamily="34" charset="0"/>
+                    <a:cs typeface="Arial" panose="020B0604020202020204" pitchFamily="34" charset="0"/>
+                  </a:defRPr>
+                </a:lvl6pPr>
+                <a:lvl7pPr marL="2971800" indent="-228600" eaLnBrk="0" fontAlgn="base" hangingPunct="0">
+                  <a:spcBef>
+                    <a:spcPct val="0"/>
+                  </a:spcBef>
+                  <a:spcAft>
+                    <a:spcPct val="0"/>
+                  </a:spcAft>
+                  <a:defRPr>
+                    <a:solidFill>
+                      <a:schemeClr val="tx1"/>
+                    </a:solidFill>
+                    <a:latin typeface="Arial" panose="020B0604020202020204" pitchFamily="34" charset="0"/>
+                    <a:cs typeface="Arial" panose="020B0604020202020204" pitchFamily="34" charset="0"/>
+                  </a:defRPr>
+                </a:lvl7pPr>
+                <a:lvl8pPr marL="3429000" indent="-228600" eaLnBrk="0" fontAlgn="base" hangingPunct="0">
+                  <a:spcBef>
+                    <a:spcPct val="0"/>
+                  </a:spcBef>
+                  <a:spcAft>
+                    <a:spcPct val="0"/>
+                  </a:spcAft>
+                  <a:defRPr>
+                    <a:solidFill>
+                      <a:schemeClr val="tx1"/>
+                    </a:solidFill>
+                    <a:latin typeface="Arial" panose="020B0604020202020204" pitchFamily="34" charset="0"/>
+                    <a:cs typeface="Arial" panose="020B0604020202020204" pitchFamily="34" charset="0"/>
+                  </a:defRPr>
+                </a:lvl8pPr>
+                <a:lvl9pPr marL="3886200" indent="-228600" eaLnBrk="0" fontAlgn="base" hangingPunct="0">
+                  <a:spcBef>
+                    <a:spcPct val="0"/>
+                  </a:spcBef>
+                  <a:spcAft>
+                    <a:spcPct val="0"/>
+                  </a:spcAft>
+                  <a:defRPr>
+                    <a:solidFill>
+                      <a:schemeClr val="tx1"/>
+                    </a:solidFill>
+                    <a:latin typeface="Arial" panose="020B0604020202020204" pitchFamily="34" charset="0"/>
+                    <a:cs typeface="Arial" panose="020B0604020202020204" pitchFamily="34" charset="0"/>
+                  </a:defRPr>
+                </a:lvl9pPr>
+              </a:lstStyle>
+              <a:p>
+                <a:pPr marL="0" indent="0"/>
+                <a:r>
+                  <a:rPr lang="en-US" sz="2800" dirty="0" smtClean="0"/>
+                  <a:t>với</a:t>
+                </a:r>
+                <a:r>
+                  <a:rPr lang="en-US" sz="2800" dirty="0"/>
+                  <a:t> </a:t>
+                </a:r>
+                <a14:m>
+                  <m:oMath xmlns:m="http://schemas.openxmlformats.org/officeDocument/2006/math">
+                    <m:d>
+                      <m:dPr>
+                        <m:ctrlPr>
+                          <a:rPr lang="en-US" sz="2800" i="1"/>
+                        </m:ctrlPr>
+                      </m:dPr>
+                      <m:e>
+                        <m:sSub>
+                          <m:sSubPr>
+                            <m:ctrlPr>
+                              <a:rPr lang="en-US" sz="2800" i="1"/>
+                            </m:ctrlPr>
+                          </m:sSubPr>
+                          <m:e>
+                            <m:r>
+                              <a:rPr lang="en-US" sz="2800" i="1"/>
+                              <m:t>𝑥</m:t>
+                            </m:r>
+                          </m:e>
+                          <m:sub>
+                            <m:r>
+                              <a:rPr lang="en-US" sz="2800" i="1"/>
+                              <m:t>𝐶</m:t>
+                            </m:r>
+                          </m:sub>
+                        </m:sSub>
+                        <m:r>
+                          <a:rPr lang="en-US" sz="2800" i="1"/>
+                          <m:t>,</m:t>
+                        </m:r>
+                        <m:sSub>
+                          <m:sSubPr>
+                            <m:ctrlPr>
+                              <a:rPr lang="en-US" sz="2800" i="1"/>
+                            </m:ctrlPr>
+                          </m:sSubPr>
+                          <m:e>
+                            <m:r>
+                              <a:rPr lang="en-US" sz="2800" i="1"/>
+                              <m:t>𝑦</m:t>
+                            </m:r>
+                          </m:e>
+                          <m:sub>
+                            <m:r>
+                              <a:rPr lang="en-US" sz="2800" i="1"/>
+                              <m:t>𝐶</m:t>
+                            </m:r>
+                          </m:sub>
+                        </m:sSub>
+                      </m:e>
+                    </m:d>
+                  </m:oMath>
+                </a14:m>
+                <a:r>
+                  <a:rPr lang="en-US" sz="2800" dirty="0"/>
+                  <a:t> </a:t>
+                </a:r>
+                <a:r>
+                  <a:rPr lang="en-US" sz="2800" dirty="0" err="1"/>
+                  <a:t>là</a:t>
+                </a:r>
+                <a:r>
+                  <a:rPr lang="en-US" sz="2800" dirty="0"/>
+                  <a:t> </a:t>
+                </a:r>
+                <a:r>
+                  <a:rPr lang="en-US" sz="2800" dirty="0" err="1"/>
+                  <a:t>điểm</a:t>
+                </a:r>
+                <a:r>
+                  <a:rPr lang="en-US" sz="2800" dirty="0"/>
+                  <a:t> </a:t>
+                </a:r>
+                <a:r>
+                  <a:rPr lang="en-US" sz="2800" dirty="0" err="1"/>
+                  <a:t>ảnh</a:t>
+                </a:r>
+                <a:r>
+                  <a:rPr lang="en-US" sz="2800" dirty="0"/>
+                  <a:t> </a:t>
+                </a:r>
+                <a:r>
+                  <a:rPr lang="en-US" sz="2800" dirty="0" err="1"/>
+                  <a:t>trung</a:t>
+                </a:r>
+                <a:r>
+                  <a:rPr lang="en-US" sz="2800" dirty="0"/>
+                  <a:t> </a:t>
+                </a:r>
+                <a:r>
+                  <a:rPr lang="en-US" sz="2800" dirty="0" err="1"/>
+                  <a:t>tâm</a:t>
+                </a:r>
+                <a:r>
+                  <a:rPr lang="en-US" sz="2800" dirty="0"/>
+                  <a:t> </a:t>
+                </a:r>
+                <a:r>
+                  <a:rPr lang="en-US" sz="2800" dirty="0" err="1"/>
+                  <a:t>với</a:t>
+                </a:r>
+                <a:r>
+                  <a:rPr lang="en-US" sz="2800" dirty="0"/>
+                  <a:t> </a:t>
+                </a:r>
+                <a:r>
+                  <a:rPr lang="en-US" sz="2800" dirty="0" err="1"/>
+                  <a:t>cường</a:t>
+                </a:r>
+                <a:r>
+                  <a:rPr lang="en-US" sz="2800" dirty="0"/>
+                  <a:t> </a:t>
+                </a:r>
+                <a:r>
+                  <a:rPr lang="en-US" sz="2800" dirty="0" err="1"/>
+                  <a:t>độ</a:t>
+                </a:r>
+                <a:r>
+                  <a:rPr lang="en-US" sz="2800" dirty="0"/>
+                  <a:t> </a:t>
+                </a:r>
+                <a14:m>
+                  <m:oMath xmlns:m="http://schemas.openxmlformats.org/officeDocument/2006/math">
+                    <m:sSub>
+                      <m:sSubPr>
+                        <m:ctrlPr>
+                          <a:rPr lang="en-US" sz="2800" i="1"/>
+                        </m:ctrlPr>
+                      </m:sSubPr>
+                      <m:e>
+                        <m:r>
+                          <a:rPr lang="en-US" sz="2800" i="1"/>
+                          <m:t>𝑖</m:t>
+                        </m:r>
+                      </m:e>
+                      <m:sub>
+                        <m:r>
+                          <a:rPr lang="en-US" sz="2800" i="1"/>
+                          <m:t>𝐶</m:t>
+                        </m:r>
+                      </m:sub>
+                    </m:sSub>
+                  </m:oMath>
+                </a14:m>
+                <a:r>
+                  <a:rPr lang="en-US" sz="2800" dirty="0"/>
+                  <a:t>. </a:t>
+                </a:r>
+                <a14:m>
+                  <m:oMath xmlns:m="http://schemas.openxmlformats.org/officeDocument/2006/math">
+                    <m:sSub>
+                      <m:sSubPr>
+                        <m:ctrlPr>
+                          <a:rPr lang="en-US" sz="2800" i="1"/>
+                        </m:ctrlPr>
+                      </m:sSubPr>
+                      <m:e>
+                        <m:r>
+                          <a:rPr lang="en-US" sz="2800" i="1"/>
+                          <m:t>𝑖</m:t>
+                        </m:r>
+                      </m:e>
+                      <m:sub>
+                        <m:r>
+                          <a:rPr lang="en-US" sz="2800" i="1"/>
+                          <m:t>𝑝</m:t>
+                        </m:r>
+                      </m:sub>
+                    </m:sSub>
+                    <m:r>
+                      <a:rPr lang="en-US" sz="2800" i="1"/>
+                      <m:t> </m:t>
+                    </m:r>
+                  </m:oMath>
+                </a14:m>
+                <a:r>
+                  <a:rPr lang="en-US" sz="2800" dirty="0" err="1"/>
+                  <a:t>là</a:t>
+                </a:r>
+                <a:r>
+                  <a:rPr lang="en-US" sz="2800" dirty="0"/>
+                  <a:t> </a:t>
+                </a:r>
+                <a:r>
+                  <a:rPr lang="en-US" sz="2800" dirty="0" err="1"/>
+                  <a:t>cường</a:t>
+                </a:r>
+                <a:r>
+                  <a:rPr lang="en-US" sz="2800" dirty="0"/>
+                  <a:t> </a:t>
+                </a:r>
+                <a:r>
+                  <a:rPr lang="en-US" sz="2800" dirty="0" err="1"/>
+                  <a:t>độ</a:t>
+                </a:r>
+                <a:r>
+                  <a:rPr lang="en-US" sz="2800" dirty="0"/>
+                  <a:t> </a:t>
+                </a:r>
+                <a:r>
+                  <a:rPr lang="en-US" sz="2800" dirty="0" err="1"/>
+                  <a:t>các</a:t>
+                </a:r>
+                <a:r>
+                  <a:rPr lang="en-US" sz="2800" dirty="0"/>
+                  <a:t> </a:t>
+                </a:r>
+                <a:r>
+                  <a:rPr lang="en-US" sz="2800" dirty="0" err="1"/>
+                  <a:t>điểm</a:t>
+                </a:r>
+                <a:r>
+                  <a:rPr lang="en-US" sz="2800" dirty="0"/>
+                  <a:t> </a:t>
+                </a:r>
+                <a:r>
+                  <a:rPr lang="en-US" sz="2800" dirty="0" err="1"/>
+                  <a:t>ảnh</a:t>
+                </a:r>
+                <a:r>
+                  <a:rPr lang="en-US" sz="2800" dirty="0"/>
+                  <a:t> </a:t>
+                </a:r>
+                <a:r>
+                  <a:rPr lang="en-US" sz="2800" dirty="0" err="1"/>
+                  <a:t>lân</a:t>
+                </a:r>
+                <a:r>
+                  <a:rPr lang="en-US" sz="2800" dirty="0"/>
+                  <a:t> </a:t>
+                </a:r>
+                <a:r>
+                  <a:rPr lang="en-US" sz="2800" dirty="0" err="1"/>
+                  <a:t>cận</a:t>
+                </a:r>
+                <a:r>
+                  <a:rPr lang="en-US" sz="2800" dirty="0"/>
+                  <a:t>. </a:t>
+                </a:r>
+                <a:endParaRPr lang="en-US" sz="2800" dirty="0" smtClean="0"/>
+              </a:p>
+              <a:p>
+                <a:pPr marL="0" indent="0"/>
+                <a14:m>
+                  <m:oMathPara xmlns:m="http://schemas.openxmlformats.org/officeDocument/2006/math">
+                    <m:oMathParaPr>
+                      <m:jc m:val="centerGroup"/>
+                    </m:oMathParaPr>
+                    <m:oMath xmlns:m="http://schemas.openxmlformats.org/officeDocument/2006/math">
+                      <m:r>
+                        <a:rPr lang="en-US" sz="2800" i="1"/>
+                        <m:t>𝑠</m:t>
+                      </m:r>
+                      <m:r>
+                        <a:rPr lang="en-US" sz="2800" i="1"/>
+                        <m:t>(</m:t>
+                      </m:r>
+                      <m:r>
+                        <a:rPr lang="en-US" sz="2800" i="1"/>
+                        <m:t>𝑥</m:t>
+                      </m:r>
+                      <m:r>
+                        <a:rPr lang="en-US" sz="2800" i="1"/>
+                        <m:t>)=</m:t>
+                      </m:r>
+                      <m:d>
+                        <m:dPr>
+                          <m:begChr m:val="{"/>
+                          <m:endChr m:val=""/>
+                          <m:ctrlPr>
+                            <a:rPr lang="en-US" sz="2800" i="1"/>
+                          </m:ctrlPr>
+                        </m:dPr>
+                        <m:e>
+                          <m:eqArr>
+                            <m:eqArrPr>
+                              <m:ctrlPr>
+                                <a:rPr lang="en-US" sz="2800" i="1"/>
+                              </m:ctrlPr>
+                            </m:eqArrPr>
+                            <m:e>
+                              <m:r>
+                                <a:rPr lang="en-US" sz="2800" i="1"/>
+                                <m:t>1,</m:t>
+                              </m:r>
+                            </m:e>
+                            <m:e>
+                              <m:r>
+                                <a:rPr lang="en-US" sz="2800" i="1"/>
+                                <m:t>0,</m:t>
+                              </m:r>
+                            </m:e>
+                          </m:eqArr>
+                          <m:f>
+                            <m:fPr>
+                              <m:type m:val="noBar"/>
+                              <m:ctrlPr>
+                                <a:rPr lang="en-US" sz="2800" i="1"/>
+                              </m:ctrlPr>
+                            </m:fPr>
+                            <m:num>
+                              <m:r>
+                                <a:rPr lang="en-US" sz="2800" i="1"/>
+                                <m:t>𝑛</m:t>
+                              </m:r>
+                              <m:r>
+                                <a:rPr lang="en-US" sz="2800" i="1"/>
+                                <m:t>ế</m:t>
+                              </m:r>
+                              <m:r>
+                                <a:rPr lang="en-US" sz="2800" i="1"/>
+                                <m:t>𝑢</m:t>
+                              </m:r>
+                              <m:r>
+                                <a:rPr lang="en-US" sz="2800" i="1"/>
+                                <m:t> </m:t>
+                              </m:r>
+                              <m:r>
+                                <a:rPr lang="en-US" sz="2800" i="1"/>
+                                <m:t>𝑥</m:t>
+                              </m:r>
+                              <m:r>
+                                <a:rPr lang="en-US" sz="2800" i="1"/>
+                                <m:t>&gt;0,</m:t>
+                              </m:r>
+                            </m:num>
+                            <m:den>
+                              <m:r>
+                                <a:rPr lang="en-US" sz="2800" i="1"/>
+                                <m:t>        </m:t>
+                              </m:r>
+                              <m:r>
+                                <a:rPr lang="en-US" sz="2800" i="1"/>
+                                <m:t>𝑛</m:t>
+                              </m:r>
+                              <m:r>
+                                <a:rPr lang="en-US" sz="2800" i="1"/>
+                                <m:t>ế</m:t>
+                              </m:r>
+                              <m:r>
+                                <a:rPr lang="en-US" sz="2800" i="1"/>
+                                <m:t>𝑢</m:t>
+                              </m:r>
+                              <m:r>
+                                <a:rPr lang="en-US" sz="2800" i="1"/>
+                                <m:t> </m:t>
+                              </m:r>
+                              <m:r>
+                                <a:rPr lang="en-US" sz="2800" i="1"/>
+                                <m:t>𝑛𝑔</m:t>
+                              </m:r>
+                              <m:r>
+                                <a:rPr lang="en-US" sz="2800" i="1"/>
+                                <m:t>ượ</m:t>
+                              </m:r>
+                              <m:r>
+                                <a:rPr lang="en-US" sz="2800" i="1"/>
+                                <m:t>𝑐</m:t>
+                              </m:r>
+                              <m:r>
+                                <a:rPr lang="en-US" sz="2800" i="1"/>
+                                <m:t> </m:t>
+                              </m:r>
+                              <m:r>
+                                <a:rPr lang="en-US" sz="2800" i="1"/>
+                                <m:t>𝑙</m:t>
+                              </m:r>
+                              <m:r>
+                                <a:rPr lang="en-US" sz="2800" i="1"/>
+                                <m:t>ạ</m:t>
+                              </m:r>
+                              <m:r>
+                                <a:rPr lang="en-US" sz="2800" i="1"/>
+                                <m:t>𝑖</m:t>
+                              </m:r>
+                              <m:r>
+                                <a:rPr lang="en-US" sz="2800" i="1"/>
+                                <m:t>.</m:t>
+                              </m:r>
+                            </m:den>
+                          </m:f>
+                        </m:e>
+                      </m:d>
+                    </m:oMath>
+                  </m:oMathPara>
+                </a14:m>
+                <a:endParaRPr lang="en-US" sz="2800" dirty="0" smtClean="0"/>
+              </a:p>
+              <a:p>
+                <a:pPr marL="0" indent="0"/>
+                <a:r>
+                  <a:rPr lang="en-US" sz="2800" dirty="0" err="1"/>
+                  <a:t>Với</a:t>
+                </a:r>
+                <a:r>
+                  <a:rPr lang="en-US" sz="2800" dirty="0"/>
+                  <a:t> </a:t>
+                </a:r>
+                <a:r>
+                  <a:rPr lang="en-US" sz="2800" dirty="0" err="1"/>
+                  <a:t>điểm</a:t>
+                </a:r>
+                <a:r>
+                  <a:rPr lang="en-US" sz="2800" dirty="0"/>
+                  <a:t> </a:t>
+                </a:r>
+                <a14:m>
+                  <m:oMath xmlns:m="http://schemas.openxmlformats.org/officeDocument/2006/math">
+                    <m:d>
+                      <m:dPr>
+                        <m:ctrlPr>
+                          <a:rPr lang="en-US" sz="2800" i="1"/>
+                        </m:ctrlPr>
+                      </m:dPr>
+                      <m:e>
+                        <m:sSub>
+                          <m:sSubPr>
+                            <m:ctrlPr>
+                              <a:rPr lang="en-US" sz="2800" i="1"/>
+                            </m:ctrlPr>
+                          </m:sSubPr>
+                          <m:e>
+                            <m:r>
+                              <a:rPr lang="en-US" sz="2800" i="1"/>
+                              <m:t>𝑥</m:t>
+                            </m:r>
+                          </m:e>
+                          <m:sub>
+                            <m:r>
+                              <a:rPr lang="en-US" sz="2800" i="1"/>
+                              <m:t>𝐶</m:t>
+                            </m:r>
+                          </m:sub>
+                        </m:sSub>
+                        <m:r>
+                          <a:rPr lang="en-US" sz="2800" i="1"/>
+                          <m:t>,</m:t>
+                        </m:r>
+                        <m:sSub>
+                          <m:sSubPr>
+                            <m:ctrlPr>
+                              <a:rPr lang="en-US" sz="2800" i="1"/>
+                            </m:ctrlPr>
+                          </m:sSubPr>
+                          <m:e>
+                            <m:r>
+                              <a:rPr lang="en-US" sz="2800" i="1"/>
+                              <m:t>𝑦</m:t>
+                            </m:r>
+                          </m:e>
+                          <m:sub>
+                            <m:r>
+                              <a:rPr lang="en-US" sz="2800" i="1"/>
+                              <m:t>𝐶</m:t>
+                            </m:r>
+                          </m:sub>
+                        </m:sSub>
+                      </m:e>
+                    </m:d>
+                  </m:oMath>
+                </a14:m>
+                <a:r>
+                  <a:rPr lang="en-US" sz="2800" dirty="0"/>
+                  <a:t> </a:t>
+                </a:r>
+                <a:r>
+                  <a:rPr lang="en-US" sz="2800" dirty="0" err="1"/>
+                  <a:t>cho</a:t>
+                </a:r>
+                <a:r>
+                  <a:rPr lang="en-US" sz="2800" dirty="0"/>
+                  <a:t> </a:t>
+                </a:r>
+                <a:r>
+                  <a:rPr lang="en-US" sz="2800" dirty="0" err="1" smtClean="0"/>
+                  <a:t>trước</a:t>
+                </a:r>
+                <a:r>
+                  <a:rPr lang="en-US" sz="2800" dirty="0" smtClean="0"/>
+                  <a:t>, </a:t>
+                </a:r>
+                <a:r>
+                  <a:rPr lang="en-US" sz="2800" dirty="0" err="1" smtClean="0"/>
+                  <a:t>tính</a:t>
+                </a:r>
+                <a:r>
+                  <a:rPr lang="en-US" sz="2800" dirty="0" smtClean="0"/>
+                  <a:t> </a:t>
+                </a:r>
+                <a:r>
+                  <a:rPr lang="en-US" sz="2800" dirty="0" err="1"/>
+                  <a:t>được</a:t>
+                </a:r>
+                <a:r>
+                  <a:rPr lang="en-US" sz="2800" dirty="0"/>
+                  <a:t> </a:t>
+                </a:r>
+                <a14:m>
+                  <m:oMath xmlns:m="http://schemas.openxmlformats.org/officeDocument/2006/math">
+                    <m:d>
+                      <m:dPr>
+                        <m:ctrlPr>
+                          <a:rPr lang="en-US" sz="2800" i="1"/>
+                        </m:ctrlPr>
+                      </m:dPr>
+                      <m:e>
+                        <m:sSub>
+                          <m:sSubPr>
+                            <m:ctrlPr>
+                              <a:rPr lang="en-US" sz="2800" i="1"/>
+                            </m:ctrlPr>
+                          </m:sSubPr>
+                          <m:e>
+                            <m:r>
+                              <a:rPr lang="en-US" sz="2800" i="1"/>
+                              <m:t>𝑥</m:t>
+                            </m:r>
+                          </m:e>
+                          <m:sub>
+                            <m:r>
+                              <a:rPr lang="en-US" sz="2800" i="1"/>
+                              <m:t>𝑝</m:t>
+                            </m:r>
+                          </m:sub>
+                        </m:sSub>
+                        <m:r>
+                          <a:rPr lang="en-US" sz="2800" i="1"/>
+                          <m:t>,</m:t>
+                        </m:r>
+                        <m:sSub>
+                          <m:sSubPr>
+                            <m:ctrlPr>
+                              <a:rPr lang="en-US" sz="2800" i="1"/>
+                            </m:ctrlPr>
+                          </m:sSubPr>
+                          <m:e>
+                            <m:r>
+                              <a:rPr lang="en-US" sz="2800" i="1"/>
+                              <m:t>𝑦</m:t>
+                            </m:r>
+                          </m:e>
+                          <m:sub>
+                            <m:r>
+                              <a:rPr lang="en-US" sz="2800" i="1"/>
+                              <m:t>𝑝</m:t>
+                            </m:r>
+                          </m:sub>
+                        </m:sSub>
+                      </m:e>
+                    </m:d>
+                    <m:r>
+                      <a:rPr lang="en-US" sz="2800" b="0" i="0" smtClean="0">
+                        <a:latin typeface="Cambria Math"/>
+                      </a:rPr>
+                      <m:t>:</m:t>
+                    </m:r>
+                  </m:oMath>
+                </a14:m>
+                <a:endParaRPr lang="en-US" sz="2800" dirty="0" smtClean="0"/>
+              </a:p>
+              <a:p>
+                <a:pPr marL="0" indent="0"/>
+                <a14:m>
+                  <m:oMathPara xmlns:m="http://schemas.openxmlformats.org/officeDocument/2006/math">
+                    <m:oMathParaPr>
+                      <m:jc m:val="centerGroup"/>
+                    </m:oMathParaPr>
+                    <m:oMath xmlns:m="http://schemas.openxmlformats.org/officeDocument/2006/math">
+                      <m:sSub>
+                        <m:sSubPr>
+                          <m:ctrlPr>
+                            <a:rPr lang="en-US" sz="2800" i="1"/>
+                          </m:ctrlPr>
+                        </m:sSubPr>
+                        <m:e>
+                          <m:r>
+                            <a:rPr lang="en-US" sz="2800" i="1"/>
+                            <m:t>𝑥</m:t>
+                          </m:r>
+                        </m:e>
+                        <m:sub>
+                          <m:r>
+                            <a:rPr lang="en-US" sz="2800" i="1"/>
+                            <m:t>𝑝</m:t>
+                          </m:r>
+                        </m:sub>
+                      </m:sSub>
+                      <m:r>
+                        <a:rPr lang="en-US" sz="2800" i="1"/>
+                        <m:t>=</m:t>
+                      </m:r>
+                      <m:sSub>
+                        <m:sSubPr>
+                          <m:ctrlPr>
+                            <a:rPr lang="en-US" sz="2800" i="1"/>
+                          </m:ctrlPr>
+                        </m:sSubPr>
+                        <m:e>
+                          <m:r>
+                            <a:rPr lang="en-US" sz="2800" i="1"/>
+                            <m:t>𝑥</m:t>
+                          </m:r>
+                        </m:e>
+                        <m:sub>
+                          <m:r>
+                            <a:rPr lang="en-US" sz="2800" i="1"/>
+                            <m:t>𝑐</m:t>
+                          </m:r>
+                        </m:sub>
+                      </m:sSub>
+                      <m:r>
+                        <a:rPr lang="en-US" sz="2800" i="1"/>
+                        <m:t>+</m:t>
+                      </m:r>
+                      <m:r>
+                        <a:rPr lang="en-US" sz="2800" i="1"/>
+                        <m:t>𝑅𝑐𝑜𝑠</m:t>
+                      </m:r>
+                      <m:d>
+                        <m:dPr>
+                          <m:ctrlPr>
+                            <a:rPr lang="en-US" sz="2800" i="1"/>
+                          </m:ctrlPr>
+                        </m:dPr>
+                        <m:e>
+                          <m:f>
+                            <m:fPr>
+                              <m:ctrlPr>
+                                <a:rPr lang="en-US" sz="2800" i="1"/>
+                              </m:ctrlPr>
+                            </m:fPr>
+                            <m:num>
+                              <m:r>
+                                <a:rPr lang="en-US" sz="2800" i="1"/>
+                                <m:t>2</m:t>
+                              </m:r>
+                              <m:r>
+                                <a:rPr lang="en-US" sz="2800" i="1"/>
+                                <m:t>𝜋</m:t>
+                              </m:r>
+                              <m:r>
+                                <a:rPr lang="en-US" sz="2800" i="1"/>
+                                <m:t>𝑝</m:t>
+                              </m:r>
+                            </m:num>
+                            <m:den>
+                              <m:r>
+                                <a:rPr lang="en-US" sz="2800" i="1"/>
+                                <m:t>𝑃</m:t>
+                              </m:r>
+                            </m:den>
+                          </m:f>
+                        </m:e>
+                      </m:d>
+                    </m:oMath>
+                  </m:oMathPara>
+                </a14:m>
+                <a:endParaRPr lang="en-US" sz="2800" dirty="0" smtClean="0"/>
+              </a:p>
+              <a:p>
+                <a:pPr marL="0" indent="0"/>
+                <a14:m>
+                  <m:oMathPara xmlns:m="http://schemas.openxmlformats.org/officeDocument/2006/math">
+                    <m:oMathParaPr>
+                      <m:jc m:val="centerGroup"/>
+                    </m:oMathParaPr>
+                    <m:oMath xmlns:m="http://schemas.openxmlformats.org/officeDocument/2006/math">
+                      <m:sSub>
+                        <m:sSubPr>
+                          <m:ctrlPr>
+                            <a:rPr lang="en-US" sz="2800" i="1"/>
+                          </m:ctrlPr>
+                        </m:sSubPr>
+                        <m:e>
+                          <m:r>
+                            <a:rPr lang="en-US" sz="2800" i="1"/>
+                            <m:t>𝑦</m:t>
+                          </m:r>
+                        </m:e>
+                        <m:sub>
+                          <m:r>
+                            <a:rPr lang="en-US" sz="2800" i="1"/>
+                            <m:t>𝑝</m:t>
+                          </m:r>
+                        </m:sub>
+                      </m:sSub>
+                      <m:r>
+                        <a:rPr lang="en-US" sz="2800" i="1"/>
+                        <m:t>=</m:t>
+                      </m:r>
+                      <m:sSub>
+                        <m:sSubPr>
+                          <m:ctrlPr>
+                            <a:rPr lang="en-US" sz="2800" i="1"/>
+                          </m:ctrlPr>
+                        </m:sSubPr>
+                        <m:e>
+                          <m:r>
+                            <a:rPr lang="en-US" sz="2800" i="1"/>
+                            <m:t>𝑦</m:t>
+                          </m:r>
+                        </m:e>
+                        <m:sub>
+                          <m:r>
+                            <a:rPr lang="en-US" sz="2800" i="1"/>
+                            <m:t>𝑐</m:t>
+                          </m:r>
+                        </m:sub>
+                      </m:sSub>
+                      <m:r>
+                        <a:rPr lang="en-US" sz="2800" i="1"/>
+                        <m:t>−</m:t>
+                      </m:r>
+                      <m:r>
+                        <a:rPr lang="en-US" sz="2800" i="1"/>
+                        <m:t>𝑅𝑠𝑖𝑛</m:t>
+                      </m:r>
+                      <m:d>
+                        <m:dPr>
+                          <m:ctrlPr>
+                            <a:rPr lang="en-US" sz="2800" i="1"/>
+                          </m:ctrlPr>
+                        </m:dPr>
+                        <m:e>
+                          <m:f>
+                            <m:fPr>
+                              <m:ctrlPr>
+                                <a:rPr lang="en-US" sz="2800" i="1"/>
+                              </m:ctrlPr>
+                            </m:fPr>
+                            <m:num>
+                              <m:r>
+                                <a:rPr lang="en-US" sz="2800" i="1"/>
+                                <m:t>2</m:t>
+                              </m:r>
+                              <m:r>
+                                <a:rPr lang="en-US" sz="2800" i="1"/>
+                                <m:t>𝜋</m:t>
+                              </m:r>
+                              <m:r>
+                                <a:rPr lang="en-US" sz="2800" i="1"/>
+                                <m:t>𝑝</m:t>
+                              </m:r>
+                            </m:num>
+                            <m:den>
+                              <m:r>
+                                <a:rPr lang="en-US" sz="2800" i="1"/>
+                                <m:t>𝑃</m:t>
+                              </m:r>
+                            </m:den>
+                          </m:f>
+                        </m:e>
+                      </m:d>
+                    </m:oMath>
+                  </m:oMathPara>
+                </a14:m>
+                <a:endParaRPr lang="en-US" sz="2800" dirty="0"/>
+              </a:p>
+            </p:txBody>
+          </p:sp>
+        </mc:Choice>
+        <mc:Fallback>
+          <p:sp>
+            <p:nvSpPr>
+              <p:cNvPr id="36868" name="Content Placeholder 2"/>
+              <p:cNvSpPr txBox="1">
+                <a:spLocks noRot="1" noChangeAspect="1" noMove="1" noResize="1" noEditPoints="1" noAdjustHandles="1" noChangeArrowheads="1" noChangeShapeType="1" noTextEdit="1"/>
+              </p:cNvSpPr>
+              <p:nvPr/>
+            </p:nvSpPr>
+            <p:spPr bwMode="auto">
+              <a:xfrm>
+                <a:off x="547688" y="1916113"/>
+                <a:ext cx="8229600" cy="4609231"/>
+              </a:xfrm>
+              <a:prstGeom prst="rect">
+                <a:avLst/>
+              </a:prstGeom>
+              <a:blipFill rotWithShape="1">
+                <a:blip r:embed="rId2"/>
+                <a:stretch>
+                  <a:fillRect l="-1556" t="-926" r="-2370"/>
+                </a:stretch>
+              </a:blipFill>
+              <a:ln>
+                <a:noFill/>
+              </a:ln>
+              <a:effectLst/>
+              <a:extLst>
+                <a:ext uri="{909E8E84-426E-40DD-AFC4-6F175D3DCCD1}">
+                  <a14:hiddenFill xmlns:a14="http://schemas.microsoft.com/office/drawing/2010/main">
+                    <a:solidFill>
+                      <a:schemeClr val="accent1"/>
+                    </a:solidFill>
+                  </a14:hiddenFill>
+                </a:ext>
+                <a:ext uri="{91240B29-F687-4F45-9708-019B960494DF}">
+                  <a14:hiddenLine xmlns:a14="http://schemas.microsoft.com/office/drawing/2010/main" w="9525">
+                    <a:solidFill>
+                      <a:schemeClr val="tx1"/>
+                    </a:solidFill>
+                    <a:miter lim="800000"/>
+                    <a:headEnd/>
+                    <a:tailEnd/>
+                  </a14:hiddenLine>
+                </a:ext>
+                <a:ext uri="{AF507438-7753-43E0-B8FC-AC1667EBCBE1}">
+                  <a14:hiddenEffects xmlns:a14="http://schemas.microsoft.com/office/drawing/2010/main">
+                    <a:effectLst>
+                      <a:outerShdw dist="35921" dir="2700000" algn="ctr" rotWithShape="0">
+                        <a:schemeClr val="bg2"/>
+                      </a:outerShdw>
+                    </a:effectLst>
+                  </a14:hiddenEffects>
+                </a:ext>
+              </a:extLst>
+            </p:spPr>
+            <p:txBody>
+              <a:bodyPr/>
+              <a:lstStyle/>
+              <a:p>
+                <a:r>
+                  <a:rPr lang="en-US">
+                    <a:noFill/>
+                  </a:rPr>
+                  <a:t> </a:t>
+                </a:r>
+              </a:p>
+            </p:txBody>
+          </p:sp>
+        </mc:Fallback>
+      </mc:AlternateContent>
+    </p:spTree>
+    <p:extLst>
+      <p:ext uri="{BB962C8B-B14F-4D97-AF65-F5344CB8AC3E}">
+        <p14:creationId xmlns:p14="http://schemas.microsoft.com/office/powerpoint/2010/main" val="8752781"/>
+      </p:ext>
+    </p:extLst>
   </p:cSld>
   <p:clrMapOvr>
     <a:masterClrMapping/>
@@ -14172,6 +17387,5399 @@
 </p:sld>
 </file>
 
+<file path=ppt/slides/slide40.xml><?xml version="1.0" encoding="utf-8"?>
+<p:sld xmlns:a="http://schemas.openxmlformats.org/drawingml/2006/main" xmlns:r="http://schemas.openxmlformats.org/officeDocument/2006/relationships" xmlns:p="http://schemas.openxmlformats.org/presentationml/2006/main">
+  <p:cSld>
+    <p:spTree>
+      <p:nvGrpSpPr>
+        <p:cNvPr id="1" name=""/>
+        <p:cNvGrpSpPr/>
+        <p:nvPr/>
+      </p:nvGrpSpPr>
+      <p:grpSpPr>
+        <a:xfrm>
+          <a:off x="0" y="0"/>
+          <a:ext cx="0" cy="0"/>
+          <a:chOff x="0" y="0"/>
+          <a:chExt cx="0" cy="0"/>
+        </a:xfrm>
+      </p:grpSpPr>
+      <p:sp>
+        <p:nvSpPr>
+          <p:cNvPr id="36866" name="Title 1"/>
+          <p:cNvSpPr>
+            <a:spLocks noGrp="1"/>
+          </p:cNvSpPr>
+          <p:nvPr>
+            <p:ph type="title"/>
+          </p:nvPr>
+        </p:nvSpPr>
+        <p:spPr>
+          <a:xfrm>
+            <a:off x="395288" y="115888"/>
+            <a:ext cx="8229600" cy="909637"/>
+          </a:xfrm>
+        </p:spPr>
+        <p:txBody>
+          <a:bodyPr/>
+          <a:lstStyle/>
+          <a:p>
+            <a:pPr algn="l" eaLnBrk="1" hangingPunct="1"/>
+            <a:r>
+              <a:rPr lang="en-US" sz="3200" smtClean="0">
+                <a:solidFill>
+                  <a:schemeClr val="bg1"/>
+                </a:solidFill>
+              </a:rPr>
+              <a:t>3. Bài Toán Ứng Dụng</a:t>
+            </a:r>
+            <a:endParaRPr lang="en-US" b="1" smtClean="0"/>
+          </a:p>
+        </p:txBody>
+      </p:sp>
+      <p:sp>
+        <p:nvSpPr>
+          <p:cNvPr id="36867" name="Content Placeholder 2"/>
+          <p:cNvSpPr>
+            <a:spLocks noGrp="1"/>
+          </p:cNvSpPr>
+          <p:nvPr>
+            <p:ph idx="1"/>
+          </p:nvPr>
+        </p:nvSpPr>
+        <p:spPr>
+          <a:xfrm>
+            <a:off x="0" y="981075"/>
+            <a:ext cx="9144000" cy="935038"/>
+          </a:xfrm>
+        </p:spPr>
+        <p:txBody>
+          <a:bodyPr anchor="ctr"/>
+          <a:lstStyle/>
+          <a:p>
+            <a:pPr marL="457200" lvl="1" indent="0">
+              <a:buFontTx/>
+              <a:buNone/>
+            </a:pPr>
+            <a:r>
+              <a:rPr lang="en-US" dirty="0" smtClean="0"/>
+              <a:t>3.2 </a:t>
+            </a:r>
+            <a:r>
+              <a:rPr lang="en-US" dirty="0" err="1" smtClean="0"/>
+              <a:t>Phương</a:t>
+            </a:r>
+            <a:r>
+              <a:rPr lang="en-US" dirty="0" smtClean="0"/>
+              <a:t> </a:t>
+            </a:r>
+            <a:r>
+              <a:rPr lang="en-US" dirty="0" err="1" smtClean="0"/>
+              <a:t>Pháp</a:t>
+            </a:r>
+            <a:r>
+              <a:rPr lang="en-US" dirty="0" smtClean="0"/>
+              <a:t> </a:t>
+            </a:r>
+            <a:r>
+              <a:rPr lang="en-US" dirty="0" err="1" smtClean="0"/>
+              <a:t>thực</a:t>
+            </a:r>
+            <a:r>
+              <a:rPr lang="en-US" dirty="0" smtClean="0"/>
+              <a:t> </a:t>
+            </a:r>
+            <a:r>
+              <a:rPr lang="en-US" dirty="0" err="1" smtClean="0"/>
+              <a:t>hiện</a:t>
+            </a:r>
+            <a:r>
+              <a:rPr lang="en-US" dirty="0" smtClean="0"/>
+              <a:t>(</a:t>
+            </a:r>
+            <a:r>
+              <a:rPr lang="en-US" dirty="0" err="1" smtClean="0"/>
+              <a:t>tt</a:t>
+            </a:r>
+            <a:r>
+              <a:rPr lang="en-US" dirty="0" smtClean="0"/>
+              <a:t>)</a:t>
+            </a:r>
+            <a:endParaRPr lang="en-US" i="1" dirty="0" smtClean="0"/>
+          </a:p>
+        </p:txBody>
+      </p:sp>
+      <p:sp>
+        <p:nvSpPr>
+          <p:cNvPr id="36868" name="Content Placeholder 2"/>
+          <p:cNvSpPr txBox="1">
+            <a:spLocks/>
+          </p:cNvSpPr>
+          <p:nvPr/>
+        </p:nvSpPr>
+        <p:spPr bwMode="auto">
+          <a:xfrm>
+            <a:off x="547688" y="1844824"/>
+            <a:ext cx="8229600" cy="4393207"/>
+          </a:xfrm>
+          <a:prstGeom prst="rect">
+            <a:avLst/>
+          </a:prstGeom>
+          <a:noFill/>
+          <a:ln>
+            <a:noFill/>
+          </a:ln>
+          <a:effectLst/>
+          <a:extLst>
+            <a:ext uri="{909E8E84-426E-40DD-AFC4-6F175D3DCCD1}">
+              <a14:hiddenFill xmlns:a14="http://schemas.microsoft.com/office/drawing/2010/main">
+                <a:solidFill>
+                  <a:schemeClr val="accent1"/>
+                </a:solidFill>
+              </a14:hiddenFill>
+            </a:ext>
+            <a:ext uri="{91240B29-F687-4F45-9708-019B960494DF}">
+              <a14:hiddenLine xmlns:a14="http://schemas.microsoft.com/office/drawing/2010/main" w="9525">
+                <a:solidFill>
+                  <a:schemeClr val="tx1"/>
+                </a:solidFill>
+                <a:miter lim="800000"/>
+                <a:headEnd/>
+                <a:tailEnd/>
+              </a14:hiddenLine>
+            </a:ext>
+            <a:ext uri="{AF507438-7753-43E0-B8FC-AC1667EBCBE1}">
+              <a14:hiddenEffects xmlns:a14="http://schemas.microsoft.com/office/drawing/2010/main">
+                <a:effectLst>
+                  <a:outerShdw dist="35921" dir="2700000" algn="ctr" rotWithShape="0">
+                    <a:schemeClr val="bg2"/>
+                  </a:outerShdw>
+                </a:effectLst>
+              </a14:hiddenEffects>
+            </a:ext>
+          </a:extLst>
+        </p:spPr>
+        <p:txBody>
+          <a:bodyPr/>
+          <a:lstStyle>
+            <a:lvl1pPr marL="457200" indent="-457200" eaLnBrk="0" hangingPunct="0">
+              <a:defRPr>
+                <a:solidFill>
+                  <a:schemeClr val="tx1"/>
+                </a:solidFill>
+                <a:latin typeface="Arial" panose="020B0604020202020204" pitchFamily="34" charset="0"/>
+                <a:cs typeface="Arial" panose="020B0604020202020204" pitchFamily="34" charset="0"/>
+              </a:defRPr>
+            </a:lvl1pPr>
+            <a:lvl2pPr marL="742950" indent="-285750" eaLnBrk="0" hangingPunct="0">
+              <a:defRPr>
+                <a:solidFill>
+                  <a:schemeClr val="tx1"/>
+                </a:solidFill>
+                <a:latin typeface="Arial" panose="020B0604020202020204" pitchFamily="34" charset="0"/>
+                <a:cs typeface="Arial" panose="020B0604020202020204" pitchFamily="34" charset="0"/>
+              </a:defRPr>
+            </a:lvl2pPr>
+            <a:lvl3pPr marL="1143000" indent="-228600" eaLnBrk="0" hangingPunct="0">
+              <a:defRPr>
+                <a:solidFill>
+                  <a:schemeClr val="tx1"/>
+                </a:solidFill>
+                <a:latin typeface="Arial" panose="020B0604020202020204" pitchFamily="34" charset="0"/>
+                <a:cs typeface="Arial" panose="020B0604020202020204" pitchFamily="34" charset="0"/>
+              </a:defRPr>
+            </a:lvl3pPr>
+            <a:lvl4pPr marL="1600200" indent="-228600" eaLnBrk="0" hangingPunct="0">
+              <a:defRPr>
+                <a:solidFill>
+                  <a:schemeClr val="tx1"/>
+                </a:solidFill>
+                <a:latin typeface="Arial" panose="020B0604020202020204" pitchFamily="34" charset="0"/>
+                <a:cs typeface="Arial" panose="020B0604020202020204" pitchFamily="34" charset="0"/>
+              </a:defRPr>
+            </a:lvl4pPr>
+            <a:lvl5pPr marL="2057400" indent="-228600" eaLnBrk="0" hangingPunct="0">
+              <a:defRPr>
+                <a:solidFill>
+                  <a:schemeClr val="tx1"/>
+                </a:solidFill>
+                <a:latin typeface="Arial" panose="020B0604020202020204" pitchFamily="34" charset="0"/>
+                <a:cs typeface="Arial" panose="020B0604020202020204" pitchFamily="34" charset="0"/>
+              </a:defRPr>
+            </a:lvl5pPr>
+            <a:lvl6pPr marL="2514600" indent="-228600" eaLnBrk="0" fontAlgn="base" hangingPunct="0">
+              <a:spcBef>
+                <a:spcPct val="0"/>
+              </a:spcBef>
+              <a:spcAft>
+                <a:spcPct val="0"/>
+              </a:spcAft>
+              <a:defRPr>
+                <a:solidFill>
+                  <a:schemeClr val="tx1"/>
+                </a:solidFill>
+                <a:latin typeface="Arial" panose="020B0604020202020204" pitchFamily="34" charset="0"/>
+                <a:cs typeface="Arial" panose="020B0604020202020204" pitchFamily="34" charset="0"/>
+              </a:defRPr>
+            </a:lvl6pPr>
+            <a:lvl7pPr marL="2971800" indent="-228600" eaLnBrk="0" fontAlgn="base" hangingPunct="0">
+              <a:spcBef>
+                <a:spcPct val="0"/>
+              </a:spcBef>
+              <a:spcAft>
+                <a:spcPct val="0"/>
+              </a:spcAft>
+              <a:defRPr>
+                <a:solidFill>
+                  <a:schemeClr val="tx1"/>
+                </a:solidFill>
+                <a:latin typeface="Arial" panose="020B0604020202020204" pitchFamily="34" charset="0"/>
+                <a:cs typeface="Arial" panose="020B0604020202020204" pitchFamily="34" charset="0"/>
+              </a:defRPr>
+            </a:lvl7pPr>
+            <a:lvl8pPr marL="3429000" indent="-228600" eaLnBrk="0" fontAlgn="base" hangingPunct="0">
+              <a:spcBef>
+                <a:spcPct val="0"/>
+              </a:spcBef>
+              <a:spcAft>
+                <a:spcPct val="0"/>
+              </a:spcAft>
+              <a:defRPr>
+                <a:solidFill>
+                  <a:schemeClr val="tx1"/>
+                </a:solidFill>
+                <a:latin typeface="Arial" panose="020B0604020202020204" pitchFamily="34" charset="0"/>
+                <a:cs typeface="Arial" panose="020B0604020202020204" pitchFamily="34" charset="0"/>
+              </a:defRPr>
+            </a:lvl8pPr>
+            <a:lvl9pPr marL="3886200" indent="-228600" eaLnBrk="0" fontAlgn="base" hangingPunct="0">
+              <a:spcBef>
+                <a:spcPct val="0"/>
+              </a:spcBef>
+              <a:spcAft>
+                <a:spcPct val="0"/>
+              </a:spcAft>
+              <a:defRPr>
+                <a:solidFill>
+                  <a:schemeClr val="tx1"/>
+                </a:solidFill>
+                <a:latin typeface="Arial" panose="020B0604020202020204" pitchFamily="34" charset="0"/>
+                <a:cs typeface="Arial" panose="020B0604020202020204" pitchFamily="34" charset="0"/>
+              </a:defRPr>
+            </a:lvl9pPr>
+          </a:lstStyle>
+          <a:p>
+            <a:r>
+              <a:rPr lang="en-US" sz="2800" dirty="0" err="1"/>
+              <a:t>Sau</a:t>
+            </a:r>
+            <a:r>
+              <a:rPr lang="en-US" sz="2800" dirty="0"/>
+              <a:t> </a:t>
+            </a:r>
+            <a:r>
+              <a:rPr lang="en-US" sz="2800" dirty="0" err="1"/>
+              <a:t>khi</a:t>
+            </a:r>
+            <a:r>
+              <a:rPr lang="en-US" sz="2800" dirty="0"/>
+              <a:t> </a:t>
+            </a:r>
+            <a:r>
+              <a:rPr lang="en-US" sz="2800" dirty="0" err="1"/>
+              <a:t>tính</a:t>
+            </a:r>
+            <a:r>
+              <a:rPr lang="en-US" sz="2800" dirty="0"/>
+              <a:t> </a:t>
+            </a:r>
+            <a:r>
+              <a:rPr lang="en-US" sz="2800" dirty="0" err="1"/>
+              <a:t>lần</a:t>
+            </a:r>
+            <a:r>
+              <a:rPr lang="en-US" sz="2800" dirty="0"/>
+              <a:t> </a:t>
+            </a:r>
+            <a:r>
+              <a:rPr lang="en-US" sz="2800" dirty="0" err="1"/>
+              <a:t>lượt</a:t>
+            </a:r>
+            <a:r>
+              <a:rPr lang="en-US" sz="2800" dirty="0"/>
+              <a:t> </a:t>
+            </a:r>
+            <a:r>
+              <a:rPr lang="en-US" sz="2800" dirty="0" err="1"/>
+              <a:t>cho</a:t>
+            </a:r>
+            <a:r>
+              <a:rPr lang="en-US" sz="2800" dirty="0"/>
+              <a:t> </a:t>
+            </a:r>
+            <a:r>
+              <a:rPr lang="en-US" sz="2800" dirty="0" err="1"/>
+              <a:t>tất</a:t>
+            </a:r>
+            <a:r>
+              <a:rPr lang="en-US" sz="2800" dirty="0"/>
+              <a:t> </a:t>
+            </a:r>
+            <a:r>
+              <a:rPr lang="en-US" sz="2800" dirty="0" err="1"/>
+              <a:t>cả</a:t>
+            </a:r>
+            <a:r>
+              <a:rPr lang="en-US" sz="2800" dirty="0"/>
+              <a:t> </a:t>
+            </a:r>
+            <a:r>
+              <a:rPr lang="en-US" sz="2800" dirty="0" err="1"/>
+              <a:t>các</a:t>
+            </a:r>
+            <a:r>
+              <a:rPr lang="en-US" sz="2800" dirty="0"/>
+              <a:t> </a:t>
+            </a:r>
+            <a:r>
+              <a:rPr lang="en-US" sz="2800" dirty="0" err="1"/>
+              <a:t>điểm</a:t>
+            </a:r>
+            <a:r>
+              <a:rPr lang="en-US" sz="2800" dirty="0"/>
+              <a:t> </a:t>
+            </a:r>
+            <a:r>
+              <a:rPr lang="en-US" sz="2800" dirty="0" err="1"/>
+              <a:t>lân</a:t>
+            </a:r>
+            <a:r>
+              <a:rPr lang="en-US" sz="2800" dirty="0"/>
+              <a:t> </a:t>
+            </a:r>
+            <a:r>
+              <a:rPr lang="en-US" sz="2800" dirty="0" err="1" smtClean="0"/>
+              <a:t>cận</a:t>
+            </a:r>
+            <a:r>
+              <a:rPr lang="en-US" sz="2800" dirty="0" smtClean="0"/>
+              <a:t>,</a:t>
+            </a:r>
+          </a:p>
+          <a:p>
+            <a:r>
+              <a:rPr lang="en-US" sz="2800" dirty="0" err="1" smtClean="0"/>
+              <a:t>chúng</a:t>
+            </a:r>
+            <a:r>
+              <a:rPr lang="en-US" sz="2800" dirty="0" smtClean="0"/>
+              <a:t> </a:t>
+            </a:r>
+            <a:r>
+              <a:rPr lang="en-US" sz="2800" dirty="0"/>
+              <a:t>ta </a:t>
+            </a:r>
+            <a:r>
+              <a:rPr lang="en-US" sz="2800" dirty="0" err="1"/>
+              <a:t>có</a:t>
+            </a:r>
+            <a:r>
+              <a:rPr lang="en-US" sz="2800" dirty="0"/>
+              <a:t> </a:t>
+            </a:r>
+            <a:r>
+              <a:rPr lang="en-US" sz="2800" dirty="0" err="1"/>
+              <a:t>được</a:t>
+            </a:r>
+            <a:r>
+              <a:rPr lang="en-US" sz="2800" dirty="0"/>
+              <a:t> </a:t>
+            </a:r>
+            <a:r>
+              <a:rPr lang="en-US" sz="2800" dirty="0" err="1"/>
+              <a:t>biểu</a:t>
+            </a:r>
+            <a:r>
+              <a:rPr lang="en-US" sz="2800" dirty="0"/>
+              <a:t> </a:t>
+            </a:r>
+            <a:r>
+              <a:rPr lang="en-US" sz="2800" dirty="0" err="1"/>
+              <a:t>đồ</a:t>
+            </a:r>
+            <a:r>
+              <a:rPr lang="en-US" sz="2800" dirty="0"/>
+              <a:t> </a:t>
+            </a:r>
+            <a:r>
+              <a:rPr lang="en-US" sz="2800" dirty="0" err="1"/>
+              <a:t>tần</a:t>
+            </a:r>
+            <a:r>
+              <a:rPr lang="en-US" sz="2800" dirty="0"/>
+              <a:t> </a:t>
+            </a:r>
+            <a:r>
+              <a:rPr lang="en-US" sz="2800" dirty="0" err="1"/>
+              <a:t>số</a:t>
+            </a:r>
+            <a:r>
+              <a:rPr lang="en-US" sz="2800" dirty="0"/>
+              <a:t> </a:t>
+            </a:r>
+            <a:r>
+              <a:rPr lang="en-US" sz="2800" dirty="0" err="1"/>
+              <a:t>biểu</a:t>
+            </a:r>
+            <a:r>
+              <a:rPr lang="en-US" sz="2800" dirty="0"/>
+              <a:t> </a:t>
+            </a:r>
+            <a:r>
+              <a:rPr lang="en-US" sz="2800" dirty="0" err="1"/>
+              <a:t>diễn</a:t>
+            </a:r>
+            <a:r>
+              <a:rPr lang="en-US" sz="2800" dirty="0"/>
+              <a:t> </a:t>
+            </a:r>
+            <a:r>
+              <a:rPr lang="en-US" sz="2800" dirty="0" err="1" smtClean="0"/>
+              <a:t>bằng</a:t>
+            </a:r>
+            <a:endParaRPr lang="en-US" sz="2800" dirty="0"/>
+          </a:p>
+          <a:p>
+            <a:r>
+              <a:rPr lang="en-US" sz="2800" dirty="0" smtClean="0"/>
+              <a:t>ma </a:t>
+            </a:r>
+            <a:r>
+              <a:rPr lang="en-US" sz="2800" dirty="0" err="1"/>
+              <a:t>trận</a:t>
+            </a:r>
+            <a:r>
+              <a:rPr lang="en-US" sz="2800" dirty="0"/>
+              <a:t> </a:t>
+            </a:r>
+            <a:r>
+              <a:rPr lang="en-US" sz="2800" dirty="0" err="1"/>
+              <a:t>với</a:t>
+            </a:r>
+            <a:r>
+              <a:rPr lang="en-US" sz="2800" dirty="0"/>
+              <a:t> </a:t>
+            </a:r>
+            <a:r>
+              <a:rPr lang="en-US" sz="2800" dirty="0" err="1"/>
+              <a:t>giá</a:t>
+            </a:r>
+            <a:r>
+              <a:rPr lang="en-US" sz="2800" dirty="0"/>
+              <a:t> </a:t>
+            </a:r>
+            <a:r>
+              <a:rPr lang="en-US" sz="2800" dirty="0" err="1"/>
+              <a:t>trị</a:t>
+            </a:r>
+            <a:r>
+              <a:rPr lang="en-US" sz="2800" dirty="0"/>
+              <a:t> 0 </a:t>
+            </a:r>
+            <a:r>
+              <a:rPr lang="en-US" sz="2800" dirty="0" err="1"/>
+              <a:t>và</a:t>
+            </a:r>
+            <a:r>
+              <a:rPr lang="en-US" sz="2800" dirty="0"/>
+              <a:t> 1. </a:t>
+            </a:r>
+            <a:r>
+              <a:rPr lang="en-US" sz="2800" dirty="0" err="1"/>
+              <a:t>Sau</a:t>
+            </a:r>
+            <a:r>
+              <a:rPr lang="en-US" sz="2800" dirty="0"/>
+              <a:t> </a:t>
+            </a:r>
+            <a:r>
+              <a:rPr lang="en-US" sz="2800" dirty="0" err="1"/>
+              <a:t>đó</a:t>
+            </a:r>
+            <a:r>
+              <a:rPr lang="en-US" sz="2800" dirty="0"/>
+              <a:t>, </a:t>
+            </a:r>
+            <a:r>
+              <a:rPr lang="en-US" sz="2800" dirty="0" err="1"/>
+              <a:t>nối</a:t>
+            </a:r>
+            <a:r>
+              <a:rPr lang="en-US" sz="2800" dirty="0"/>
+              <a:t> </a:t>
+            </a:r>
+            <a:r>
+              <a:rPr lang="en-US" sz="2800" dirty="0" err="1"/>
+              <a:t>các</a:t>
+            </a:r>
+            <a:r>
+              <a:rPr lang="en-US" sz="2800" dirty="0"/>
+              <a:t> </a:t>
+            </a:r>
+            <a:r>
+              <a:rPr lang="en-US" sz="2800" dirty="0" err="1"/>
+              <a:t>biểu</a:t>
+            </a:r>
+            <a:r>
+              <a:rPr lang="en-US" sz="2800" dirty="0"/>
+              <a:t> </a:t>
+            </a:r>
+            <a:r>
+              <a:rPr lang="en-US" sz="2800" dirty="0" err="1" smtClean="0"/>
+              <a:t>đồ</a:t>
+            </a:r>
+            <a:endParaRPr lang="en-US" sz="2800" dirty="0"/>
+          </a:p>
+          <a:p>
+            <a:r>
+              <a:rPr lang="en-US" sz="2800" dirty="0" err="1" smtClean="0"/>
+              <a:t>tần</a:t>
+            </a:r>
+            <a:r>
+              <a:rPr lang="en-US" sz="2800" dirty="0" smtClean="0"/>
+              <a:t> </a:t>
+            </a:r>
+            <a:r>
+              <a:rPr lang="en-US" sz="2800" dirty="0" err="1"/>
+              <a:t>số</a:t>
+            </a:r>
+            <a:r>
+              <a:rPr lang="en-US" sz="2800" dirty="0"/>
+              <a:t> </a:t>
+            </a:r>
+            <a:r>
+              <a:rPr lang="en-US" sz="2800" dirty="0" err="1"/>
+              <a:t>lại</a:t>
+            </a:r>
+            <a:r>
+              <a:rPr lang="en-US" sz="2800" dirty="0"/>
+              <a:t> </a:t>
+            </a:r>
+            <a:r>
+              <a:rPr lang="en-US" sz="2800" dirty="0" err="1"/>
+              <a:t>để</a:t>
+            </a:r>
+            <a:r>
+              <a:rPr lang="en-US" sz="2800" dirty="0"/>
+              <a:t> </a:t>
+            </a:r>
+            <a:r>
+              <a:rPr lang="en-US" sz="2800" dirty="0" err="1"/>
+              <a:t>có</a:t>
+            </a:r>
+            <a:r>
+              <a:rPr lang="en-US" sz="2800" dirty="0"/>
+              <a:t> </a:t>
+            </a:r>
+            <a:r>
+              <a:rPr lang="en-US" sz="2800" dirty="0" err="1"/>
+              <a:t>biểu</a:t>
+            </a:r>
+            <a:r>
+              <a:rPr lang="en-US" sz="2800" dirty="0"/>
+              <a:t> </a:t>
+            </a:r>
+            <a:r>
+              <a:rPr lang="en-US" sz="2800" dirty="0" err="1"/>
+              <a:t>đồ</a:t>
+            </a:r>
+            <a:r>
+              <a:rPr lang="en-US" sz="2800" dirty="0"/>
+              <a:t> </a:t>
+            </a:r>
+            <a:r>
+              <a:rPr lang="en-US" sz="2800" dirty="0" err="1"/>
+              <a:t>tần</a:t>
+            </a:r>
+            <a:r>
+              <a:rPr lang="en-US" sz="2800" dirty="0"/>
+              <a:t> </a:t>
+            </a:r>
+            <a:r>
+              <a:rPr lang="en-US" sz="2800" dirty="0" err="1"/>
+              <a:t>số</a:t>
+            </a:r>
+            <a:r>
+              <a:rPr lang="en-US" sz="2800" dirty="0"/>
+              <a:t> </a:t>
+            </a:r>
+            <a:r>
+              <a:rPr lang="en-US" sz="2800" dirty="0" err="1"/>
+              <a:t>cho</a:t>
+            </a:r>
+            <a:r>
+              <a:rPr lang="en-US" sz="2800" dirty="0"/>
+              <a:t> </a:t>
+            </a:r>
+            <a:r>
+              <a:rPr lang="en-US" sz="2800" dirty="0" err="1"/>
+              <a:t>duy</a:t>
+            </a:r>
+            <a:r>
+              <a:rPr lang="en-US" sz="2800" dirty="0"/>
+              <a:t> </a:t>
+            </a:r>
+            <a:r>
+              <a:rPr lang="en-US" sz="2800" dirty="0" err="1"/>
+              <a:t>nhất</a:t>
+            </a:r>
+            <a:r>
+              <a:rPr lang="en-US" sz="2800" dirty="0"/>
+              <a:t> </a:t>
+            </a:r>
+            <a:r>
+              <a:rPr lang="en-US" sz="2800" dirty="0" err="1" smtClean="0"/>
+              <a:t>một</a:t>
+            </a:r>
+            <a:endParaRPr lang="en-US" sz="2800" dirty="0"/>
+          </a:p>
+          <a:p>
+            <a:r>
+              <a:rPr lang="en-US" sz="2800" dirty="0" err="1" smtClean="0"/>
+              <a:t>ảnh</a:t>
+            </a:r>
+            <a:r>
+              <a:rPr lang="en-US" sz="2800" dirty="0"/>
+              <a:t>. </a:t>
+            </a:r>
+            <a:r>
+              <a:rPr lang="en-US" sz="2800" dirty="0" err="1"/>
+              <a:t>Như</a:t>
+            </a:r>
+            <a:r>
+              <a:rPr lang="en-US" sz="2800" dirty="0"/>
+              <a:t> </a:t>
+            </a:r>
+            <a:r>
+              <a:rPr lang="en-US" sz="2800" dirty="0" err="1"/>
+              <a:t>vậy</a:t>
+            </a:r>
+            <a:r>
+              <a:rPr lang="en-US" sz="2800" dirty="0"/>
+              <a:t> </a:t>
+            </a:r>
+            <a:r>
+              <a:rPr lang="en-US" sz="2800" dirty="0" err="1"/>
+              <a:t>mỗi</a:t>
+            </a:r>
+            <a:r>
+              <a:rPr lang="en-US" sz="2800" dirty="0"/>
+              <a:t> </a:t>
+            </a:r>
+            <a:r>
+              <a:rPr lang="en-US" sz="2800" dirty="0" err="1"/>
+              <a:t>ảnh</a:t>
+            </a:r>
+            <a:r>
+              <a:rPr lang="en-US" sz="2800" dirty="0"/>
+              <a:t> </a:t>
+            </a:r>
+            <a:r>
+              <a:rPr lang="en-US" sz="2800" dirty="0" err="1"/>
+              <a:t>sẽ</a:t>
+            </a:r>
+            <a:r>
+              <a:rPr lang="en-US" sz="2800" dirty="0"/>
+              <a:t> </a:t>
+            </a:r>
+            <a:r>
+              <a:rPr lang="en-US" sz="2800" dirty="0" err="1"/>
+              <a:t>được</a:t>
+            </a:r>
+            <a:r>
+              <a:rPr lang="en-US" sz="2800" dirty="0"/>
+              <a:t> </a:t>
+            </a:r>
+            <a:r>
+              <a:rPr lang="en-US" sz="2800" dirty="0" err="1"/>
+              <a:t>biểu</a:t>
+            </a:r>
+            <a:r>
+              <a:rPr lang="en-US" sz="2800" dirty="0"/>
+              <a:t> </a:t>
+            </a:r>
+            <a:r>
+              <a:rPr lang="en-US" sz="2800" dirty="0" err="1"/>
+              <a:t>diễn</a:t>
+            </a:r>
+            <a:r>
+              <a:rPr lang="en-US" sz="2800" dirty="0"/>
+              <a:t> </a:t>
+            </a:r>
+            <a:r>
+              <a:rPr lang="en-US" sz="2800" dirty="0" err="1" smtClean="0"/>
+              <a:t>bằng</a:t>
+            </a:r>
+            <a:endParaRPr lang="en-US" sz="2800" dirty="0"/>
+          </a:p>
+          <a:p>
+            <a:r>
+              <a:rPr lang="en-US" sz="2800" dirty="0" err="1" smtClean="0"/>
+              <a:t>một</a:t>
+            </a:r>
+            <a:r>
+              <a:rPr lang="en-US" sz="2800" dirty="0" smtClean="0"/>
+              <a:t> </a:t>
+            </a:r>
+            <a:r>
+              <a:rPr lang="en-US" sz="2800" dirty="0" err="1"/>
+              <a:t>biểu</a:t>
+            </a:r>
+            <a:r>
+              <a:rPr lang="en-US" sz="2800" dirty="0"/>
+              <a:t> </a:t>
+            </a:r>
+            <a:r>
+              <a:rPr lang="en-US" sz="2800" dirty="0" err="1"/>
+              <a:t>đồ</a:t>
+            </a:r>
+            <a:r>
+              <a:rPr lang="en-US" sz="2800" dirty="0"/>
+              <a:t> </a:t>
+            </a:r>
+            <a:r>
+              <a:rPr lang="en-US" sz="2800" dirty="0" err="1"/>
+              <a:t>tần</a:t>
+            </a:r>
+            <a:r>
+              <a:rPr lang="en-US" sz="2800" dirty="0"/>
+              <a:t> </a:t>
+            </a:r>
+            <a:r>
+              <a:rPr lang="en-US" sz="2800" dirty="0" err="1"/>
+              <a:t>số</a:t>
+            </a:r>
+            <a:r>
+              <a:rPr lang="en-US" sz="2800" dirty="0"/>
+              <a:t> </a:t>
+            </a:r>
+            <a:r>
+              <a:rPr lang="en-US" sz="2800" dirty="0" err="1"/>
+              <a:t>dưới</a:t>
+            </a:r>
+            <a:r>
+              <a:rPr lang="en-US" sz="2800" dirty="0"/>
+              <a:t> </a:t>
+            </a:r>
+            <a:r>
+              <a:rPr lang="en-US" sz="2800" dirty="0" err="1"/>
+              <a:t>dạng</a:t>
+            </a:r>
+            <a:r>
+              <a:rPr lang="en-US" sz="2800" dirty="0"/>
+              <a:t> ma </a:t>
+            </a:r>
+            <a:r>
+              <a:rPr lang="en-US" sz="2800" dirty="0" err="1"/>
+              <a:t>trận</a:t>
+            </a:r>
+            <a:r>
+              <a:rPr lang="en-US" sz="2800" dirty="0"/>
+              <a:t> </a:t>
+            </a:r>
+            <a:r>
+              <a:rPr lang="en-US" sz="2800" dirty="0" err="1"/>
+              <a:t>và</a:t>
+            </a:r>
+            <a:r>
+              <a:rPr lang="en-US" sz="2800" dirty="0"/>
+              <a:t> </a:t>
+            </a:r>
+            <a:r>
+              <a:rPr lang="en-US" sz="2800" dirty="0" err="1"/>
+              <a:t>một</a:t>
+            </a:r>
+            <a:r>
+              <a:rPr lang="en-US" sz="2800" dirty="0"/>
+              <a:t> </a:t>
+            </a:r>
+            <a:r>
+              <a:rPr lang="en-US" sz="2800" dirty="0" err="1" smtClean="0"/>
+              <a:t>nhãn</a:t>
+            </a:r>
+            <a:endParaRPr lang="en-US" sz="2800" dirty="0"/>
+          </a:p>
+          <a:p>
+            <a:r>
+              <a:rPr lang="en-US" sz="2800" dirty="0" err="1" smtClean="0"/>
+              <a:t>để</a:t>
+            </a:r>
+            <a:r>
+              <a:rPr lang="en-US" sz="2800" dirty="0" smtClean="0"/>
+              <a:t> </a:t>
+            </a:r>
+            <a:r>
+              <a:rPr lang="en-US" sz="2800" dirty="0" err="1"/>
+              <a:t>biết</a:t>
+            </a:r>
+            <a:r>
+              <a:rPr lang="en-US" sz="2800" dirty="0"/>
+              <a:t> </a:t>
+            </a:r>
+            <a:r>
+              <a:rPr lang="en-US" sz="2800" dirty="0" err="1"/>
+              <a:t>nó</a:t>
+            </a:r>
+            <a:r>
+              <a:rPr lang="en-US" sz="2800" dirty="0"/>
+              <a:t> </a:t>
+            </a:r>
+            <a:r>
+              <a:rPr lang="en-US" sz="2800" dirty="0" err="1"/>
+              <a:t>thuộc</a:t>
+            </a:r>
+            <a:r>
+              <a:rPr lang="en-US" sz="2800" dirty="0"/>
+              <a:t> </a:t>
+            </a:r>
+            <a:r>
+              <a:rPr lang="en-US" sz="2800" dirty="0" err="1"/>
+              <a:t>về</a:t>
+            </a:r>
+            <a:r>
+              <a:rPr lang="en-US" sz="2800" dirty="0"/>
+              <a:t> </a:t>
+            </a:r>
+            <a:r>
+              <a:rPr lang="en-US" sz="2800" dirty="0" err="1"/>
+              <a:t>tập</a:t>
+            </a:r>
+            <a:r>
+              <a:rPr lang="en-US" sz="2800" dirty="0"/>
+              <a:t> </a:t>
+            </a:r>
+            <a:r>
+              <a:rPr lang="en-US" sz="2800" dirty="0" err="1"/>
+              <a:t>nào</a:t>
+            </a:r>
+            <a:r>
+              <a:rPr lang="en-US" sz="2800" dirty="0"/>
+              <a:t>. </a:t>
+            </a:r>
+            <a:r>
+              <a:rPr lang="en-US" sz="2800" dirty="0" err="1"/>
+              <a:t>Tiến</a:t>
+            </a:r>
+            <a:r>
+              <a:rPr lang="en-US" sz="2800" dirty="0"/>
+              <a:t> </a:t>
+            </a:r>
+            <a:r>
+              <a:rPr lang="en-US" sz="2800" dirty="0" err="1"/>
+              <a:t>hành</a:t>
+            </a:r>
+            <a:r>
+              <a:rPr lang="en-US" sz="2800" dirty="0"/>
+              <a:t> </a:t>
+            </a:r>
+            <a:r>
+              <a:rPr lang="en-US" sz="2800" dirty="0" err="1"/>
+              <a:t>tương</a:t>
+            </a:r>
+            <a:r>
+              <a:rPr lang="en-US" sz="2800" dirty="0"/>
+              <a:t> </a:t>
+            </a:r>
+            <a:r>
+              <a:rPr lang="en-US" sz="2800" dirty="0" err="1" smtClean="0"/>
+              <a:t>tự</a:t>
+            </a:r>
+            <a:endParaRPr lang="en-US" sz="2800" dirty="0"/>
+          </a:p>
+          <a:p>
+            <a:r>
+              <a:rPr lang="en-US" sz="2800" dirty="0" err="1" smtClean="0"/>
+              <a:t>cho</a:t>
+            </a:r>
+            <a:r>
+              <a:rPr lang="en-US" sz="2800" dirty="0" smtClean="0"/>
+              <a:t> </a:t>
+            </a:r>
+            <a:r>
+              <a:rPr lang="en-US" sz="2800" dirty="0" err="1"/>
+              <a:t>tất</a:t>
+            </a:r>
+            <a:r>
+              <a:rPr lang="en-US" sz="2800" dirty="0"/>
+              <a:t> </a:t>
+            </a:r>
+            <a:r>
+              <a:rPr lang="en-US" sz="2800" dirty="0" err="1"/>
+              <a:t>cả</a:t>
+            </a:r>
+            <a:r>
+              <a:rPr lang="en-US" sz="2800" dirty="0"/>
+              <a:t> </a:t>
+            </a:r>
+            <a:r>
+              <a:rPr lang="en-US" sz="2800" dirty="0" err="1"/>
+              <a:t>các</a:t>
+            </a:r>
+            <a:r>
+              <a:rPr lang="en-US" sz="2800" dirty="0"/>
+              <a:t> </a:t>
+            </a:r>
+            <a:r>
+              <a:rPr lang="en-US" sz="2800" dirty="0" err="1"/>
+              <a:t>ảnh</a:t>
+            </a:r>
+            <a:r>
+              <a:rPr lang="en-US" sz="2800" dirty="0"/>
+              <a:t> </a:t>
+            </a:r>
+            <a:r>
+              <a:rPr lang="en-US" sz="2800" dirty="0" err="1"/>
+              <a:t>còn</a:t>
+            </a:r>
+            <a:r>
+              <a:rPr lang="en-US" sz="2800" dirty="0"/>
+              <a:t> </a:t>
+            </a:r>
+            <a:r>
+              <a:rPr lang="en-US" sz="2800" dirty="0" err="1"/>
+              <a:t>lại</a:t>
+            </a:r>
+            <a:r>
+              <a:rPr lang="en-US" sz="2800" dirty="0"/>
+              <a:t> </a:t>
+            </a:r>
+            <a:r>
+              <a:rPr lang="en-US" sz="2800" dirty="0" err="1"/>
+              <a:t>muốn</a:t>
+            </a:r>
+            <a:r>
+              <a:rPr lang="en-US" sz="2800" dirty="0"/>
+              <a:t> </a:t>
+            </a:r>
+            <a:r>
+              <a:rPr lang="en-US" sz="2800" dirty="0" err="1"/>
+              <a:t>huấn</a:t>
+            </a:r>
+            <a:r>
+              <a:rPr lang="en-US" sz="2800" dirty="0"/>
+              <a:t> </a:t>
+            </a:r>
+            <a:r>
+              <a:rPr lang="en-US" sz="2800" dirty="0" err="1"/>
+              <a:t>luyện</a:t>
+            </a:r>
+            <a:r>
+              <a:rPr lang="en-US" sz="2800" dirty="0"/>
+              <a:t>, </a:t>
+            </a:r>
+            <a:r>
+              <a:rPr lang="en-US" sz="2800" dirty="0" err="1" smtClean="0"/>
+              <a:t>chúng</a:t>
+            </a:r>
+            <a:endParaRPr lang="en-US" sz="2800" dirty="0"/>
+          </a:p>
+          <a:p>
+            <a:r>
+              <a:rPr lang="en-US" sz="2800" dirty="0" smtClean="0"/>
+              <a:t>ta </a:t>
+            </a:r>
+            <a:r>
+              <a:rPr lang="en-US" sz="2800" dirty="0" err="1"/>
+              <a:t>được</a:t>
+            </a:r>
+            <a:r>
+              <a:rPr lang="en-US" sz="2800" dirty="0"/>
+              <a:t> </a:t>
+            </a:r>
+            <a:r>
+              <a:rPr lang="en-US" sz="2800" dirty="0" err="1"/>
+              <a:t>một</a:t>
+            </a:r>
+            <a:r>
+              <a:rPr lang="en-US" sz="2800" dirty="0"/>
+              <a:t> vector </a:t>
+            </a:r>
+            <a:r>
+              <a:rPr lang="en-US" sz="2800" dirty="0" err="1"/>
+              <a:t>lưu</a:t>
+            </a:r>
+            <a:r>
+              <a:rPr lang="en-US" sz="2800" dirty="0"/>
+              <a:t> </a:t>
+            </a:r>
+            <a:r>
+              <a:rPr lang="en-US" sz="2800" dirty="0" err="1"/>
+              <a:t>lại</a:t>
+            </a:r>
+            <a:r>
+              <a:rPr lang="en-US" sz="2800" dirty="0"/>
+              <a:t> </a:t>
+            </a:r>
+            <a:r>
+              <a:rPr lang="en-US" sz="2800" dirty="0" err="1"/>
+              <a:t>danh</a:t>
+            </a:r>
+            <a:r>
+              <a:rPr lang="en-US" sz="2800" dirty="0"/>
+              <a:t> </a:t>
+            </a:r>
+            <a:r>
+              <a:rPr lang="en-US" sz="2800" dirty="0" err="1"/>
+              <a:t>sách</a:t>
+            </a:r>
+            <a:r>
+              <a:rPr lang="en-US" sz="2800" dirty="0"/>
+              <a:t> </a:t>
+            </a:r>
+            <a:r>
+              <a:rPr lang="en-US" sz="2800" dirty="0" err="1"/>
+              <a:t>các</a:t>
+            </a:r>
+            <a:r>
+              <a:rPr lang="en-US" sz="2800" dirty="0"/>
+              <a:t> ma </a:t>
+            </a:r>
+            <a:r>
+              <a:rPr lang="en-US" sz="2800" dirty="0" err="1" smtClean="0"/>
+              <a:t>trận</a:t>
+            </a:r>
+            <a:endParaRPr lang="en-US" sz="2800" dirty="0"/>
+          </a:p>
+          <a:p>
+            <a:r>
+              <a:rPr lang="en-US" sz="2800" dirty="0" err="1" smtClean="0"/>
+              <a:t>này</a:t>
+            </a:r>
+            <a:r>
+              <a:rPr lang="en-US" sz="2800" dirty="0"/>
+              <a:t>.</a:t>
+            </a:r>
+          </a:p>
+          <a:p>
+            <a:endParaRPr lang="en-US" sz="2800" dirty="0" smtClean="0"/>
+          </a:p>
+          <a:p>
+            <a:endParaRPr lang="en-US" sz="2800" dirty="0"/>
+          </a:p>
+          <a:p>
+            <a:endParaRPr lang="en-US" sz="2800" dirty="0" smtClean="0"/>
+          </a:p>
+          <a:p>
+            <a:endParaRPr lang="en-US" sz="2800" dirty="0"/>
+          </a:p>
+          <a:p>
+            <a:endParaRPr lang="en-US" sz="2800" dirty="0" smtClean="0"/>
+          </a:p>
+          <a:p>
+            <a:endParaRPr lang="en-US" sz="2800" dirty="0"/>
+          </a:p>
+          <a:p>
+            <a:endParaRPr lang="en-US" sz="2800" dirty="0" smtClean="0"/>
+          </a:p>
+          <a:p>
+            <a:endParaRPr lang="en-US" sz="2800" dirty="0"/>
+          </a:p>
+          <a:p>
+            <a:endParaRPr lang="en-US" sz="2800" dirty="0" smtClean="0"/>
+          </a:p>
+          <a:p>
+            <a:r>
+              <a:rPr lang="en-US" sz="2800" dirty="0" smtClean="0"/>
+              <a:t>a</a:t>
+            </a:r>
+            <a:endParaRPr lang="en-US" sz="2800" dirty="0"/>
+          </a:p>
+        </p:txBody>
+      </p:sp>
+    </p:spTree>
+    <p:extLst>
+      <p:ext uri="{BB962C8B-B14F-4D97-AF65-F5344CB8AC3E}">
+        <p14:creationId xmlns:p14="http://schemas.microsoft.com/office/powerpoint/2010/main" val="3499677739"/>
+      </p:ext>
+    </p:extLst>
+  </p:cSld>
+  <p:clrMapOvr>
+    <a:masterClrMapping/>
+  </p:clrMapOvr>
+</p:sld>
+</file>
+
+<file path=ppt/slides/slide41.xml><?xml version="1.0" encoding="utf-8"?>
+<p:sld xmlns:a="http://schemas.openxmlformats.org/drawingml/2006/main" xmlns:r="http://schemas.openxmlformats.org/officeDocument/2006/relationships" xmlns:p="http://schemas.openxmlformats.org/presentationml/2006/main">
+  <p:cSld>
+    <p:spTree>
+      <p:nvGrpSpPr>
+        <p:cNvPr id="1" name=""/>
+        <p:cNvGrpSpPr/>
+        <p:nvPr/>
+      </p:nvGrpSpPr>
+      <p:grpSpPr>
+        <a:xfrm>
+          <a:off x="0" y="0"/>
+          <a:ext cx="0" cy="0"/>
+          <a:chOff x="0" y="0"/>
+          <a:chExt cx="0" cy="0"/>
+        </a:xfrm>
+      </p:grpSpPr>
+      <p:sp>
+        <p:nvSpPr>
+          <p:cNvPr id="36866" name="Title 1"/>
+          <p:cNvSpPr>
+            <a:spLocks noGrp="1"/>
+          </p:cNvSpPr>
+          <p:nvPr>
+            <p:ph type="title"/>
+          </p:nvPr>
+        </p:nvSpPr>
+        <p:spPr>
+          <a:xfrm>
+            <a:off x="395288" y="115888"/>
+            <a:ext cx="8229600" cy="909637"/>
+          </a:xfrm>
+        </p:spPr>
+        <p:txBody>
+          <a:bodyPr/>
+          <a:lstStyle/>
+          <a:p>
+            <a:pPr algn="l" eaLnBrk="1" hangingPunct="1"/>
+            <a:r>
+              <a:rPr lang="en-US" sz="3200" smtClean="0">
+                <a:solidFill>
+                  <a:schemeClr val="bg1"/>
+                </a:solidFill>
+              </a:rPr>
+              <a:t>3. Bài Toán Ứng Dụng</a:t>
+            </a:r>
+            <a:endParaRPr lang="en-US" b="1" smtClean="0"/>
+          </a:p>
+        </p:txBody>
+      </p:sp>
+      <p:sp>
+        <p:nvSpPr>
+          <p:cNvPr id="36867" name="Content Placeholder 2"/>
+          <p:cNvSpPr>
+            <a:spLocks noGrp="1"/>
+          </p:cNvSpPr>
+          <p:nvPr>
+            <p:ph idx="1"/>
+          </p:nvPr>
+        </p:nvSpPr>
+        <p:spPr>
+          <a:xfrm>
+            <a:off x="0" y="981075"/>
+            <a:ext cx="9144000" cy="935038"/>
+          </a:xfrm>
+        </p:spPr>
+        <p:txBody>
+          <a:bodyPr anchor="ctr"/>
+          <a:lstStyle/>
+          <a:p>
+            <a:pPr marL="457200" lvl="1" indent="0">
+              <a:buFontTx/>
+              <a:buNone/>
+            </a:pPr>
+            <a:r>
+              <a:rPr lang="en-US" dirty="0" smtClean="0"/>
+              <a:t>3.2 </a:t>
+            </a:r>
+            <a:r>
+              <a:rPr lang="en-US" dirty="0" err="1" smtClean="0"/>
+              <a:t>Phương</a:t>
+            </a:r>
+            <a:r>
+              <a:rPr lang="en-US" dirty="0" smtClean="0"/>
+              <a:t> </a:t>
+            </a:r>
+            <a:r>
+              <a:rPr lang="en-US" dirty="0" err="1" smtClean="0"/>
+              <a:t>Pháp</a:t>
+            </a:r>
+            <a:r>
+              <a:rPr lang="en-US" dirty="0" smtClean="0"/>
+              <a:t> </a:t>
+            </a:r>
+            <a:r>
+              <a:rPr lang="en-US" dirty="0" err="1" smtClean="0"/>
+              <a:t>thực</a:t>
+            </a:r>
+            <a:r>
+              <a:rPr lang="en-US" dirty="0" smtClean="0"/>
+              <a:t> </a:t>
+            </a:r>
+            <a:r>
+              <a:rPr lang="en-US" dirty="0" err="1" smtClean="0"/>
+              <a:t>hiện</a:t>
+            </a:r>
+            <a:r>
+              <a:rPr lang="en-US" dirty="0" smtClean="0"/>
+              <a:t>(</a:t>
+            </a:r>
+            <a:r>
+              <a:rPr lang="en-US" dirty="0" err="1" smtClean="0"/>
+              <a:t>tt</a:t>
+            </a:r>
+            <a:r>
+              <a:rPr lang="en-US" dirty="0" smtClean="0"/>
+              <a:t>)</a:t>
+            </a:r>
+            <a:endParaRPr lang="en-US" i="1" dirty="0" smtClean="0"/>
+          </a:p>
+        </p:txBody>
+      </p:sp>
+      <p:sp>
+        <p:nvSpPr>
+          <p:cNvPr id="36868" name="Content Placeholder 2"/>
+          <p:cNvSpPr txBox="1">
+            <a:spLocks/>
+          </p:cNvSpPr>
+          <p:nvPr/>
+        </p:nvSpPr>
+        <p:spPr bwMode="auto">
+          <a:xfrm>
+            <a:off x="547688" y="1844824"/>
+            <a:ext cx="8229600" cy="4393207"/>
+          </a:xfrm>
+          <a:prstGeom prst="rect">
+            <a:avLst/>
+          </a:prstGeom>
+          <a:noFill/>
+          <a:ln>
+            <a:noFill/>
+          </a:ln>
+          <a:effectLst/>
+          <a:extLst>
+            <a:ext uri="{909E8E84-426E-40DD-AFC4-6F175D3DCCD1}">
+              <a14:hiddenFill xmlns:a14="http://schemas.microsoft.com/office/drawing/2010/main">
+                <a:solidFill>
+                  <a:schemeClr val="accent1"/>
+                </a:solidFill>
+              </a14:hiddenFill>
+            </a:ext>
+            <a:ext uri="{91240B29-F687-4F45-9708-019B960494DF}">
+              <a14:hiddenLine xmlns:a14="http://schemas.microsoft.com/office/drawing/2010/main" w="9525">
+                <a:solidFill>
+                  <a:schemeClr val="tx1"/>
+                </a:solidFill>
+                <a:miter lim="800000"/>
+                <a:headEnd/>
+                <a:tailEnd/>
+              </a14:hiddenLine>
+            </a:ext>
+            <a:ext uri="{AF507438-7753-43E0-B8FC-AC1667EBCBE1}">
+              <a14:hiddenEffects xmlns:a14="http://schemas.microsoft.com/office/drawing/2010/main">
+                <a:effectLst>
+                  <a:outerShdw dist="35921" dir="2700000" algn="ctr" rotWithShape="0">
+                    <a:schemeClr val="bg2"/>
+                  </a:outerShdw>
+                </a:effectLst>
+              </a14:hiddenEffects>
+            </a:ext>
+          </a:extLst>
+        </p:spPr>
+        <p:txBody>
+          <a:bodyPr/>
+          <a:lstStyle>
+            <a:lvl1pPr marL="457200" indent="-457200" eaLnBrk="0" hangingPunct="0">
+              <a:defRPr>
+                <a:solidFill>
+                  <a:schemeClr val="tx1"/>
+                </a:solidFill>
+                <a:latin typeface="Arial" panose="020B0604020202020204" pitchFamily="34" charset="0"/>
+                <a:cs typeface="Arial" panose="020B0604020202020204" pitchFamily="34" charset="0"/>
+              </a:defRPr>
+            </a:lvl1pPr>
+            <a:lvl2pPr marL="742950" indent="-285750" eaLnBrk="0" hangingPunct="0">
+              <a:defRPr>
+                <a:solidFill>
+                  <a:schemeClr val="tx1"/>
+                </a:solidFill>
+                <a:latin typeface="Arial" panose="020B0604020202020204" pitchFamily="34" charset="0"/>
+                <a:cs typeface="Arial" panose="020B0604020202020204" pitchFamily="34" charset="0"/>
+              </a:defRPr>
+            </a:lvl2pPr>
+            <a:lvl3pPr marL="1143000" indent="-228600" eaLnBrk="0" hangingPunct="0">
+              <a:defRPr>
+                <a:solidFill>
+                  <a:schemeClr val="tx1"/>
+                </a:solidFill>
+                <a:latin typeface="Arial" panose="020B0604020202020204" pitchFamily="34" charset="0"/>
+                <a:cs typeface="Arial" panose="020B0604020202020204" pitchFamily="34" charset="0"/>
+              </a:defRPr>
+            </a:lvl3pPr>
+            <a:lvl4pPr marL="1600200" indent="-228600" eaLnBrk="0" hangingPunct="0">
+              <a:defRPr>
+                <a:solidFill>
+                  <a:schemeClr val="tx1"/>
+                </a:solidFill>
+                <a:latin typeface="Arial" panose="020B0604020202020204" pitchFamily="34" charset="0"/>
+                <a:cs typeface="Arial" panose="020B0604020202020204" pitchFamily="34" charset="0"/>
+              </a:defRPr>
+            </a:lvl4pPr>
+            <a:lvl5pPr marL="2057400" indent="-228600" eaLnBrk="0" hangingPunct="0">
+              <a:defRPr>
+                <a:solidFill>
+                  <a:schemeClr val="tx1"/>
+                </a:solidFill>
+                <a:latin typeface="Arial" panose="020B0604020202020204" pitchFamily="34" charset="0"/>
+                <a:cs typeface="Arial" panose="020B0604020202020204" pitchFamily="34" charset="0"/>
+              </a:defRPr>
+            </a:lvl5pPr>
+            <a:lvl6pPr marL="2514600" indent="-228600" eaLnBrk="0" fontAlgn="base" hangingPunct="0">
+              <a:spcBef>
+                <a:spcPct val="0"/>
+              </a:spcBef>
+              <a:spcAft>
+                <a:spcPct val="0"/>
+              </a:spcAft>
+              <a:defRPr>
+                <a:solidFill>
+                  <a:schemeClr val="tx1"/>
+                </a:solidFill>
+                <a:latin typeface="Arial" panose="020B0604020202020204" pitchFamily="34" charset="0"/>
+                <a:cs typeface="Arial" panose="020B0604020202020204" pitchFamily="34" charset="0"/>
+              </a:defRPr>
+            </a:lvl6pPr>
+            <a:lvl7pPr marL="2971800" indent="-228600" eaLnBrk="0" fontAlgn="base" hangingPunct="0">
+              <a:spcBef>
+                <a:spcPct val="0"/>
+              </a:spcBef>
+              <a:spcAft>
+                <a:spcPct val="0"/>
+              </a:spcAft>
+              <a:defRPr>
+                <a:solidFill>
+                  <a:schemeClr val="tx1"/>
+                </a:solidFill>
+                <a:latin typeface="Arial" panose="020B0604020202020204" pitchFamily="34" charset="0"/>
+                <a:cs typeface="Arial" panose="020B0604020202020204" pitchFamily="34" charset="0"/>
+              </a:defRPr>
+            </a:lvl7pPr>
+            <a:lvl8pPr marL="3429000" indent="-228600" eaLnBrk="0" fontAlgn="base" hangingPunct="0">
+              <a:spcBef>
+                <a:spcPct val="0"/>
+              </a:spcBef>
+              <a:spcAft>
+                <a:spcPct val="0"/>
+              </a:spcAft>
+              <a:defRPr>
+                <a:solidFill>
+                  <a:schemeClr val="tx1"/>
+                </a:solidFill>
+                <a:latin typeface="Arial" panose="020B0604020202020204" pitchFamily="34" charset="0"/>
+                <a:cs typeface="Arial" panose="020B0604020202020204" pitchFamily="34" charset="0"/>
+              </a:defRPr>
+            </a:lvl8pPr>
+            <a:lvl9pPr marL="3886200" indent="-228600" eaLnBrk="0" fontAlgn="base" hangingPunct="0">
+              <a:spcBef>
+                <a:spcPct val="0"/>
+              </a:spcBef>
+              <a:spcAft>
+                <a:spcPct val="0"/>
+              </a:spcAft>
+              <a:defRPr>
+                <a:solidFill>
+                  <a:schemeClr val="tx1"/>
+                </a:solidFill>
+                <a:latin typeface="Arial" panose="020B0604020202020204" pitchFamily="34" charset="0"/>
+                <a:cs typeface="Arial" panose="020B0604020202020204" pitchFamily="34" charset="0"/>
+              </a:defRPr>
+            </a:lvl9pPr>
+          </a:lstStyle>
+          <a:p>
+            <a:r>
+              <a:rPr lang="en-US" sz="2800" dirty="0" smtClean="0"/>
+              <a:t>		</a:t>
+            </a:r>
+            <a:r>
+              <a:rPr lang="en-US" sz="2800" dirty="0" err="1" smtClean="0"/>
+              <a:t>Bước</a:t>
+            </a:r>
+            <a:r>
+              <a:rPr lang="en-US" sz="2800" dirty="0" smtClean="0"/>
+              <a:t> 3: </a:t>
+            </a:r>
+            <a:r>
+              <a:rPr lang="en-US" sz="2800" dirty="0" err="1"/>
+              <a:t>Khi</a:t>
+            </a:r>
+            <a:r>
+              <a:rPr lang="en-US" sz="2800" dirty="0"/>
+              <a:t> </a:t>
+            </a:r>
+            <a:r>
+              <a:rPr lang="en-US" sz="2800" dirty="0" err="1" smtClean="0"/>
+              <a:t>truy</a:t>
+            </a:r>
+            <a:r>
+              <a:rPr lang="en-US" sz="2800" dirty="0" smtClean="0"/>
+              <a:t> </a:t>
+            </a:r>
+            <a:r>
+              <a:rPr lang="en-US" sz="2800" dirty="0" err="1"/>
+              <a:t>vấn</a:t>
+            </a:r>
+            <a:r>
+              <a:rPr lang="en-US" sz="2800" dirty="0"/>
+              <a:t> </a:t>
+            </a:r>
+            <a:r>
+              <a:rPr lang="en-US" sz="2800" dirty="0" err="1"/>
+              <a:t>một</a:t>
+            </a:r>
+            <a:r>
+              <a:rPr lang="en-US" sz="2800" dirty="0"/>
+              <a:t> </a:t>
+            </a:r>
+            <a:r>
+              <a:rPr lang="en-US" sz="2800" dirty="0" err="1"/>
+              <a:t>ảnh</a:t>
+            </a:r>
+            <a:r>
+              <a:rPr lang="en-US" sz="2800" dirty="0"/>
+              <a:t> X </a:t>
+            </a:r>
+            <a:r>
+              <a:rPr lang="en-US" sz="2800" dirty="0" err="1" smtClean="0"/>
+              <a:t>thuộc</a:t>
+            </a:r>
+            <a:r>
+              <a:rPr lang="en-US" sz="2800" dirty="0" smtClean="0"/>
+              <a:t> </a:t>
+            </a:r>
+            <a:r>
+              <a:rPr lang="en-US" sz="2800" dirty="0" err="1"/>
+              <a:t>tập</a:t>
+            </a:r>
+            <a:r>
+              <a:rPr lang="en-US" sz="2800" dirty="0"/>
+              <a:t> </a:t>
+            </a:r>
+            <a:r>
+              <a:rPr lang="en-US" sz="2800" dirty="0" err="1"/>
+              <a:t>nào</a:t>
+            </a:r>
+            <a:r>
+              <a:rPr lang="en-US" sz="2800" dirty="0"/>
+              <a:t> </a:t>
+            </a:r>
+            <a:r>
+              <a:rPr lang="en-US" sz="2800" dirty="0" err="1"/>
+              <a:t>trong</a:t>
+            </a:r>
+            <a:r>
+              <a:rPr lang="en-US" sz="2800" dirty="0"/>
+              <a:t> </a:t>
+            </a:r>
+            <a:r>
+              <a:rPr lang="en-US" sz="2800" dirty="0" err="1"/>
+              <a:t>cơ</a:t>
+            </a:r>
+            <a:r>
+              <a:rPr lang="en-US" sz="2800" dirty="0"/>
+              <a:t> </a:t>
+            </a:r>
+            <a:r>
+              <a:rPr lang="en-US" sz="2800" dirty="0" err="1"/>
+              <a:t>sở</a:t>
+            </a:r>
+            <a:r>
+              <a:rPr lang="en-US" sz="2800" dirty="0"/>
+              <a:t> </a:t>
+            </a:r>
+            <a:r>
+              <a:rPr lang="en-US" sz="2800" dirty="0" err="1"/>
+              <a:t>dữ</a:t>
+            </a:r>
+            <a:r>
+              <a:rPr lang="en-US" sz="2800" dirty="0"/>
+              <a:t> </a:t>
+            </a:r>
+            <a:r>
+              <a:rPr lang="en-US" sz="2800" dirty="0" err="1"/>
+              <a:t>liệu</a:t>
+            </a:r>
+            <a:r>
+              <a:rPr lang="en-US" sz="2800" dirty="0"/>
+              <a:t> </a:t>
+            </a:r>
+            <a:r>
+              <a:rPr lang="en-US" sz="2800" dirty="0" err="1"/>
+              <a:t>mẫu</a:t>
+            </a:r>
+            <a:r>
+              <a:rPr lang="en-US" sz="2800" dirty="0"/>
+              <a:t>, </a:t>
+            </a:r>
+            <a:r>
+              <a:rPr lang="en-US" sz="2800" dirty="0" err="1"/>
+              <a:t>chương</a:t>
+            </a:r>
+            <a:r>
+              <a:rPr lang="en-US" sz="2800" dirty="0"/>
+              <a:t> </a:t>
+            </a:r>
+            <a:r>
+              <a:rPr lang="en-US" sz="2800" dirty="0" err="1"/>
+              <a:t>trình</a:t>
+            </a:r>
+            <a:r>
+              <a:rPr lang="en-US" sz="2800" dirty="0"/>
+              <a:t> </a:t>
+            </a:r>
+            <a:r>
+              <a:rPr lang="en-US" sz="2800" dirty="0" err="1"/>
+              <a:t>gọi</a:t>
+            </a:r>
+            <a:r>
+              <a:rPr lang="en-US" sz="2800" dirty="0"/>
+              <a:t> </a:t>
+            </a:r>
+            <a:r>
+              <a:rPr lang="en-US" sz="2800" dirty="0" err="1"/>
+              <a:t>phương</a:t>
+            </a:r>
+            <a:r>
+              <a:rPr lang="en-US" sz="2800" dirty="0"/>
+              <a:t> </a:t>
+            </a:r>
+            <a:r>
+              <a:rPr lang="en-US" sz="2800" dirty="0" err="1"/>
+              <a:t>thức</a:t>
+            </a:r>
+            <a:r>
+              <a:rPr lang="en-US" sz="2800" dirty="0"/>
+              <a:t> </a:t>
+            </a:r>
+            <a:r>
+              <a:rPr lang="en-US" sz="2800" i="1" dirty="0"/>
+              <a:t>predict</a:t>
+            </a:r>
+            <a:r>
+              <a:rPr lang="en-US" sz="2800" dirty="0"/>
+              <a:t> </a:t>
+            </a:r>
+            <a:r>
+              <a:rPr lang="en-US" sz="2800" dirty="0" err="1" smtClean="0"/>
+              <a:t>chuyển</a:t>
+            </a:r>
+            <a:r>
+              <a:rPr lang="en-US" sz="2800" dirty="0" smtClean="0"/>
+              <a:t> </a:t>
+            </a:r>
+            <a:r>
+              <a:rPr lang="en-US" sz="2800" dirty="0" err="1"/>
+              <a:t>ảnh</a:t>
+            </a:r>
+            <a:r>
+              <a:rPr lang="en-US" sz="2800" dirty="0"/>
+              <a:t> X </a:t>
+            </a:r>
+            <a:r>
+              <a:rPr lang="en-US" sz="2800" dirty="0" err="1"/>
+              <a:t>thành</a:t>
+            </a:r>
+            <a:r>
+              <a:rPr lang="en-US" sz="2800" dirty="0"/>
+              <a:t> </a:t>
+            </a:r>
+            <a:r>
+              <a:rPr lang="en-US" sz="2800" dirty="0" err="1"/>
+              <a:t>biểu</a:t>
+            </a:r>
+            <a:r>
+              <a:rPr lang="en-US" sz="2800" dirty="0"/>
+              <a:t> </a:t>
+            </a:r>
+            <a:r>
+              <a:rPr lang="en-US" sz="2800" dirty="0" err="1"/>
+              <a:t>đồ</a:t>
+            </a:r>
+            <a:r>
+              <a:rPr lang="en-US" sz="2800" dirty="0"/>
+              <a:t> </a:t>
+            </a:r>
+            <a:r>
+              <a:rPr lang="en-US" sz="2800" dirty="0" err="1"/>
+              <a:t>tần</a:t>
+            </a:r>
+            <a:r>
+              <a:rPr lang="en-US" sz="2800" dirty="0"/>
+              <a:t> </a:t>
+            </a:r>
+            <a:r>
+              <a:rPr lang="en-US" sz="2800" dirty="0" err="1" smtClean="0"/>
+              <a:t>số</a:t>
+            </a:r>
+            <a:r>
+              <a:rPr lang="en-US" sz="2800" dirty="0" smtClean="0"/>
+              <a:t>. </a:t>
+            </a:r>
+            <a:r>
+              <a:rPr lang="en-US" sz="2800" dirty="0" err="1"/>
+              <a:t>Sau</a:t>
+            </a:r>
+            <a:r>
+              <a:rPr lang="en-US" sz="2800" dirty="0"/>
+              <a:t> </a:t>
+            </a:r>
+            <a:r>
+              <a:rPr lang="en-US" sz="2800" dirty="0" err="1" smtClean="0"/>
+              <a:t>đó</a:t>
+            </a:r>
+            <a:r>
+              <a:rPr lang="en-US" sz="2800" dirty="0" smtClean="0"/>
+              <a:t> so </a:t>
+            </a:r>
+            <a:r>
+              <a:rPr lang="en-US" sz="2800" dirty="0" err="1"/>
+              <a:t>sánh</a:t>
+            </a:r>
+            <a:r>
+              <a:rPr lang="en-US" sz="2800" dirty="0"/>
+              <a:t> </a:t>
+            </a:r>
+            <a:r>
+              <a:rPr lang="en-US" sz="2800" dirty="0" err="1"/>
+              <a:t>biểu</a:t>
+            </a:r>
+            <a:r>
+              <a:rPr lang="en-US" sz="2800" dirty="0"/>
+              <a:t> </a:t>
+            </a:r>
+            <a:r>
+              <a:rPr lang="en-US" sz="2800" dirty="0" err="1"/>
+              <a:t>đồ</a:t>
+            </a:r>
+            <a:r>
+              <a:rPr lang="en-US" sz="2800" dirty="0"/>
+              <a:t> </a:t>
+            </a:r>
+            <a:r>
+              <a:rPr lang="en-US" sz="2800" dirty="0" err="1"/>
+              <a:t>tần</a:t>
+            </a:r>
+            <a:r>
+              <a:rPr lang="en-US" sz="2800" dirty="0"/>
+              <a:t> </a:t>
+            </a:r>
+            <a:r>
+              <a:rPr lang="en-US" sz="2800" dirty="0" err="1"/>
+              <a:t>số</a:t>
+            </a:r>
+            <a:r>
+              <a:rPr lang="en-US" sz="2800" dirty="0"/>
+              <a:t> </a:t>
+            </a:r>
+            <a:r>
+              <a:rPr lang="en-US" sz="2800" dirty="0" err="1"/>
+              <a:t>của</a:t>
+            </a:r>
+            <a:r>
+              <a:rPr lang="en-US" sz="2800" dirty="0"/>
+              <a:t> </a:t>
+            </a:r>
+            <a:r>
+              <a:rPr lang="en-US" sz="2800" dirty="0" err="1"/>
+              <a:t>ảnh</a:t>
+            </a:r>
+            <a:r>
+              <a:rPr lang="en-US" sz="2800" dirty="0"/>
+              <a:t> X </a:t>
+            </a:r>
+            <a:r>
+              <a:rPr lang="en-US" sz="2800" dirty="0" err="1"/>
+              <a:t>lần</a:t>
+            </a:r>
+            <a:r>
+              <a:rPr lang="en-US" sz="2800" dirty="0"/>
+              <a:t> </a:t>
+            </a:r>
+            <a:r>
+              <a:rPr lang="en-US" sz="2800" dirty="0" err="1"/>
+              <a:t>lượt</a:t>
+            </a:r>
+            <a:r>
+              <a:rPr lang="en-US" sz="2800" dirty="0"/>
+              <a:t> </a:t>
+            </a:r>
+            <a:r>
+              <a:rPr lang="en-US" sz="2800" dirty="0" err="1"/>
+              <a:t>với</a:t>
+            </a:r>
+            <a:r>
+              <a:rPr lang="en-US" sz="2800" dirty="0"/>
+              <a:t> </a:t>
+            </a:r>
+            <a:r>
+              <a:rPr lang="en-US" sz="2800" dirty="0" err="1"/>
+              <a:t>các</a:t>
+            </a:r>
+            <a:r>
+              <a:rPr lang="en-US" sz="2800" dirty="0"/>
+              <a:t> ma </a:t>
+            </a:r>
+            <a:r>
+              <a:rPr lang="en-US" sz="2800" dirty="0" err="1"/>
+              <a:t>trận</a:t>
+            </a:r>
+            <a:r>
+              <a:rPr lang="en-US" sz="2800" dirty="0"/>
+              <a:t> </a:t>
+            </a:r>
+            <a:r>
+              <a:rPr lang="en-US" sz="2800" dirty="0" err="1" smtClean="0"/>
+              <a:t>có</a:t>
+            </a:r>
+            <a:r>
+              <a:rPr lang="en-US" sz="2800" dirty="0" smtClean="0"/>
+              <a:t> </a:t>
+            </a:r>
+            <a:r>
+              <a:rPr lang="en-US" sz="2800" dirty="0" err="1"/>
+              <a:t>từ</a:t>
+            </a:r>
+            <a:r>
+              <a:rPr lang="en-US" sz="2800" dirty="0"/>
+              <a:t> </a:t>
+            </a:r>
+            <a:r>
+              <a:rPr lang="en-US" sz="2800" dirty="0" err="1"/>
+              <a:t>bước</a:t>
+            </a:r>
+            <a:r>
+              <a:rPr lang="en-US" sz="2800" dirty="0"/>
+              <a:t> </a:t>
+            </a:r>
+            <a:r>
+              <a:rPr lang="en-US" sz="2800" dirty="0" err="1"/>
+              <a:t>huấn</a:t>
+            </a:r>
+            <a:r>
+              <a:rPr lang="en-US" sz="2800" dirty="0"/>
+              <a:t> </a:t>
+            </a:r>
+            <a:r>
+              <a:rPr lang="en-US" sz="2800" dirty="0" err="1"/>
+              <a:t>luyện</a:t>
+            </a:r>
+            <a:r>
+              <a:rPr lang="en-US" sz="2800" dirty="0"/>
+              <a:t>, </a:t>
+            </a:r>
+            <a:r>
+              <a:rPr lang="en-US" sz="2800" dirty="0" err="1"/>
+              <a:t>thu</a:t>
+            </a:r>
+            <a:r>
+              <a:rPr lang="en-US" sz="2800" dirty="0"/>
+              <a:t> </a:t>
+            </a:r>
+            <a:r>
+              <a:rPr lang="en-US" sz="2800" dirty="0" err="1"/>
+              <a:t>được</a:t>
+            </a:r>
+            <a:r>
+              <a:rPr lang="en-US" sz="2800" dirty="0"/>
+              <a:t> </a:t>
+            </a:r>
+            <a:r>
+              <a:rPr lang="en-US" sz="2800" dirty="0" err="1"/>
+              <a:t>một</a:t>
+            </a:r>
+            <a:r>
+              <a:rPr lang="en-US" sz="2800" dirty="0"/>
+              <a:t> </a:t>
+            </a:r>
+            <a:r>
+              <a:rPr lang="en-US" sz="2800" dirty="0" err="1"/>
+              <a:t>giá</a:t>
+            </a:r>
+            <a:r>
+              <a:rPr lang="en-US" sz="2800" dirty="0"/>
+              <a:t> </a:t>
+            </a:r>
+            <a:r>
+              <a:rPr lang="en-US" sz="2800" dirty="0" err="1"/>
+              <a:t>trị</a:t>
+            </a:r>
+            <a:r>
+              <a:rPr lang="en-US" sz="2800" dirty="0"/>
+              <a:t> </a:t>
+            </a:r>
+            <a:r>
+              <a:rPr lang="en-US" sz="2800" dirty="0" err="1"/>
+              <a:t>tạm</a:t>
+            </a:r>
+            <a:r>
+              <a:rPr lang="en-US" sz="2800" dirty="0"/>
+              <a:t> </a:t>
+            </a:r>
+            <a:r>
+              <a:rPr lang="en-US" sz="2800" dirty="0" err="1"/>
+              <a:t>gọi</a:t>
+            </a:r>
+            <a:r>
+              <a:rPr lang="en-US" sz="2800" dirty="0"/>
+              <a:t> </a:t>
+            </a:r>
+            <a:r>
+              <a:rPr lang="en-US" sz="2800" dirty="0" err="1"/>
+              <a:t>là</a:t>
+            </a:r>
+            <a:r>
+              <a:rPr lang="en-US" sz="2800" dirty="0"/>
+              <a:t> </a:t>
+            </a:r>
+            <a:r>
+              <a:rPr lang="en-US" sz="2800" i="1" dirty="0"/>
+              <a:t>dist</a:t>
+            </a:r>
+            <a:r>
+              <a:rPr lang="en-US" sz="2800" dirty="0"/>
+              <a:t>. </a:t>
+            </a:r>
+            <a:r>
+              <a:rPr lang="en-US" sz="2800" dirty="0" err="1" smtClean="0"/>
+              <a:t>Nếu</a:t>
+            </a:r>
+            <a:r>
+              <a:rPr lang="en-US" sz="2800" dirty="0"/>
+              <a:t> </a:t>
+            </a:r>
+            <a:r>
+              <a:rPr lang="en-US" sz="2800" i="1" dirty="0" err="1" smtClean="0"/>
+              <a:t>dist</a:t>
+            </a:r>
+            <a:r>
+              <a:rPr lang="en-US" sz="2800" dirty="0" smtClean="0"/>
+              <a:t> </a:t>
+            </a:r>
+            <a:r>
+              <a:rPr lang="en-US" sz="2800" dirty="0"/>
+              <a:t>so </a:t>
+            </a:r>
+            <a:r>
+              <a:rPr lang="en-US" sz="2800" dirty="0" err="1"/>
+              <a:t>sánh</a:t>
+            </a:r>
+            <a:r>
+              <a:rPr lang="en-US" sz="2800" dirty="0"/>
+              <a:t> </a:t>
+            </a:r>
+            <a:r>
+              <a:rPr lang="en-US" sz="2800" dirty="0" err="1"/>
+              <a:t>với</a:t>
+            </a:r>
+            <a:r>
+              <a:rPr lang="en-US" sz="2800" dirty="0"/>
+              <a:t> </a:t>
+            </a:r>
+            <a:r>
+              <a:rPr lang="en-US" sz="2800" dirty="0" err="1"/>
+              <a:t>một</a:t>
+            </a:r>
+            <a:r>
+              <a:rPr lang="en-US" sz="2800" dirty="0"/>
+              <a:t> ma </a:t>
+            </a:r>
+            <a:r>
+              <a:rPr lang="en-US" sz="2800" dirty="0" err="1"/>
+              <a:t>trận</a:t>
+            </a:r>
+            <a:r>
+              <a:rPr lang="en-US" sz="2800" dirty="0"/>
+              <a:t> </a:t>
+            </a:r>
+            <a:r>
+              <a:rPr lang="en-US" sz="2800" dirty="0" err="1"/>
+              <a:t>của</a:t>
+            </a:r>
+            <a:r>
+              <a:rPr lang="en-US" sz="2800" dirty="0"/>
+              <a:t> </a:t>
+            </a:r>
+            <a:r>
+              <a:rPr lang="en-US" sz="2800" dirty="0" err="1"/>
+              <a:t>ảnh</a:t>
+            </a:r>
+            <a:r>
+              <a:rPr lang="en-US" sz="2800" dirty="0"/>
+              <a:t> Y </a:t>
+            </a:r>
+            <a:r>
+              <a:rPr lang="en-US" sz="2800" dirty="0" err="1" smtClean="0"/>
+              <a:t>mà</a:t>
+            </a:r>
+            <a:r>
+              <a:rPr lang="en-US" sz="2800" dirty="0" smtClean="0"/>
+              <a:t> </a:t>
+            </a:r>
+            <a:r>
+              <a:rPr lang="en-US" sz="2800" dirty="0" err="1" smtClean="0"/>
+              <a:t>nằm</a:t>
+            </a:r>
+            <a:r>
+              <a:rPr lang="en-US" sz="2800" dirty="0" smtClean="0"/>
+              <a:t> </a:t>
+            </a:r>
+            <a:r>
+              <a:rPr lang="en-US" sz="2800" dirty="0" err="1"/>
+              <a:t>dưới</a:t>
+            </a:r>
+            <a:r>
+              <a:rPr lang="en-US" sz="2800" dirty="0"/>
+              <a:t> </a:t>
+            </a:r>
+            <a:r>
+              <a:rPr lang="en-US" sz="2800" i="1" dirty="0" smtClean="0"/>
+              <a:t>threshold</a:t>
+            </a:r>
+            <a:r>
+              <a:rPr lang="en-US" sz="2800" dirty="0" smtClean="0"/>
+              <a:t> </a:t>
+            </a:r>
+            <a:r>
+              <a:rPr lang="en-US" sz="2800" dirty="0" err="1"/>
+              <a:t>và</a:t>
+            </a:r>
+            <a:r>
+              <a:rPr lang="en-US" sz="2800" dirty="0"/>
+              <a:t> </a:t>
+            </a:r>
+            <a:r>
+              <a:rPr lang="en-US" sz="2800" i="1" dirty="0" err="1"/>
+              <a:t>dist</a:t>
+            </a:r>
+            <a:r>
+              <a:rPr lang="en-US" sz="2800" dirty="0"/>
+              <a:t> </a:t>
+            </a:r>
+            <a:r>
+              <a:rPr lang="en-US" sz="2800" dirty="0" err="1"/>
+              <a:t>là</a:t>
+            </a:r>
+            <a:r>
+              <a:rPr lang="en-US" sz="2800" dirty="0"/>
+              <a:t> </a:t>
+            </a:r>
+            <a:r>
+              <a:rPr lang="en-US" sz="2800" dirty="0" err="1"/>
+              <a:t>nhỏ</a:t>
+            </a:r>
+            <a:r>
+              <a:rPr lang="en-US" sz="2800" dirty="0"/>
+              <a:t> </a:t>
+            </a:r>
+            <a:r>
+              <a:rPr lang="en-US" sz="2800" dirty="0" err="1"/>
+              <a:t>nhất</a:t>
+            </a:r>
+            <a:r>
+              <a:rPr lang="en-US" sz="2800" dirty="0"/>
+              <a:t> </a:t>
+            </a:r>
+            <a:r>
+              <a:rPr lang="en-US" sz="2800" dirty="0" err="1"/>
+              <a:t>thì</a:t>
+            </a:r>
+            <a:r>
+              <a:rPr lang="en-US" sz="2800" dirty="0"/>
+              <a:t> </a:t>
+            </a:r>
+            <a:r>
+              <a:rPr lang="en-US" sz="2800" dirty="0" err="1"/>
+              <a:t>nhãn</a:t>
+            </a:r>
+            <a:r>
+              <a:rPr lang="en-US" sz="2800" dirty="0"/>
+              <a:t> </a:t>
+            </a:r>
+            <a:r>
+              <a:rPr lang="en-US" sz="2800" dirty="0" err="1"/>
+              <a:t>của</a:t>
+            </a:r>
+            <a:r>
+              <a:rPr lang="en-US" sz="2800" dirty="0"/>
+              <a:t> Y </a:t>
+            </a:r>
+            <a:r>
+              <a:rPr lang="en-US" sz="2800" dirty="0" err="1"/>
+              <a:t>cũng</a:t>
+            </a:r>
+            <a:r>
+              <a:rPr lang="en-US" sz="2800" dirty="0"/>
+              <a:t> </a:t>
+            </a:r>
+            <a:r>
+              <a:rPr lang="en-US" sz="2800" dirty="0" err="1"/>
+              <a:t>chính</a:t>
+            </a:r>
+            <a:r>
+              <a:rPr lang="en-US" sz="2800" dirty="0"/>
+              <a:t> </a:t>
+            </a:r>
+            <a:r>
+              <a:rPr lang="en-US" sz="2800" dirty="0" err="1"/>
+              <a:t>là</a:t>
+            </a:r>
+            <a:r>
+              <a:rPr lang="en-US" sz="2800" dirty="0"/>
+              <a:t> </a:t>
+            </a:r>
+            <a:r>
+              <a:rPr lang="en-US" sz="2800" dirty="0" err="1"/>
+              <a:t>nhãn</a:t>
+            </a:r>
+            <a:r>
+              <a:rPr lang="en-US" sz="2800" dirty="0"/>
+              <a:t> </a:t>
+            </a:r>
+            <a:r>
+              <a:rPr lang="en-US" sz="2800" dirty="0" err="1"/>
+              <a:t>của</a:t>
+            </a:r>
+            <a:r>
+              <a:rPr lang="en-US" sz="2800" dirty="0"/>
+              <a:t> X</a:t>
+            </a:r>
+            <a:r>
+              <a:rPr lang="en-US" sz="2800" dirty="0" smtClean="0"/>
+              <a:t>. </a:t>
+            </a:r>
+            <a:r>
+              <a:rPr lang="en-US" sz="2800" dirty="0" err="1"/>
+              <a:t>M</a:t>
+            </a:r>
+            <a:r>
+              <a:rPr lang="en-US" sz="2800" dirty="0" err="1" smtClean="0"/>
+              <a:t>ặc</a:t>
+            </a:r>
+            <a:r>
+              <a:rPr lang="en-US" sz="2800" dirty="0" smtClean="0"/>
+              <a:t> </a:t>
+            </a:r>
+            <a:r>
+              <a:rPr lang="en-US" sz="2800" dirty="0" err="1"/>
+              <a:t>định</a:t>
+            </a:r>
+            <a:r>
+              <a:rPr lang="en-US" sz="2800" dirty="0"/>
+              <a:t> </a:t>
+            </a:r>
+            <a:r>
+              <a:rPr lang="en-US" sz="2800" dirty="0" err="1" smtClean="0"/>
+              <a:t>là</a:t>
+            </a:r>
+            <a:r>
+              <a:rPr lang="en-US" sz="2800" dirty="0" smtClean="0"/>
+              <a:t> </a:t>
+            </a:r>
+            <a:r>
+              <a:rPr lang="en-US" sz="2800" dirty="0"/>
+              <a:t>-</a:t>
+            </a:r>
+            <a:r>
+              <a:rPr lang="en-US" sz="2800" dirty="0" smtClean="0"/>
+              <a:t>1 </a:t>
+            </a:r>
+            <a:r>
+              <a:rPr lang="en-US" sz="2800" dirty="0" err="1" smtClean="0"/>
+              <a:t>và</a:t>
+            </a:r>
+            <a:r>
+              <a:rPr lang="en-US" sz="2800" dirty="0" smtClean="0"/>
+              <a:t> </a:t>
+            </a:r>
+            <a:r>
+              <a:rPr lang="en-US" sz="2800" dirty="0" err="1" smtClean="0"/>
+              <a:t>nếu</a:t>
+            </a:r>
+            <a:r>
+              <a:rPr lang="en-US" sz="2800" dirty="0" smtClean="0"/>
+              <a:t> </a:t>
+            </a:r>
+            <a:r>
+              <a:rPr lang="en-US" sz="2800" dirty="0" err="1" smtClean="0"/>
+              <a:t>không</a:t>
+            </a:r>
+            <a:r>
+              <a:rPr lang="en-US" sz="2800" dirty="0" smtClean="0"/>
+              <a:t> </a:t>
+            </a:r>
+            <a:r>
+              <a:rPr lang="en-US" sz="2800" dirty="0" err="1" smtClean="0"/>
+              <a:t>đổi</a:t>
+            </a:r>
+            <a:r>
+              <a:rPr lang="en-US" sz="2800" dirty="0" smtClean="0"/>
+              <a:t> </a:t>
+            </a:r>
+            <a:r>
+              <a:rPr lang="en-US" sz="2800" dirty="0" err="1" smtClean="0"/>
+              <a:t>thì</a:t>
+            </a:r>
+            <a:r>
+              <a:rPr lang="en-US" sz="2800" dirty="0" smtClean="0"/>
+              <a:t> X </a:t>
+            </a:r>
+            <a:r>
+              <a:rPr lang="en-US" sz="2800" dirty="0" err="1" smtClean="0"/>
+              <a:t>không</a:t>
+            </a:r>
+            <a:r>
+              <a:rPr lang="en-US" sz="2800" dirty="0" smtClean="0"/>
+              <a:t> </a:t>
+            </a:r>
+            <a:r>
+              <a:rPr lang="en-US" sz="2800" dirty="0" err="1" smtClean="0"/>
+              <a:t>có</a:t>
+            </a:r>
+            <a:r>
+              <a:rPr lang="en-US" sz="2800" dirty="0" smtClean="0"/>
+              <a:t> </a:t>
+            </a:r>
+            <a:r>
+              <a:rPr lang="en-US" sz="2800" dirty="0" err="1" smtClean="0"/>
+              <a:t>trong</a:t>
+            </a:r>
+            <a:r>
+              <a:rPr lang="en-US" sz="2800" dirty="0" smtClean="0"/>
+              <a:t> </a:t>
+            </a:r>
+            <a:r>
+              <a:rPr lang="en-US" sz="2800" dirty="0" err="1" smtClean="0"/>
+              <a:t>bộ</a:t>
+            </a:r>
+            <a:r>
+              <a:rPr lang="en-US" sz="2800" dirty="0" smtClean="0"/>
+              <a:t> </a:t>
+            </a:r>
+            <a:r>
+              <a:rPr lang="en-US" sz="2800" dirty="0" err="1" smtClean="0"/>
+              <a:t>dữ</a:t>
+            </a:r>
+            <a:r>
+              <a:rPr lang="en-US" sz="2800" dirty="0" smtClean="0"/>
+              <a:t> </a:t>
+            </a:r>
+            <a:r>
+              <a:rPr lang="en-US" sz="2800" dirty="0" err="1" smtClean="0"/>
+              <a:t>liệu</a:t>
+            </a:r>
+            <a:r>
+              <a:rPr lang="en-US" sz="2800" dirty="0" smtClean="0"/>
+              <a:t>.</a:t>
+            </a:r>
+            <a:endParaRPr lang="en-US" sz="2800" dirty="0"/>
+          </a:p>
+          <a:p>
+            <a:endParaRPr lang="en-US" sz="2800" dirty="0"/>
+          </a:p>
+          <a:p>
+            <a:r>
+              <a:rPr lang="en-US" sz="2800" dirty="0" smtClean="0"/>
+              <a:t>	</a:t>
+            </a:r>
+            <a:endParaRPr lang="en-US" sz="2800" dirty="0"/>
+          </a:p>
+          <a:p>
+            <a:endParaRPr lang="en-US" sz="2800" dirty="0"/>
+          </a:p>
+          <a:p>
+            <a:endParaRPr lang="en-US" sz="2800" dirty="0" smtClean="0"/>
+          </a:p>
+          <a:p>
+            <a:endParaRPr lang="en-US" sz="2800" dirty="0"/>
+          </a:p>
+          <a:p>
+            <a:endParaRPr lang="en-US" sz="2800" dirty="0" smtClean="0"/>
+          </a:p>
+          <a:p>
+            <a:endParaRPr lang="en-US" sz="2800" dirty="0"/>
+          </a:p>
+          <a:p>
+            <a:endParaRPr lang="en-US" sz="2800" dirty="0" smtClean="0"/>
+          </a:p>
+          <a:p>
+            <a:endParaRPr lang="en-US" sz="2800" dirty="0"/>
+          </a:p>
+          <a:p>
+            <a:endParaRPr lang="en-US" sz="2800" dirty="0" smtClean="0"/>
+          </a:p>
+          <a:p>
+            <a:endParaRPr lang="en-US" sz="2800" dirty="0"/>
+          </a:p>
+          <a:p>
+            <a:endParaRPr lang="en-US" sz="2800" dirty="0" smtClean="0"/>
+          </a:p>
+          <a:p>
+            <a:r>
+              <a:rPr lang="en-US" sz="2800" dirty="0" smtClean="0"/>
+              <a:t>a</a:t>
+            </a:r>
+            <a:endParaRPr lang="en-US" sz="2800" dirty="0"/>
+          </a:p>
+        </p:txBody>
+      </p:sp>
+    </p:spTree>
+    <p:extLst>
+      <p:ext uri="{BB962C8B-B14F-4D97-AF65-F5344CB8AC3E}">
+        <p14:creationId xmlns:p14="http://schemas.microsoft.com/office/powerpoint/2010/main" val="771476547"/>
+      </p:ext>
+    </p:extLst>
+  </p:cSld>
+  <p:clrMapOvr>
+    <a:masterClrMapping/>
+  </p:clrMapOvr>
+</p:sld>
+</file>
+
+<file path=ppt/slides/slide42.xml><?xml version="1.0" encoding="utf-8"?>
+<p:sld xmlns:a="http://schemas.openxmlformats.org/drawingml/2006/main" xmlns:r="http://schemas.openxmlformats.org/officeDocument/2006/relationships" xmlns:p="http://schemas.openxmlformats.org/presentationml/2006/main">
+  <p:cSld>
+    <p:spTree>
+      <p:nvGrpSpPr>
+        <p:cNvPr id="1" name=""/>
+        <p:cNvGrpSpPr/>
+        <p:nvPr/>
+      </p:nvGrpSpPr>
+      <p:grpSpPr>
+        <a:xfrm>
+          <a:off x="0" y="0"/>
+          <a:ext cx="0" cy="0"/>
+          <a:chOff x="0" y="0"/>
+          <a:chExt cx="0" cy="0"/>
+        </a:xfrm>
+      </p:grpSpPr>
+      <p:sp>
+        <p:nvSpPr>
+          <p:cNvPr id="36866" name="Title 1"/>
+          <p:cNvSpPr>
+            <a:spLocks noGrp="1"/>
+          </p:cNvSpPr>
+          <p:nvPr>
+            <p:ph type="title"/>
+          </p:nvPr>
+        </p:nvSpPr>
+        <p:spPr>
+          <a:xfrm>
+            <a:off x="395288" y="115888"/>
+            <a:ext cx="8229600" cy="909637"/>
+          </a:xfrm>
+        </p:spPr>
+        <p:txBody>
+          <a:bodyPr/>
+          <a:lstStyle/>
+          <a:p>
+            <a:pPr algn="l" eaLnBrk="1" hangingPunct="1"/>
+            <a:r>
+              <a:rPr lang="en-US" sz="3200" dirty="0">
+                <a:solidFill>
+                  <a:schemeClr val="bg1"/>
+                </a:solidFill>
+              </a:rPr>
+              <a:t>4. </a:t>
+            </a:r>
+            <a:r>
+              <a:rPr lang="en-US" sz="3200" dirty="0" err="1" smtClean="0">
+                <a:solidFill>
+                  <a:schemeClr val="bg1"/>
+                </a:solidFill>
+              </a:rPr>
+              <a:t>Thực</a:t>
+            </a:r>
+            <a:r>
+              <a:rPr lang="en-US" sz="3200" dirty="0" smtClean="0">
+                <a:solidFill>
+                  <a:schemeClr val="bg1"/>
+                </a:solidFill>
+              </a:rPr>
+              <a:t> </a:t>
+            </a:r>
+            <a:r>
+              <a:rPr lang="en-US" sz="3200" dirty="0" err="1" smtClean="0">
+                <a:solidFill>
+                  <a:schemeClr val="bg1"/>
+                </a:solidFill>
+              </a:rPr>
+              <a:t>Nghiệm</a:t>
+            </a:r>
+            <a:endParaRPr lang="en-US" b="1" dirty="0" smtClean="0"/>
+          </a:p>
+        </p:txBody>
+      </p:sp>
+      <p:sp>
+        <p:nvSpPr>
+          <p:cNvPr id="36867" name="Content Placeholder 2"/>
+          <p:cNvSpPr>
+            <a:spLocks noGrp="1"/>
+          </p:cNvSpPr>
+          <p:nvPr>
+            <p:ph idx="1"/>
+          </p:nvPr>
+        </p:nvSpPr>
+        <p:spPr>
+          <a:xfrm>
+            <a:off x="0" y="981075"/>
+            <a:ext cx="9144000" cy="935038"/>
+          </a:xfrm>
+        </p:spPr>
+        <p:txBody>
+          <a:bodyPr anchor="ctr"/>
+          <a:lstStyle/>
+          <a:p>
+            <a:pPr marL="457200" lvl="1" indent="0">
+              <a:buFontTx/>
+              <a:buNone/>
+            </a:pPr>
+            <a:r>
+              <a:rPr lang="en-US" dirty="0" smtClean="0"/>
+              <a:t>4</a:t>
+            </a:r>
+            <a:r>
+              <a:rPr lang="en-US" dirty="0" smtClean="0"/>
+              <a:t>.1 </a:t>
+            </a:r>
+            <a:r>
+              <a:rPr lang="en-US" dirty="0" err="1" smtClean="0"/>
+              <a:t>Mô</a:t>
+            </a:r>
+            <a:r>
+              <a:rPr lang="en-US" dirty="0" smtClean="0"/>
+              <a:t> </a:t>
+            </a:r>
+            <a:r>
+              <a:rPr lang="en-US" dirty="0" err="1" smtClean="0"/>
+              <a:t>tả</a:t>
+            </a:r>
+            <a:r>
+              <a:rPr lang="en-US" dirty="0" smtClean="0"/>
+              <a:t> </a:t>
+            </a:r>
+            <a:r>
+              <a:rPr lang="en-US" dirty="0" err="1" smtClean="0"/>
+              <a:t>chươn</a:t>
+            </a:r>
+            <a:r>
+              <a:rPr lang="en-US" dirty="0" err="1" smtClean="0"/>
+              <a:t>g</a:t>
+            </a:r>
+            <a:r>
+              <a:rPr lang="en-US" dirty="0" smtClean="0"/>
+              <a:t> </a:t>
+            </a:r>
+            <a:r>
+              <a:rPr lang="en-US" dirty="0" err="1" smtClean="0"/>
+              <a:t>trình</a:t>
+            </a:r>
+            <a:r>
+              <a:rPr lang="en-US" dirty="0" smtClean="0"/>
+              <a:t>(</a:t>
+            </a:r>
+            <a:r>
+              <a:rPr lang="en-US" dirty="0" err="1" smtClean="0"/>
+              <a:t>Xem</a:t>
+            </a:r>
+            <a:r>
+              <a:rPr lang="en-US" dirty="0" smtClean="0"/>
+              <a:t> chi </a:t>
+            </a:r>
+            <a:r>
+              <a:rPr lang="en-US" dirty="0" err="1" smtClean="0"/>
+              <a:t>tiết</a:t>
+            </a:r>
+            <a:r>
+              <a:rPr lang="en-US" dirty="0" smtClean="0"/>
+              <a:t> </a:t>
+            </a:r>
+            <a:r>
+              <a:rPr lang="en-US" dirty="0" err="1" smtClean="0"/>
+              <a:t>trên</a:t>
+            </a:r>
+            <a:r>
+              <a:rPr lang="en-US" dirty="0" smtClean="0"/>
+              <a:t> </a:t>
+            </a:r>
+            <a:r>
+              <a:rPr lang="en-US" dirty="0" err="1" smtClean="0"/>
+              <a:t>báo</a:t>
+            </a:r>
+            <a:r>
+              <a:rPr lang="en-US" dirty="0" smtClean="0"/>
+              <a:t> </a:t>
+            </a:r>
+            <a:r>
+              <a:rPr lang="en-US" dirty="0" err="1" smtClean="0"/>
+              <a:t>cáo</a:t>
+            </a:r>
+            <a:r>
+              <a:rPr lang="en-US" dirty="0"/>
+              <a:t>)</a:t>
+            </a:r>
+            <a:endParaRPr lang="en-US" i="1" dirty="0" smtClean="0"/>
+          </a:p>
+        </p:txBody>
+      </p:sp>
+      <p:sp>
+        <p:nvSpPr>
+          <p:cNvPr id="5" name="Content Placeholder 2"/>
+          <p:cNvSpPr txBox="1">
+            <a:spLocks/>
+          </p:cNvSpPr>
+          <p:nvPr/>
+        </p:nvSpPr>
+        <p:spPr bwMode="auto">
+          <a:xfrm>
+            <a:off x="0" y="1844824"/>
+            <a:ext cx="9144000" cy="2916683"/>
+          </a:xfrm>
+          <a:prstGeom prst="rect">
+            <a:avLst/>
+          </a:prstGeom>
+          <a:noFill/>
+          <a:ln>
+            <a:noFill/>
+          </a:ln>
+          <a:effectLst/>
+          <a:extLst>
+            <a:ext uri="{909E8E84-426E-40DD-AFC4-6F175D3DCCD1}">
+              <a14:hiddenFill xmlns:a14="http://schemas.microsoft.com/office/drawing/2010/main">
+                <a:solidFill>
+                  <a:schemeClr val="accent1"/>
+                </a:solidFill>
+              </a14:hiddenFill>
+            </a:ext>
+            <a:ext uri="{91240B29-F687-4F45-9708-019B960494DF}">
+              <a14:hiddenLine xmlns:a14="http://schemas.microsoft.com/office/drawing/2010/main" w="9525">
+                <a:solidFill>
+                  <a:schemeClr val="tx1"/>
+                </a:solidFill>
+                <a:miter lim="800000"/>
+                <a:headEnd/>
+                <a:tailEnd/>
+              </a14:hiddenLine>
+            </a:ext>
+            <a:ext uri="{AF507438-7753-43E0-B8FC-AC1667EBCBE1}">
+              <a14:hiddenEffects xmlns:a14="http://schemas.microsoft.com/office/drawing/2010/main">
+                <a:effectLst>
+                  <a:outerShdw dist="35921" dir="2700000" algn="ctr" rotWithShape="0">
+                    <a:schemeClr val="bg2"/>
+                  </a:outerShdw>
+                </a:effectLst>
+              </a14:hiddenEffects>
+            </a:ext>
+          </a:extLst>
+        </p:spPr>
+        <p:txBody>
+          <a:bodyPr vert="horz" wrap="square" lIns="91440" tIns="45720" rIns="91440" bIns="45720" numCol="1" anchor="t" anchorCtr="0" compatLnSpc="1">
+            <a:prstTxWarp prst="textNoShape">
+              <a:avLst/>
+            </a:prstTxWarp>
+          </a:bodyPr>
+          <a:lstStyle>
+            <a:lvl1pPr marL="342900" indent="-342900" algn="l" rtl="0" eaLnBrk="0" fontAlgn="base" hangingPunct="0">
+              <a:spcBef>
+                <a:spcPct val="20000"/>
+              </a:spcBef>
+              <a:spcAft>
+                <a:spcPct val="0"/>
+              </a:spcAft>
+              <a:buChar char="•"/>
+              <a:defRPr sz="3200">
+                <a:solidFill>
+                  <a:schemeClr val="tx1"/>
+                </a:solidFill>
+                <a:latin typeface="+mn-lt"/>
+                <a:ea typeface="+mn-ea"/>
+                <a:cs typeface="+mn-cs"/>
+              </a:defRPr>
+            </a:lvl1pPr>
+            <a:lvl2pPr marL="742950" indent="-285750" algn="l" rtl="0" eaLnBrk="0" fontAlgn="base" hangingPunct="0">
+              <a:spcBef>
+                <a:spcPct val="20000"/>
+              </a:spcBef>
+              <a:spcAft>
+                <a:spcPct val="0"/>
+              </a:spcAft>
+              <a:buChar char="–"/>
+              <a:defRPr sz="2800">
+                <a:solidFill>
+                  <a:schemeClr val="tx1"/>
+                </a:solidFill>
+                <a:latin typeface="+mn-lt"/>
+                <a:cs typeface="+mn-cs"/>
+              </a:defRPr>
+            </a:lvl2pPr>
+            <a:lvl3pPr marL="1143000" indent="-228600" algn="l" rtl="0" eaLnBrk="0" fontAlgn="base" hangingPunct="0">
+              <a:spcBef>
+                <a:spcPct val="20000"/>
+              </a:spcBef>
+              <a:spcAft>
+                <a:spcPct val="0"/>
+              </a:spcAft>
+              <a:buChar char="•"/>
+              <a:defRPr sz="2400">
+                <a:solidFill>
+                  <a:schemeClr val="tx1"/>
+                </a:solidFill>
+                <a:latin typeface="+mn-lt"/>
+                <a:cs typeface="+mn-cs"/>
+              </a:defRPr>
+            </a:lvl3pPr>
+            <a:lvl4pPr marL="1600200" indent="-228600" algn="l" rtl="0" eaLnBrk="0" fontAlgn="base" hangingPunct="0">
+              <a:spcBef>
+                <a:spcPct val="20000"/>
+              </a:spcBef>
+              <a:spcAft>
+                <a:spcPct val="0"/>
+              </a:spcAft>
+              <a:buChar char="–"/>
+              <a:defRPr sz="2000">
+                <a:solidFill>
+                  <a:schemeClr val="tx1"/>
+                </a:solidFill>
+                <a:latin typeface="+mn-lt"/>
+                <a:cs typeface="+mn-cs"/>
+              </a:defRPr>
+            </a:lvl4pPr>
+            <a:lvl5pPr marL="2057400" indent="-228600" algn="l" rtl="0" eaLnBrk="0" fontAlgn="base" hangingPunct="0">
+              <a:spcBef>
+                <a:spcPct val="20000"/>
+              </a:spcBef>
+              <a:spcAft>
+                <a:spcPct val="0"/>
+              </a:spcAft>
+              <a:buChar char="»"/>
+              <a:defRPr sz="2000">
+                <a:solidFill>
+                  <a:schemeClr val="tx1"/>
+                </a:solidFill>
+                <a:latin typeface="+mn-lt"/>
+                <a:cs typeface="+mn-cs"/>
+              </a:defRPr>
+            </a:lvl5pPr>
+            <a:lvl6pPr marL="2514600" indent="-228600" algn="l" rtl="0" fontAlgn="base">
+              <a:spcBef>
+                <a:spcPct val="20000"/>
+              </a:spcBef>
+              <a:spcAft>
+                <a:spcPct val="0"/>
+              </a:spcAft>
+              <a:buChar char="»"/>
+              <a:defRPr sz="2000">
+                <a:solidFill>
+                  <a:schemeClr val="tx1"/>
+                </a:solidFill>
+                <a:latin typeface="+mn-lt"/>
+                <a:cs typeface="+mn-cs"/>
+              </a:defRPr>
+            </a:lvl6pPr>
+            <a:lvl7pPr marL="2971800" indent="-228600" algn="l" rtl="0" fontAlgn="base">
+              <a:spcBef>
+                <a:spcPct val="20000"/>
+              </a:spcBef>
+              <a:spcAft>
+                <a:spcPct val="0"/>
+              </a:spcAft>
+              <a:buChar char="»"/>
+              <a:defRPr sz="2000">
+                <a:solidFill>
+                  <a:schemeClr val="tx1"/>
+                </a:solidFill>
+                <a:latin typeface="+mn-lt"/>
+                <a:cs typeface="+mn-cs"/>
+              </a:defRPr>
+            </a:lvl7pPr>
+            <a:lvl8pPr marL="3429000" indent="-228600" algn="l" rtl="0" fontAlgn="base">
+              <a:spcBef>
+                <a:spcPct val="20000"/>
+              </a:spcBef>
+              <a:spcAft>
+                <a:spcPct val="0"/>
+              </a:spcAft>
+              <a:buChar char="»"/>
+              <a:defRPr sz="2000">
+                <a:solidFill>
+                  <a:schemeClr val="tx1"/>
+                </a:solidFill>
+                <a:latin typeface="+mn-lt"/>
+                <a:cs typeface="+mn-cs"/>
+              </a:defRPr>
+            </a:lvl8pPr>
+            <a:lvl9pPr marL="3886200" indent="-228600" algn="l" rtl="0" fontAlgn="base">
+              <a:spcBef>
+                <a:spcPct val="20000"/>
+              </a:spcBef>
+              <a:spcAft>
+                <a:spcPct val="0"/>
+              </a:spcAft>
+              <a:buChar char="»"/>
+              <a:defRPr sz="2000">
+                <a:solidFill>
+                  <a:schemeClr val="tx1"/>
+                </a:solidFill>
+                <a:latin typeface="+mn-lt"/>
+                <a:cs typeface="+mn-cs"/>
+              </a:defRPr>
+            </a:lvl9pPr>
+          </a:lstStyle>
+          <a:p>
+            <a:pPr marL="457200" lvl="1" indent="0">
+              <a:buFontTx/>
+              <a:buNone/>
+            </a:pPr>
+            <a:r>
+              <a:rPr lang="en-US" dirty="0" smtClean="0"/>
+              <a:t>4.2 </a:t>
+            </a:r>
+            <a:r>
+              <a:rPr lang="en-US" dirty="0" err="1" smtClean="0"/>
+              <a:t>Môi</a:t>
+            </a:r>
+            <a:r>
+              <a:rPr lang="en-US" dirty="0" smtClean="0"/>
+              <a:t> </a:t>
+            </a:r>
+            <a:r>
+              <a:rPr lang="en-US" dirty="0" err="1" smtClean="0"/>
+              <a:t>trường</a:t>
+            </a:r>
+            <a:r>
+              <a:rPr lang="en-US" dirty="0" smtClean="0"/>
+              <a:t> </a:t>
+            </a:r>
+            <a:r>
+              <a:rPr lang="en-US" dirty="0" err="1" smtClean="0"/>
+              <a:t>thực</a:t>
+            </a:r>
+            <a:r>
+              <a:rPr lang="en-US" dirty="0" smtClean="0"/>
+              <a:t> </a:t>
+            </a:r>
+            <a:r>
+              <a:rPr lang="en-US" dirty="0" err="1" smtClean="0"/>
+              <a:t>nghiệm</a:t>
+            </a:r>
+            <a:endParaRPr lang="en-US" dirty="0" smtClean="0"/>
+          </a:p>
+          <a:p>
+            <a:pPr lvl="1"/>
+            <a:r>
+              <a:rPr lang="en-US" dirty="0" err="1"/>
+              <a:t>Môi</a:t>
+            </a:r>
+            <a:r>
+              <a:rPr lang="en-US" dirty="0"/>
+              <a:t> </a:t>
+            </a:r>
+            <a:r>
+              <a:rPr lang="en-US" dirty="0" err="1"/>
+              <a:t>trường</a:t>
+            </a:r>
+            <a:r>
+              <a:rPr lang="en-US" dirty="0"/>
+              <a:t> </a:t>
+            </a:r>
+            <a:r>
+              <a:rPr lang="en-US" dirty="0" err="1"/>
+              <a:t>lập</a:t>
+            </a:r>
+            <a:r>
+              <a:rPr lang="en-US" dirty="0"/>
+              <a:t> </a:t>
+            </a:r>
+            <a:r>
+              <a:rPr lang="en-US" dirty="0" err="1"/>
+              <a:t>trình</a:t>
+            </a:r>
+            <a:r>
+              <a:rPr lang="en-US" dirty="0"/>
+              <a:t>: Visual Studio 2010</a:t>
+            </a:r>
+          </a:p>
+          <a:p>
+            <a:pPr lvl="1"/>
+            <a:r>
+              <a:rPr lang="en-US" dirty="0" err="1"/>
+              <a:t>Ngôn</a:t>
+            </a:r>
+            <a:r>
+              <a:rPr lang="en-US" dirty="0"/>
+              <a:t> </a:t>
+            </a:r>
+            <a:r>
+              <a:rPr lang="en-US" dirty="0" err="1"/>
+              <a:t>ngữ</a:t>
+            </a:r>
+            <a:r>
+              <a:rPr lang="en-US" dirty="0"/>
+              <a:t> </a:t>
+            </a:r>
+            <a:r>
+              <a:rPr lang="en-US" dirty="0" err="1"/>
+              <a:t>lập</a:t>
+            </a:r>
+            <a:r>
+              <a:rPr lang="en-US" dirty="0"/>
+              <a:t> </a:t>
+            </a:r>
+            <a:r>
+              <a:rPr lang="en-US" dirty="0" err="1"/>
+              <a:t>trình</a:t>
+            </a:r>
+            <a:r>
+              <a:rPr lang="en-US" dirty="0"/>
+              <a:t>: C++</a:t>
+            </a:r>
+          </a:p>
+          <a:p>
+            <a:pPr lvl="1"/>
+            <a:r>
+              <a:rPr lang="en-US" dirty="0" err="1"/>
+              <a:t>Thư</a:t>
+            </a:r>
+            <a:r>
+              <a:rPr lang="en-US" dirty="0"/>
+              <a:t> </a:t>
+            </a:r>
+            <a:r>
+              <a:rPr lang="en-US" dirty="0" err="1"/>
+              <a:t>viện</a:t>
+            </a:r>
+            <a:r>
+              <a:rPr lang="en-US" dirty="0"/>
+              <a:t> </a:t>
+            </a:r>
+            <a:r>
+              <a:rPr lang="en-US" dirty="0" err="1"/>
+              <a:t>sử</a:t>
+            </a:r>
+            <a:r>
+              <a:rPr lang="en-US" dirty="0"/>
+              <a:t> </a:t>
+            </a:r>
+            <a:r>
+              <a:rPr lang="en-US" dirty="0" err="1"/>
+              <a:t>dụng</a:t>
+            </a:r>
+            <a:r>
+              <a:rPr lang="en-US" dirty="0"/>
+              <a:t>: </a:t>
+            </a:r>
+            <a:r>
+              <a:rPr lang="en-US" dirty="0" err="1"/>
+              <a:t>OpenCV</a:t>
+            </a:r>
+            <a:r>
+              <a:rPr lang="en-US" dirty="0"/>
+              <a:t> 2.4.8</a:t>
+            </a:r>
+          </a:p>
+          <a:p>
+            <a:pPr lvl="1"/>
+            <a:r>
+              <a:rPr lang="en-US" dirty="0" err="1"/>
+              <a:t>Hệ</a:t>
+            </a:r>
+            <a:r>
+              <a:rPr lang="en-US" dirty="0"/>
+              <a:t> </a:t>
+            </a:r>
+            <a:r>
+              <a:rPr lang="en-US" dirty="0" err="1"/>
+              <a:t>điều</a:t>
+            </a:r>
+            <a:r>
+              <a:rPr lang="en-US" dirty="0"/>
+              <a:t> </a:t>
+            </a:r>
+            <a:r>
+              <a:rPr lang="en-US" dirty="0" err="1"/>
+              <a:t>hành</a:t>
+            </a:r>
+            <a:r>
+              <a:rPr lang="en-US" dirty="0"/>
+              <a:t>: Windows 7 Professional 32-bit</a:t>
+            </a:r>
+          </a:p>
+          <a:p>
+            <a:pPr lvl="1"/>
+            <a:r>
+              <a:rPr lang="en-US" dirty="0"/>
+              <a:t>Processor: Intel® Core™ 2 Quad CPU Q8400 @ 2.66 GHz</a:t>
+            </a:r>
+          </a:p>
+          <a:p>
+            <a:pPr marL="457200" lvl="1" indent="0">
+              <a:buFontTx/>
+              <a:buNone/>
+            </a:pPr>
+            <a:endParaRPr lang="en-US" dirty="0" smtClean="0"/>
+          </a:p>
+          <a:p>
+            <a:pPr marL="457200" lvl="1" indent="0">
+              <a:buFontTx/>
+              <a:buNone/>
+            </a:pPr>
+            <a:endParaRPr lang="en-US" i="1" dirty="0" smtClean="0"/>
+          </a:p>
+        </p:txBody>
+      </p:sp>
+    </p:spTree>
+    <p:extLst>
+      <p:ext uri="{BB962C8B-B14F-4D97-AF65-F5344CB8AC3E}">
+        <p14:creationId xmlns:p14="http://schemas.microsoft.com/office/powerpoint/2010/main" val="3559522116"/>
+      </p:ext>
+    </p:extLst>
+  </p:cSld>
+  <p:clrMapOvr>
+    <a:masterClrMapping/>
+  </p:clrMapOvr>
+</p:sld>
+</file>
+
+<file path=ppt/slides/slide43.xml><?xml version="1.0" encoding="utf-8"?>
+<p:sld xmlns:a="http://schemas.openxmlformats.org/drawingml/2006/main" xmlns:r="http://schemas.openxmlformats.org/officeDocument/2006/relationships" xmlns:p="http://schemas.openxmlformats.org/presentationml/2006/main">
+  <p:cSld>
+    <p:spTree>
+      <p:nvGrpSpPr>
+        <p:cNvPr id="1" name=""/>
+        <p:cNvGrpSpPr/>
+        <p:nvPr/>
+      </p:nvGrpSpPr>
+      <p:grpSpPr>
+        <a:xfrm>
+          <a:off x="0" y="0"/>
+          <a:ext cx="0" cy="0"/>
+          <a:chOff x="0" y="0"/>
+          <a:chExt cx="0" cy="0"/>
+        </a:xfrm>
+      </p:grpSpPr>
+      <p:sp>
+        <p:nvSpPr>
+          <p:cNvPr id="36866" name="Title 1"/>
+          <p:cNvSpPr>
+            <a:spLocks noGrp="1"/>
+          </p:cNvSpPr>
+          <p:nvPr>
+            <p:ph type="title"/>
+          </p:nvPr>
+        </p:nvSpPr>
+        <p:spPr>
+          <a:xfrm>
+            <a:off x="395288" y="115888"/>
+            <a:ext cx="8229600" cy="909637"/>
+          </a:xfrm>
+        </p:spPr>
+        <p:txBody>
+          <a:bodyPr/>
+          <a:lstStyle/>
+          <a:p>
+            <a:pPr algn="l" eaLnBrk="1" hangingPunct="1"/>
+            <a:r>
+              <a:rPr lang="en-US" sz="3200" dirty="0">
+                <a:solidFill>
+                  <a:schemeClr val="bg1"/>
+                </a:solidFill>
+              </a:rPr>
+              <a:t>4. </a:t>
+            </a:r>
+            <a:r>
+              <a:rPr lang="en-US" sz="3200" dirty="0" err="1" smtClean="0">
+                <a:solidFill>
+                  <a:schemeClr val="bg1"/>
+                </a:solidFill>
+              </a:rPr>
+              <a:t>Thực</a:t>
+            </a:r>
+            <a:r>
+              <a:rPr lang="en-US" sz="3200" dirty="0" smtClean="0">
+                <a:solidFill>
+                  <a:schemeClr val="bg1"/>
+                </a:solidFill>
+              </a:rPr>
+              <a:t> </a:t>
+            </a:r>
+            <a:r>
+              <a:rPr lang="en-US" sz="3200" dirty="0" err="1" smtClean="0">
+                <a:solidFill>
+                  <a:schemeClr val="bg1"/>
+                </a:solidFill>
+              </a:rPr>
+              <a:t>Nghiệm</a:t>
+            </a:r>
+            <a:endParaRPr lang="en-US" b="1" dirty="0" smtClean="0"/>
+          </a:p>
+        </p:txBody>
+      </p:sp>
+      <p:sp>
+        <p:nvSpPr>
+          <p:cNvPr id="36867" name="Content Placeholder 2"/>
+          <p:cNvSpPr>
+            <a:spLocks noGrp="1"/>
+          </p:cNvSpPr>
+          <p:nvPr>
+            <p:ph idx="1"/>
+          </p:nvPr>
+        </p:nvSpPr>
+        <p:spPr>
+          <a:xfrm>
+            <a:off x="0" y="1124744"/>
+            <a:ext cx="9144000" cy="5184576"/>
+          </a:xfrm>
+        </p:spPr>
+        <p:txBody>
+          <a:bodyPr anchor="t"/>
+          <a:lstStyle/>
+          <a:p>
+            <a:pPr marL="457200" lvl="1" indent="0">
+              <a:buFontTx/>
+              <a:buNone/>
+            </a:pPr>
+            <a:r>
+              <a:rPr lang="en-US" dirty="0" smtClean="0"/>
+              <a:t>4</a:t>
+            </a:r>
+            <a:r>
+              <a:rPr lang="en-US" dirty="0" smtClean="0"/>
+              <a:t>.3 </a:t>
+            </a:r>
+            <a:r>
+              <a:rPr lang="en-US" dirty="0" err="1" smtClean="0"/>
+              <a:t>Dữ</a:t>
+            </a:r>
+            <a:r>
+              <a:rPr lang="en-US" dirty="0" smtClean="0"/>
+              <a:t> </a:t>
+            </a:r>
+            <a:r>
+              <a:rPr lang="en-US" dirty="0" err="1" smtClean="0"/>
+              <a:t>liệu</a:t>
+            </a:r>
+            <a:r>
+              <a:rPr lang="en-US" dirty="0" smtClean="0"/>
+              <a:t> </a:t>
+            </a:r>
+            <a:r>
+              <a:rPr lang="en-US" dirty="0" err="1" smtClean="0"/>
+              <a:t>ảnh</a:t>
+            </a:r>
+            <a:r>
+              <a:rPr lang="en-US" dirty="0" smtClean="0"/>
+              <a:t> </a:t>
+            </a:r>
+            <a:r>
+              <a:rPr lang="en-US" dirty="0" err="1" smtClean="0"/>
+              <a:t>huấn</a:t>
+            </a:r>
+            <a:r>
+              <a:rPr lang="en-US" dirty="0" smtClean="0"/>
+              <a:t> </a:t>
+            </a:r>
+            <a:r>
+              <a:rPr lang="en-US" dirty="0" err="1" smtClean="0"/>
+              <a:t>luyện</a:t>
+            </a:r>
+            <a:r>
+              <a:rPr lang="en-US" dirty="0" smtClean="0"/>
+              <a:t> </a:t>
+            </a:r>
+            <a:r>
+              <a:rPr lang="en-US" dirty="0" err="1" smtClean="0"/>
+              <a:t>và</a:t>
+            </a:r>
+            <a:r>
+              <a:rPr lang="en-US" dirty="0" smtClean="0"/>
+              <a:t> </a:t>
+            </a:r>
+            <a:r>
+              <a:rPr lang="en-US" dirty="0" err="1" smtClean="0"/>
+              <a:t>nhận</a:t>
+            </a:r>
+            <a:r>
+              <a:rPr lang="en-US" dirty="0" smtClean="0"/>
+              <a:t> </a:t>
+            </a:r>
+            <a:r>
+              <a:rPr lang="en-US" dirty="0" err="1" smtClean="0"/>
+              <a:t>dạng</a:t>
+            </a:r>
+            <a:r>
+              <a:rPr lang="en-US" dirty="0" smtClean="0"/>
+              <a:t>:</a:t>
+            </a:r>
+          </a:p>
+          <a:p>
+            <a:pPr lvl="1">
+              <a:buFont typeface="Arial" pitchFamily="34" charset="0"/>
+              <a:buChar char="•"/>
+            </a:pPr>
+            <a:r>
+              <a:rPr lang="en-US" dirty="0" err="1" smtClean="0"/>
+              <a:t>Dữ</a:t>
+            </a:r>
+            <a:r>
+              <a:rPr lang="en-US" dirty="0" smtClean="0"/>
+              <a:t> </a:t>
+            </a:r>
+            <a:r>
+              <a:rPr lang="en-US" dirty="0" err="1" smtClean="0"/>
+              <a:t>liệu</a:t>
+            </a:r>
+            <a:r>
+              <a:rPr lang="en-US" dirty="0" smtClean="0"/>
+              <a:t> </a:t>
+            </a:r>
+            <a:r>
+              <a:rPr lang="en-US" dirty="0" err="1" smtClean="0"/>
+              <a:t>thực</a:t>
+            </a:r>
+            <a:r>
+              <a:rPr lang="en-US" dirty="0" smtClean="0"/>
+              <a:t> </a:t>
+            </a:r>
+            <a:r>
+              <a:rPr lang="en-US" dirty="0" err="1" smtClean="0"/>
+              <a:t>hiện</a:t>
+            </a:r>
+            <a:r>
+              <a:rPr lang="en-US" dirty="0" smtClean="0"/>
+              <a:t> </a:t>
+            </a:r>
+            <a:r>
+              <a:rPr lang="en-US" dirty="0" err="1" smtClean="0"/>
+              <a:t>là</a:t>
+            </a:r>
+            <a:r>
+              <a:rPr lang="en-US" dirty="0" smtClean="0"/>
+              <a:t> </a:t>
+            </a:r>
+            <a:r>
+              <a:rPr lang="en-US" dirty="0" err="1" smtClean="0"/>
+              <a:t>của</a:t>
+            </a:r>
+            <a:r>
+              <a:rPr lang="en-US" dirty="0" smtClean="0"/>
+              <a:t> </a:t>
+            </a:r>
+            <a:r>
+              <a:rPr lang="en-US" dirty="0"/>
+              <a:t>AT&amp;T </a:t>
+            </a:r>
+            <a:r>
+              <a:rPr lang="en-US" dirty="0" smtClean="0"/>
+              <a:t>Laboratories g </a:t>
+            </a:r>
+            <a:r>
+              <a:rPr lang="en-US" dirty="0"/>
+              <a:t>400 </a:t>
+            </a:r>
+            <a:r>
+              <a:rPr lang="en-US" dirty="0" err="1"/>
+              <a:t>ảnh</a:t>
+            </a:r>
+            <a:r>
+              <a:rPr lang="en-US" dirty="0"/>
+              <a:t> chia </a:t>
+            </a:r>
+            <a:r>
+              <a:rPr lang="en-US" dirty="0" err="1"/>
+              <a:t>thành</a:t>
+            </a:r>
+            <a:r>
+              <a:rPr lang="en-US" dirty="0"/>
+              <a:t> 40 </a:t>
+            </a:r>
+            <a:r>
+              <a:rPr lang="en-US" dirty="0" err="1"/>
+              <a:t>tập</a:t>
+            </a:r>
+            <a:r>
+              <a:rPr lang="en-US" dirty="0"/>
+              <a:t>, </a:t>
+            </a:r>
+            <a:r>
+              <a:rPr lang="en-US" dirty="0" err="1"/>
+              <a:t>mỗi</a:t>
+            </a:r>
+            <a:r>
+              <a:rPr lang="en-US" dirty="0"/>
+              <a:t> </a:t>
+            </a:r>
+            <a:r>
+              <a:rPr lang="en-US" dirty="0" err="1"/>
+              <a:t>tập</a:t>
+            </a:r>
+            <a:r>
+              <a:rPr lang="en-US" dirty="0"/>
+              <a:t> </a:t>
+            </a:r>
+            <a:r>
+              <a:rPr lang="en-US" dirty="0" err="1"/>
+              <a:t>có</a:t>
+            </a:r>
+            <a:r>
+              <a:rPr lang="en-US" dirty="0"/>
+              <a:t> 10 </a:t>
+            </a:r>
+            <a:r>
+              <a:rPr lang="en-US" dirty="0" err="1" smtClean="0"/>
+              <a:t>ảnh</a:t>
+            </a:r>
+            <a:endParaRPr lang="en-US" dirty="0" smtClean="0"/>
+          </a:p>
+          <a:p>
+            <a:pPr lvl="1">
+              <a:buFont typeface="Arial" pitchFamily="34" charset="0"/>
+              <a:buChar char="•"/>
+            </a:pPr>
+            <a:r>
+              <a:rPr lang="en-US" dirty="0" err="1" smtClean="0"/>
+              <a:t>Thực</a:t>
+            </a:r>
+            <a:r>
+              <a:rPr lang="en-US" dirty="0" smtClean="0"/>
+              <a:t> </a:t>
+            </a:r>
+            <a:r>
+              <a:rPr lang="en-US" dirty="0" err="1"/>
+              <a:t>nghiệm</a:t>
+            </a:r>
+            <a:r>
+              <a:rPr lang="en-US" dirty="0"/>
+              <a:t> </a:t>
+            </a:r>
+            <a:r>
+              <a:rPr lang="en-US" dirty="0" err="1"/>
+              <a:t>được</a:t>
+            </a:r>
+            <a:r>
+              <a:rPr lang="en-US" dirty="0"/>
+              <a:t> chia </a:t>
+            </a:r>
+            <a:r>
+              <a:rPr lang="en-US" dirty="0" err="1"/>
+              <a:t>thành</a:t>
+            </a:r>
+            <a:r>
+              <a:rPr lang="en-US" dirty="0"/>
+              <a:t> 2 </a:t>
+            </a:r>
+            <a:r>
+              <a:rPr lang="en-US" dirty="0" err="1"/>
+              <a:t>phần</a:t>
+            </a:r>
+            <a:r>
+              <a:rPr lang="en-US" dirty="0"/>
+              <a:t> </a:t>
+            </a:r>
+            <a:r>
+              <a:rPr lang="en-US" dirty="0" err="1"/>
+              <a:t>là</a:t>
+            </a:r>
+            <a:r>
+              <a:rPr lang="en-US" dirty="0"/>
+              <a:t> </a:t>
+            </a:r>
+            <a:r>
+              <a:rPr lang="en-US" dirty="0" err="1"/>
+              <a:t>thực</a:t>
+            </a:r>
+            <a:r>
+              <a:rPr lang="en-US" dirty="0"/>
+              <a:t> </a:t>
+            </a:r>
+            <a:r>
+              <a:rPr lang="en-US" dirty="0" err="1"/>
+              <a:t>nghiệm</a:t>
+            </a:r>
+            <a:r>
+              <a:rPr lang="en-US" dirty="0"/>
+              <a:t> 1 (TN1) </a:t>
+            </a:r>
+            <a:r>
+              <a:rPr lang="en-US" dirty="0" err="1"/>
+              <a:t>và</a:t>
+            </a:r>
+            <a:r>
+              <a:rPr lang="en-US" dirty="0"/>
+              <a:t> </a:t>
+            </a:r>
+            <a:r>
+              <a:rPr lang="en-US" dirty="0" err="1"/>
+              <a:t>thực</a:t>
+            </a:r>
+            <a:r>
+              <a:rPr lang="en-US" dirty="0"/>
+              <a:t> </a:t>
+            </a:r>
+            <a:r>
+              <a:rPr lang="en-US" dirty="0" err="1"/>
+              <a:t>nghiệm</a:t>
+            </a:r>
+            <a:r>
+              <a:rPr lang="en-US" dirty="0"/>
+              <a:t> 2 (TN2). </a:t>
+            </a:r>
+            <a:r>
+              <a:rPr lang="en-US" dirty="0" err="1"/>
+              <a:t>Mỗi</a:t>
+            </a:r>
+            <a:r>
+              <a:rPr lang="en-US" dirty="0"/>
+              <a:t> </a:t>
+            </a:r>
+            <a:r>
+              <a:rPr lang="en-US" dirty="0" err="1"/>
+              <a:t>phần</a:t>
+            </a:r>
+            <a:r>
+              <a:rPr lang="en-US" dirty="0"/>
+              <a:t> </a:t>
+            </a:r>
+            <a:r>
+              <a:rPr lang="en-US" dirty="0" err="1"/>
+              <a:t>thực</a:t>
+            </a:r>
+            <a:r>
+              <a:rPr lang="en-US" dirty="0"/>
+              <a:t> </a:t>
+            </a:r>
+            <a:r>
+              <a:rPr lang="en-US" dirty="0" err="1"/>
+              <a:t>nghiệm</a:t>
+            </a:r>
+            <a:r>
+              <a:rPr lang="en-US" dirty="0"/>
+              <a:t> </a:t>
+            </a:r>
+            <a:r>
+              <a:rPr lang="en-US" dirty="0" err="1"/>
+              <a:t>bao</a:t>
+            </a:r>
+            <a:r>
+              <a:rPr lang="en-US" dirty="0"/>
+              <a:t> </a:t>
+            </a:r>
+            <a:r>
+              <a:rPr lang="en-US" dirty="0" err="1"/>
+              <a:t>gồm</a:t>
+            </a:r>
+            <a:r>
+              <a:rPr lang="en-US" dirty="0"/>
+              <a:t> 10 </a:t>
+            </a:r>
+            <a:r>
+              <a:rPr lang="en-US" dirty="0" err="1"/>
+              <a:t>tập</a:t>
+            </a:r>
+            <a:r>
+              <a:rPr lang="en-US" dirty="0"/>
+              <a:t> tin </a:t>
+            </a:r>
+            <a:r>
+              <a:rPr lang="en-US" dirty="0" err="1"/>
+              <a:t>để</a:t>
+            </a:r>
+            <a:r>
+              <a:rPr lang="en-US" dirty="0"/>
+              <a:t> </a:t>
+            </a:r>
+            <a:r>
+              <a:rPr lang="en-US" dirty="0" err="1"/>
+              <a:t>huấn</a:t>
+            </a:r>
+            <a:r>
+              <a:rPr lang="en-US" dirty="0"/>
+              <a:t> </a:t>
+            </a:r>
+            <a:r>
+              <a:rPr lang="en-US" dirty="0" err="1"/>
+              <a:t>luyện</a:t>
+            </a:r>
+            <a:r>
+              <a:rPr lang="en-US" dirty="0"/>
+              <a:t> </a:t>
+            </a:r>
+            <a:r>
+              <a:rPr lang="en-US" dirty="0" err="1"/>
+              <a:t>và</a:t>
+            </a:r>
+            <a:r>
+              <a:rPr lang="en-US" dirty="0"/>
+              <a:t> 10 </a:t>
+            </a:r>
+            <a:r>
+              <a:rPr lang="en-US" dirty="0" err="1"/>
+              <a:t>tập</a:t>
+            </a:r>
+            <a:r>
+              <a:rPr lang="en-US" dirty="0"/>
+              <a:t> tin </a:t>
+            </a:r>
+            <a:r>
+              <a:rPr lang="en-US" dirty="0" err="1"/>
+              <a:t>để</a:t>
+            </a:r>
+            <a:r>
+              <a:rPr lang="en-US" dirty="0"/>
+              <a:t> </a:t>
+            </a:r>
+            <a:r>
+              <a:rPr lang="en-US" dirty="0" err="1"/>
+              <a:t>kiểm</a:t>
+            </a:r>
+            <a:r>
+              <a:rPr lang="en-US" dirty="0"/>
+              <a:t> </a:t>
+            </a:r>
+            <a:r>
+              <a:rPr lang="en-US" dirty="0" err="1"/>
+              <a:t>tra</a:t>
+            </a:r>
+            <a:r>
+              <a:rPr lang="en-US" dirty="0" smtClean="0"/>
+              <a:t>.</a:t>
+            </a:r>
+          </a:p>
+          <a:p>
+            <a:pPr lvl="1">
+              <a:buFont typeface="Arial" pitchFamily="34" charset="0"/>
+              <a:buChar char="•"/>
+            </a:pPr>
+            <a:r>
+              <a:rPr lang="en-US" dirty="0" smtClean="0"/>
+              <a:t>TN1: </a:t>
+            </a:r>
+            <a:r>
+              <a:rPr lang="en-US" dirty="0" err="1"/>
+              <a:t>chứa</a:t>
+            </a:r>
+            <a:r>
+              <a:rPr lang="en-US" dirty="0"/>
+              <a:t> 200 </a:t>
+            </a:r>
+            <a:r>
+              <a:rPr lang="en-US" dirty="0" err="1"/>
+              <a:t>ảnh</a:t>
+            </a:r>
+            <a:r>
+              <a:rPr lang="en-US" dirty="0"/>
+              <a:t> (50% </a:t>
+            </a:r>
+            <a:r>
+              <a:rPr lang="en-US" dirty="0" err="1"/>
+              <a:t>tổng</a:t>
+            </a:r>
+            <a:r>
+              <a:rPr lang="en-US" dirty="0"/>
+              <a:t> </a:t>
+            </a:r>
+            <a:r>
+              <a:rPr lang="en-US" dirty="0" err="1"/>
+              <a:t>số</a:t>
+            </a:r>
+            <a:r>
+              <a:rPr lang="en-US" dirty="0"/>
+              <a:t> </a:t>
+            </a:r>
+            <a:r>
+              <a:rPr lang="en-US" dirty="0" err="1"/>
+              <a:t>ảnh</a:t>
+            </a:r>
+            <a:r>
+              <a:rPr lang="en-US" dirty="0"/>
+              <a:t>).</a:t>
+            </a:r>
+          </a:p>
+          <a:p>
+            <a:pPr lvl="1">
+              <a:buFont typeface="Arial" pitchFamily="34" charset="0"/>
+              <a:buChar char="•"/>
+            </a:pPr>
+            <a:r>
+              <a:rPr lang="en-US" dirty="0" smtClean="0"/>
+              <a:t>TN2: Train1 chứa10%, </a:t>
+            </a:r>
+            <a:r>
+              <a:rPr lang="en-US" dirty="0"/>
+              <a:t>Test1 </a:t>
+            </a:r>
+            <a:r>
+              <a:rPr lang="en-US" dirty="0" err="1"/>
+              <a:t>chứa</a:t>
+            </a:r>
+            <a:r>
+              <a:rPr lang="en-US" dirty="0"/>
+              <a:t> 90</a:t>
+            </a:r>
+            <a:r>
+              <a:rPr lang="en-US" dirty="0" smtClean="0"/>
+              <a:t>%. </a:t>
+            </a:r>
+            <a:r>
+              <a:rPr lang="en-US" dirty="0" err="1"/>
+              <a:t>Các</a:t>
+            </a:r>
+            <a:r>
+              <a:rPr lang="en-US" dirty="0"/>
+              <a:t> </a:t>
+            </a:r>
+            <a:r>
+              <a:rPr lang="en-US" dirty="0" err="1"/>
+              <a:t>bộ</a:t>
+            </a:r>
+            <a:r>
+              <a:rPr lang="en-US" dirty="0"/>
+              <a:t> train </a:t>
+            </a:r>
+            <a:r>
+              <a:rPr lang="en-US" dirty="0" err="1"/>
+              <a:t>kế</a:t>
+            </a:r>
+            <a:r>
+              <a:rPr lang="en-US" dirty="0"/>
+              <a:t> </a:t>
+            </a:r>
+            <a:r>
+              <a:rPr lang="en-US" dirty="0" err="1"/>
+              <a:t>tiếp</a:t>
+            </a:r>
+            <a:r>
+              <a:rPr lang="en-US" dirty="0"/>
+              <a:t> </a:t>
+            </a:r>
+            <a:r>
+              <a:rPr lang="en-US" dirty="0" err="1"/>
+              <a:t>sẽ</a:t>
+            </a:r>
+            <a:r>
+              <a:rPr lang="en-US" dirty="0"/>
+              <a:t> </a:t>
+            </a:r>
+            <a:r>
+              <a:rPr lang="en-US" dirty="0" err="1"/>
+              <a:t>tăng</a:t>
+            </a:r>
+            <a:r>
+              <a:rPr lang="en-US" dirty="0"/>
+              <a:t> 5</a:t>
+            </a:r>
+            <a:r>
+              <a:rPr lang="en-US" dirty="0" smtClean="0"/>
+              <a:t>%, </a:t>
+            </a:r>
+            <a:r>
+              <a:rPr lang="en-US" dirty="0"/>
+              <a:t>test </a:t>
+            </a:r>
+            <a:r>
+              <a:rPr lang="en-US" dirty="0" err="1"/>
+              <a:t>sẽ</a:t>
+            </a:r>
+            <a:r>
+              <a:rPr lang="en-US" dirty="0"/>
+              <a:t> </a:t>
+            </a:r>
+            <a:r>
+              <a:rPr lang="en-US" dirty="0" err="1"/>
+              <a:t>giảm</a:t>
+            </a:r>
+            <a:r>
+              <a:rPr lang="en-US" dirty="0"/>
+              <a:t> </a:t>
+            </a:r>
+            <a:r>
+              <a:rPr lang="en-US" dirty="0" smtClean="0"/>
+              <a:t>5%. </a:t>
+            </a:r>
+            <a:r>
+              <a:rPr lang="en-US" dirty="0" err="1"/>
+              <a:t>Vì</a:t>
+            </a:r>
+            <a:r>
+              <a:rPr lang="en-US" dirty="0"/>
+              <a:t> </a:t>
+            </a:r>
+            <a:r>
+              <a:rPr lang="en-US" dirty="0" err="1"/>
+              <a:t>vậy</a:t>
+            </a:r>
+            <a:r>
+              <a:rPr lang="en-US" dirty="0"/>
+              <a:t> Train10 </a:t>
+            </a:r>
+            <a:r>
+              <a:rPr lang="en-US" dirty="0" err="1"/>
+              <a:t>sẽ</a:t>
+            </a:r>
+            <a:r>
+              <a:rPr lang="en-US" dirty="0"/>
+              <a:t> </a:t>
+            </a:r>
+            <a:r>
+              <a:rPr lang="en-US" dirty="0" err="1"/>
+              <a:t>chứa</a:t>
+            </a:r>
+            <a:r>
+              <a:rPr lang="en-US" dirty="0"/>
+              <a:t> </a:t>
+            </a:r>
+            <a:r>
+              <a:rPr lang="en-US" dirty="0" smtClean="0"/>
+              <a:t>55%, Test10.</a:t>
+            </a:r>
+            <a:endParaRPr lang="en-US" dirty="0"/>
+          </a:p>
+          <a:p>
+            <a:pPr lvl="1">
+              <a:buFont typeface="Arial" pitchFamily="34" charset="0"/>
+              <a:buChar char="•"/>
+            </a:pPr>
+            <a:endParaRPr lang="en-US" dirty="0"/>
+          </a:p>
+          <a:p>
+            <a:pPr lvl="1">
+              <a:buFont typeface="Arial" pitchFamily="34" charset="0"/>
+              <a:buChar char="•"/>
+            </a:pPr>
+            <a:endParaRPr lang="en-US" dirty="0" smtClean="0"/>
+          </a:p>
+        </p:txBody>
+      </p:sp>
+    </p:spTree>
+    <p:extLst>
+      <p:ext uri="{BB962C8B-B14F-4D97-AF65-F5344CB8AC3E}">
+        <p14:creationId xmlns:p14="http://schemas.microsoft.com/office/powerpoint/2010/main" val="3053593573"/>
+      </p:ext>
+    </p:extLst>
+  </p:cSld>
+  <p:clrMapOvr>
+    <a:masterClrMapping/>
+  </p:clrMapOvr>
+</p:sld>
+</file>
+
+<file path=ppt/slides/slide44.xml><?xml version="1.0" encoding="utf-8"?>
+<p:sld xmlns:a="http://schemas.openxmlformats.org/drawingml/2006/main" xmlns:r="http://schemas.openxmlformats.org/officeDocument/2006/relationships" xmlns:p="http://schemas.openxmlformats.org/presentationml/2006/main">
+  <p:cSld>
+    <p:spTree>
+      <p:nvGrpSpPr>
+        <p:cNvPr id="1" name=""/>
+        <p:cNvGrpSpPr/>
+        <p:nvPr/>
+      </p:nvGrpSpPr>
+      <p:grpSpPr>
+        <a:xfrm>
+          <a:off x="0" y="0"/>
+          <a:ext cx="0" cy="0"/>
+          <a:chOff x="0" y="0"/>
+          <a:chExt cx="0" cy="0"/>
+        </a:xfrm>
+      </p:grpSpPr>
+      <p:sp>
+        <p:nvSpPr>
+          <p:cNvPr id="36866" name="Title 1"/>
+          <p:cNvSpPr>
+            <a:spLocks noGrp="1"/>
+          </p:cNvSpPr>
+          <p:nvPr>
+            <p:ph type="title"/>
+          </p:nvPr>
+        </p:nvSpPr>
+        <p:spPr>
+          <a:xfrm>
+            <a:off x="395288" y="115888"/>
+            <a:ext cx="8229600" cy="909637"/>
+          </a:xfrm>
+        </p:spPr>
+        <p:txBody>
+          <a:bodyPr/>
+          <a:lstStyle/>
+          <a:p>
+            <a:pPr algn="l" eaLnBrk="1" hangingPunct="1"/>
+            <a:r>
+              <a:rPr lang="en-US" sz="3200" dirty="0">
+                <a:solidFill>
+                  <a:schemeClr val="bg1"/>
+                </a:solidFill>
+              </a:rPr>
+              <a:t>4. </a:t>
+            </a:r>
+            <a:r>
+              <a:rPr lang="en-US" sz="3200" dirty="0" err="1" smtClean="0">
+                <a:solidFill>
+                  <a:schemeClr val="bg1"/>
+                </a:solidFill>
+              </a:rPr>
+              <a:t>Thực</a:t>
+            </a:r>
+            <a:r>
+              <a:rPr lang="en-US" sz="3200" dirty="0" smtClean="0">
+                <a:solidFill>
+                  <a:schemeClr val="bg1"/>
+                </a:solidFill>
+              </a:rPr>
+              <a:t> </a:t>
+            </a:r>
+            <a:r>
+              <a:rPr lang="en-US" sz="3200" dirty="0" err="1" smtClean="0">
+                <a:solidFill>
+                  <a:schemeClr val="bg1"/>
+                </a:solidFill>
+              </a:rPr>
+              <a:t>Nghiệm</a:t>
+            </a:r>
+            <a:endParaRPr lang="en-US" b="1" dirty="0" smtClean="0"/>
+          </a:p>
+        </p:txBody>
+      </p:sp>
+      <p:sp>
+        <p:nvSpPr>
+          <p:cNvPr id="36867" name="Content Placeholder 2"/>
+          <p:cNvSpPr>
+            <a:spLocks noGrp="1"/>
+          </p:cNvSpPr>
+          <p:nvPr>
+            <p:ph idx="1"/>
+          </p:nvPr>
+        </p:nvSpPr>
+        <p:spPr>
+          <a:xfrm>
+            <a:off x="0" y="1124744"/>
+            <a:ext cx="9144000" cy="5184576"/>
+          </a:xfrm>
+        </p:spPr>
+        <p:txBody>
+          <a:bodyPr anchor="t"/>
+          <a:lstStyle/>
+          <a:p>
+            <a:pPr marL="457200" lvl="1" indent="0">
+              <a:buFontTx/>
+              <a:buNone/>
+            </a:pPr>
+            <a:r>
+              <a:rPr lang="en-US" dirty="0" smtClean="0"/>
+              <a:t>4</a:t>
+            </a:r>
+            <a:r>
+              <a:rPr lang="en-US" dirty="0"/>
+              <a:t>. 4 </a:t>
+            </a:r>
+            <a:r>
+              <a:rPr lang="en-US" dirty="0" err="1" smtClean="0"/>
+              <a:t>Kết</a:t>
+            </a:r>
+            <a:r>
+              <a:rPr lang="en-US" dirty="0" smtClean="0"/>
+              <a:t> </a:t>
+            </a:r>
+            <a:r>
+              <a:rPr lang="en-US" dirty="0" err="1" smtClean="0"/>
+              <a:t>quả</a:t>
+            </a:r>
+            <a:r>
+              <a:rPr lang="en-US" dirty="0" smtClean="0"/>
+              <a:t> </a:t>
+            </a:r>
+            <a:r>
+              <a:rPr lang="en-US" dirty="0" err="1" smtClean="0"/>
+              <a:t>thực</a:t>
+            </a:r>
+            <a:r>
+              <a:rPr lang="en-US" dirty="0" smtClean="0"/>
+              <a:t> </a:t>
+            </a:r>
+            <a:r>
+              <a:rPr lang="en-US" dirty="0" err="1" smtClean="0"/>
+              <a:t>nghiệm</a:t>
+            </a:r>
+            <a:r>
+              <a:rPr lang="en-US" dirty="0" smtClean="0"/>
+              <a:t>:</a:t>
+            </a:r>
+          </a:p>
+          <a:p>
+            <a:pPr lvl="1">
+              <a:buFont typeface="Arial" pitchFamily="34" charset="0"/>
+              <a:buChar char="•"/>
+            </a:pPr>
+            <a:r>
+              <a:rPr lang="en-US" dirty="0" err="1"/>
+              <a:t>Với</a:t>
+            </a:r>
+            <a:r>
+              <a:rPr lang="en-US" dirty="0"/>
+              <a:t> </a:t>
+            </a:r>
+            <a:r>
+              <a:rPr lang="en-US" dirty="0" err="1"/>
+              <a:t>thông</a:t>
+            </a:r>
+            <a:r>
+              <a:rPr lang="en-US" dirty="0"/>
+              <a:t> </a:t>
+            </a:r>
+            <a:r>
+              <a:rPr lang="en-US" dirty="0" err="1"/>
+              <a:t>số</a:t>
+            </a:r>
+            <a:r>
+              <a:rPr lang="en-US" dirty="0"/>
+              <a:t> threshold = </a:t>
+            </a:r>
+            <a:r>
+              <a:rPr lang="en-US" dirty="0" smtClean="0"/>
+              <a:t>40</a:t>
+            </a:r>
+          </a:p>
+          <a:p>
+            <a:pPr marL="457200" lvl="1" indent="0">
+              <a:buNone/>
+            </a:pPr>
+            <a:endParaRPr lang="en-US" dirty="0"/>
+          </a:p>
+          <a:p>
+            <a:pPr marL="457200" lvl="1" indent="0">
+              <a:buNone/>
+            </a:pPr>
+            <a:endParaRPr lang="en-US" dirty="0" smtClean="0"/>
+          </a:p>
+          <a:p>
+            <a:pPr lvl="1">
+              <a:buFont typeface="Arial" pitchFamily="34" charset="0"/>
+              <a:buChar char="•"/>
+            </a:pPr>
+            <a:endParaRPr lang="en-US" dirty="0"/>
+          </a:p>
+          <a:p>
+            <a:pPr lvl="1">
+              <a:buFont typeface="Arial" pitchFamily="34" charset="0"/>
+              <a:buChar char="•"/>
+            </a:pPr>
+            <a:endParaRPr lang="en-US" dirty="0" smtClean="0"/>
+          </a:p>
+        </p:txBody>
+      </p:sp>
+      <p:pic>
+        <p:nvPicPr>
+          <p:cNvPr id="1026" name="Picture 2"/>
+          <p:cNvPicPr>
+            <a:picLocks noChangeAspect="1" noChangeArrowheads="1"/>
+          </p:cNvPicPr>
+          <p:nvPr/>
+        </p:nvPicPr>
+        <p:blipFill>
+          <a:blip r:embed="rId2">
+            <a:extLst>
+              <a:ext uri="{28A0092B-C50C-407E-A947-70E740481C1C}">
+                <a14:useLocalDpi xmlns:a14="http://schemas.microsoft.com/office/drawing/2010/main" val="0"/>
+              </a:ext>
+            </a:extLst>
+          </a:blip>
+          <a:srcRect/>
+          <a:stretch>
+            <a:fillRect/>
+          </a:stretch>
+        </p:blipFill>
+        <p:spPr bwMode="auto">
+          <a:xfrm>
+            <a:off x="899592" y="2276872"/>
+            <a:ext cx="6912768" cy="3960440"/>
+          </a:xfrm>
+          <a:prstGeom prst="rect">
+            <a:avLst/>
+          </a:prstGeom>
+          <a:noFill/>
+          <a:ln>
+            <a:noFill/>
+          </a:ln>
+          <a:effectLst/>
+          <a:extLst>
+            <a:ext uri="{909E8E84-426E-40DD-AFC4-6F175D3DCCD1}">
+              <a14:hiddenFill xmlns:a14="http://schemas.microsoft.com/office/drawing/2010/main">
+                <a:solidFill>
+                  <a:schemeClr val="accent1"/>
+                </a:solidFill>
+              </a14:hiddenFill>
+            </a:ext>
+            <a:ext uri="{91240B29-F687-4F45-9708-019B960494DF}">
+              <a14:hiddenLine xmlns:a14="http://schemas.microsoft.com/office/drawing/2010/main" w="9525">
+                <a:solidFill>
+                  <a:schemeClr val="tx1"/>
+                </a:solidFill>
+                <a:miter lim="800000"/>
+                <a:headEnd/>
+                <a:tailEnd/>
+              </a14:hiddenLine>
+            </a:ext>
+            <a:ext uri="{AF507438-7753-43E0-B8FC-AC1667EBCBE1}">
+              <a14:hiddenEffects xmlns:a14="http://schemas.microsoft.com/office/drawing/2010/main">
+                <a:effectLst>
+                  <a:outerShdw dist="35921" dir="2700000" algn="ctr" rotWithShape="0">
+                    <a:schemeClr val="bg2"/>
+                  </a:outerShdw>
+                </a:effectLst>
+              </a14:hiddenEffects>
+            </a:ext>
+          </a:extLst>
+        </p:spPr>
+      </p:pic>
+    </p:spTree>
+    <p:extLst>
+      <p:ext uri="{BB962C8B-B14F-4D97-AF65-F5344CB8AC3E}">
+        <p14:creationId xmlns:p14="http://schemas.microsoft.com/office/powerpoint/2010/main" val="3574283546"/>
+      </p:ext>
+    </p:extLst>
+  </p:cSld>
+  <p:clrMapOvr>
+    <a:masterClrMapping/>
+  </p:clrMapOvr>
+</p:sld>
+</file>
+
+<file path=ppt/slides/slide45.xml><?xml version="1.0" encoding="utf-8"?>
+<p:sld xmlns:a="http://schemas.openxmlformats.org/drawingml/2006/main" xmlns:r="http://schemas.openxmlformats.org/officeDocument/2006/relationships" xmlns:p="http://schemas.openxmlformats.org/presentationml/2006/main">
+  <p:cSld>
+    <p:spTree>
+      <p:nvGrpSpPr>
+        <p:cNvPr id="1" name=""/>
+        <p:cNvGrpSpPr/>
+        <p:nvPr/>
+      </p:nvGrpSpPr>
+      <p:grpSpPr>
+        <a:xfrm>
+          <a:off x="0" y="0"/>
+          <a:ext cx="0" cy="0"/>
+          <a:chOff x="0" y="0"/>
+          <a:chExt cx="0" cy="0"/>
+        </a:xfrm>
+      </p:grpSpPr>
+      <p:sp>
+        <p:nvSpPr>
+          <p:cNvPr id="36866" name="Title 1"/>
+          <p:cNvSpPr>
+            <a:spLocks noGrp="1"/>
+          </p:cNvSpPr>
+          <p:nvPr>
+            <p:ph type="title"/>
+          </p:nvPr>
+        </p:nvSpPr>
+        <p:spPr>
+          <a:xfrm>
+            <a:off x="395288" y="115888"/>
+            <a:ext cx="8229600" cy="909637"/>
+          </a:xfrm>
+        </p:spPr>
+        <p:txBody>
+          <a:bodyPr/>
+          <a:lstStyle/>
+          <a:p>
+            <a:pPr algn="l" eaLnBrk="1" hangingPunct="1"/>
+            <a:r>
+              <a:rPr lang="en-US" sz="3200" dirty="0">
+                <a:solidFill>
+                  <a:schemeClr val="bg1"/>
+                </a:solidFill>
+              </a:rPr>
+              <a:t>4. </a:t>
+            </a:r>
+            <a:r>
+              <a:rPr lang="en-US" sz="3200" dirty="0" err="1" smtClean="0">
+                <a:solidFill>
+                  <a:schemeClr val="bg1"/>
+                </a:solidFill>
+              </a:rPr>
+              <a:t>Thực</a:t>
+            </a:r>
+            <a:r>
+              <a:rPr lang="en-US" sz="3200" dirty="0" smtClean="0">
+                <a:solidFill>
+                  <a:schemeClr val="bg1"/>
+                </a:solidFill>
+              </a:rPr>
+              <a:t> </a:t>
+            </a:r>
+            <a:r>
+              <a:rPr lang="en-US" sz="3200" dirty="0" err="1" smtClean="0">
+                <a:solidFill>
+                  <a:schemeClr val="bg1"/>
+                </a:solidFill>
+              </a:rPr>
+              <a:t>Nghiệm</a:t>
+            </a:r>
+            <a:endParaRPr lang="en-US" b="1" dirty="0" smtClean="0"/>
+          </a:p>
+        </p:txBody>
+      </p:sp>
+      <p:sp>
+        <p:nvSpPr>
+          <p:cNvPr id="36867" name="Content Placeholder 2"/>
+          <p:cNvSpPr>
+            <a:spLocks noGrp="1"/>
+          </p:cNvSpPr>
+          <p:nvPr>
+            <p:ph idx="1"/>
+          </p:nvPr>
+        </p:nvSpPr>
+        <p:spPr>
+          <a:xfrm>
+            <a:off x="0" y="1124744"/>
+            <a:ext cx="9144000" cy="5184576"/>
+          </a:xfrm>
+        </p:spPr>
+        <p:txBody>
+          <a:bodyPr anchor="t"/>
+          <a:lstStyle/>
+          <a:p>
+            <a:pPr marL="457200" lvl="1" indent="0">
+              <a:buFontTx/>
+              <a:buNone/>
+            </a:pPr>
+            <a:r>
+              <a:rPr lang="en-US" dirty="0" smtClean="0"/>
+              <a:t>4</a:t>
+            </a:r>
+            <a:r>
+              <a:rPr lang="en-US" dirty="0"/>
+              <a:t>. 4 </a:t>
+            </a:r>
+            <a:r>
+              <a:rPr lang="en-US" dirty="0" err="1" smtClean="0"/>
+              <a:t>Kết</a:t>
+            </a:r>
+            <a:r>
+              <a:rPr lang="en-US" dirty="0" smtClean="0"/>
+              <a:t> </a:t>
+            </a:r>
+            <a:r>
+              <a:rPr lang="en-US" dirty="0" err="1" smtClean="0"/>
+              <a:t>quả</a:t>
+            </a:r>
+            <a:r>
+              <a:rPr lang="en-US" dirty="0" smtClean="0"/>
+              <a:t> </a:t>
+            </a:r>
+            <a:r>
+              <a:rPr lang="en-US" dirty="0" err="1" smtClean="0"/>
+              <a:t>thực</a:t>
+            </a:r>
+            <a:r>
+              <a:rPr lang="en-US" dirty="0" smtClean="0"/>
+              <a:t> </a:t>
+            </a:r>
+            <a:r>
+              <a:rPr lang="en-US" dirty="0" err="1" smtClean="0"/>
+              <a:t>nghiệm</a:t>
+            </a:r>
+            <a:r>
+              <a:rPr lang="en-US" dirty="0" smtClean="0"/>
+              <a:t>(</a:t>
+            </a:r>
+            <a:r>
+              <a:rPr lang="en-US" dirty="0" err="1" smtClean="0"/>
+              <a:t>tt</a:t>
+            </a:r>
+            <a:r>
+              <a:rPr lang="en-US" dirty="0" smtClean="0"/>
+              <a:t>):</a:t>
+            </a:r>
+            <a:endParaRPr lang="en-US" dirty="0" smtClean="0"/>
+          </a:p>
+          <a:p>
+            <a:pPr lvl="1">
+              <a:buFont typeface="Arial" pitchFamily="34" charset="0"/>
+              <a:buChar char="•"/>
+            </a:pPr>
+            <a:r>
+              <a:rPr lang="en-US" dirty="0" err="1"/>
+              <a:t>Với</a:t>
+            </a:r>
+            <a:r>
+              <a:rPr lang="en-US" dirty="0"/>
+              <a:t> </a:t>
+            </a:r>
+            <a:r>
+              <a:rPr lang="en-US" dirty="0" err="1"/>
+              <a:t>thông</a:t>
+            </a:r>
+            <a:r>
+              <a:rPr lang="en-US" dirty="0"/>
+              <a:t> </a:t>
+            </a:r>
+            <a:r>
+              <a:rPr lang="en-US" dirty="0" err="1"/>
+              <a:t>số</a:t>
+            </a:r>
+            <a:r>
+              <a:rPr lang="en-US" dirty="0"/>
+              <a:t> threshold = </a:t>
+            </a:r>
+            <a:r>
+              <a:rPr lang="en-US" dirty="0" smtClean="0"/>
+              <a:t>40</a:t>
+            </a:r>
+          </a:p>
+          <a:p>
+            <a:pPr marL="457200" lvl="1" indent="0">
+              <a:buNone/>
+            </a:pPr>
+            <a:endParaRPr lang="en-US" dirty="0" smtClean="0"/>
+          </a:p>
+          <a:p>
+            <a:pPr marL="457200" lvl="1" indent="0">
+              <a:buNone/>
+            </a:pPr>
+            <a:endParaRPr lang="en-US" dirty="0"/>
+          </a:p>
+          <a:p>
+            <a:pPr marL="457200" lvl="1" indent="0">
+              <a:buNone/>
+            </a:pPr>
+            <a:endParaRPr lang="en-US" dirty="0" smtClean="0"/>
+          </a:p>
+          <a:p>
+            <a:pPr marL="457200" lvl="1" indent="0">
+              <a:buNone/>
+            </a:pPr>
+            <a:endParaRPr lang="en-US" dirty="0"/>
+          </a:p>
+          <a:p>
+            <a:pPr marL="457200" lvl="1" indent="0">
+              <a:buNone/>
+            </a:pPr>
+            <a:endParaRPr lang="en-US" dirty="0" smtClean="0"/>
+          </a:p>
+          <a:p>
+            <a:pPr lvl="1">
+              <a:buFont typeface="Arial" pitchFamily="34" charset="0"/>
+              <a:buChar char="•"/>
+            </a:pPr>
+            <a:endParaRPr lang="en-US" dirty="0"/>
+          </a:p>
+          <a:p>
+            <a:pPr lvl="1">
+              <a:buFont typeface="Arial" pitchFamily="34" charset="0"/>
+              <a:buChar char="•"/>
+            </a:pPr>
+            <a:endParaRPr lang="en-US" dirty="0" smtClean="0"/>
+          </a:p>
+        </p:txBody>
+      </p:sp>
+      <p:pic>
+        <p:nvPicPr>
+          <p:cNvPr id="2051" name="Picture 3"/>
+          <p:cNvPicPr>
+            <a:picLocks noChangeAspect="1" noChangeArrowheads="1"/>
+          </p:cNvPicPr>
+          <p:nvPr/>
+        </p:nvPicPr>
+        <p:blipFill>
+          <a:blip r:embed="rId2">
+            <a:extLst>
+              <a:ext uri="{28A0092B-C50C-407E-A947-70E740481C1C}">
+                <a14:useLocalDpi xmlns:a14="http://schemas.microsoft.com/office/drawing/2010/main" val="0"/>
+              </a:ext>
+            </a:extLst>
+          </a:blip>
+          <a:srcRect/>
+          <a:stretch>
+            <a:fillRect/>
+          </a:stretch>
+        </p:blipFill>
+        <p:spPr bwMode="auto">
+          <a:xfrm>
+            <a:off x="755576" y="2420888"/>
+            <a:ext cx="6984776" cy="3816424"/>
+          </a:xfrm>
+          <a:prstGeom prst="rect">
+            <a:avLst/>
+          </a:prstGeom>
+          <a:noFill/>
+          <a:ln>
+            <a:noFill/>
+          </a:ln>
+          <a:effectLst/>
+          <a:extLst>
+            <a:ext uri="{909E8E84-426E-40DD-AFC4-6F175D3DCCD1}">
+              <a14:hiddenFill xmlns:a14="http://schemas.microsoft.com/office/drawing/2010/main">
+                <a:solidFill>
+                  <a:schemeClr val="accent1"/>
+                </a:solidFill>
+              </a14:hiddenFill>
+            </a:ext>
+            <a:ext uri="{91240B29-F687-4F45-9708-019B960494DF}">
+              <a14:hiddenLine xmlns:a14="http://schemas.microsoft.com/office/drawing/2010/main" w="9525">
+                <a:solidFill>
+                  <a:schemeClr val="tx1"/>
+                </a:solidFill>
+                <a:miter lim="800000"/>
+                <a:headEnd/>
+                <a:tailEnd/>
+              </a14:hiddenLine>
+            </a:ext>
+            <a:ext uri="{AF507438-7753-43E0-B8FC-AC1667EBCBE1}">
+              <a14:hiddenEffects xmlns:a14="http://schemas.microsoft.com/office/drawing/2010/main">
+                <a:effectLst>
+                  <a:outerShdw dist="35921" dir="2700000" algn="ctr" rotWithShape="0">
+                    <a:schemeClr val="bg2"/>
+                  </a:outerShdw>
+                </a:effectLst>
+              </a14:hiddenEffects>
+            </a:ext>
+          </a:extLst>
+        </p:spPr>
+      </p:pic>
+    </p:spTree>
+    <p:extLst>
+      <p:ext uri="{BB962C8B-B14F-4D97-AF65-F5344CB8AC3E}">
+        <p14:creationId xmlns:p14="http://schemas.microsoft.com/office/powerpoint/2010/main" val="1016080722"/>
+      </p:ext>
+    </p:extLst>
+  </p:cSld>
+  <p:clrMapOvr>
+    <a:masterClrMapping/>
+  </p:clrMapOvr>
+</p:sld>
+</file>
+
+<file path=ppt/slides/slide46.xml><?xml version="1.0" encoding="utf-8"?>
+<p:sld xmlns:a="http://schemas.openxmlformats.org/drawingml/2006/main" xmlns:r="http://schemas.openxmlformats.org/officeDocument/2006/relationships" xmlns:p="http://schemas.openxmlformats.org/presentationml/2006/main">
+  <p:cSld>
+    <p:spTree>
+      <p:nvGrpSpPr>
+        <p:cNvPr id="1" name=""/>
+        <p:cNvGrpSpPr/>
+        <p:nvPr/>
+      </p:nvGrpSpPr>
+      <p:grpSpPr>
+        <a:xfrm>
+          <a:off x="0" y="0"/>
+          <a:ext cx="0" cy="0"/>
+          <a:chOff x="0" y="0"/>
+          <a:chExt cx="0" cy="0"/>
+        </a:xfrm>
+      </p:grpSpPr>
+      <p:sp>
+        <p:nvSpPr>
+          <p:cNvPr id="36866" name="Title 1"/>
+          <p:cNvSpPr>
+            <a:spLocks noGrp="1"/>
+          </p:cNvSpPr>
+          <p:nvPr>
+            <p:ph type="title"/>
+          </p:nvPr>
+        </p:nvSpPr>
+        <p:spPr>
+          <a:xfrm>
+            <a:off x="395288" y="115888"/>
+            <a:ext cx="8229600" cy="909637"/>
+          </a:xfrm>
+        </p:spPr>
+        <p:txBody>
+          <a:bodyPr/>
+          <a:lstStyle/>
+          <a:p>
+            <a:pPr algn="l" eaLnBrk="1" hangingPunct="1"/>
+            <a:r>
+              <a:rPr lang="en-US" sz="3200" dirty="0">
+                <a:solidFill>
+                  <a:schemeClr val="bg1"/>
+                </a:solidFill>
+              </a:rPr>
+              <a:t>4. </a:t>
+            </a:r>
+            <a:r>
+              <a:rPr lang="en-US" sz="3200" dirty="0" err="1" smtClean="0">
+                <a:solidFill>
+                  <a:schemeClr val="bg1"/>
+                </a:solidFill>
+              </a:rPr>
+              <a:t>Thực</a:t>
+            </a:r>
+            <a:r>
+              <a:rPr lang="en-US" sz="3200" dirty="0" smtClean="0">
+                <a:solidFill>
+                  <a:schemeClr val="bg1"/>
+                </a:solidFill>
+              </a:rPr>
+              <a:t> </a:t>
+            </a:r>
+            <a:r>
+              <a:rPr lang="en-US" sz="3200" dirty="0" err="1" smtClean="0">
+                <a:solidFill>
+                  <a:schemeClr val="bg1"/>
+                </a:solidFill>
+              </a:rPr>
+              <a:t>Nghiệm</a:t>
+            </a:r>
+            <a:endParaRPr lang="en-US" b="1" dirty="0" smtClean="0"/>
+          </a:p>
+        </p:txBody>
+      </p:sp>
+      <p:sp>
+        <p:nvSpPr>
+          <p:cNvPr id="36867" name="Content Placeholder 2"/>
+          <p:cNvSpPr>
+            <a:spLocks noGrp="1"/>
+          </p:cNvSpPr>
+          <p:nvPr>
+            <p:ph idx="1"/>
+          </p:nvPr>
+        </p:nvSpPr>
+        <p:spPr>
+          <a:xfrm>
+            <a:off x="0" y="1124744"/>
+            <a:ext cx="9144000" cy="5184576"/>
+          </a:xfrm>
+        </p:spPr>
+        <p:txBody>
+          <a:bodyPr anchor="t"/>
+          <a:lstStyle/>
+          <a:p>
+            <a:pPr marL="457200" lvl="1" indent="0">
+              <a:buFontTx/>
+              <a:buNone/>
+            </a:pPr>
+            <a:r>
+              <a:rPr lang="en-US" dirty="0" smtClean="0"/>
+              <a:t>4</a:t>
+            </a:r>
+            <a:r>
+              <a:rPr lang="en-US" dirty="0"/>
+              <a:t>. 4 </a:t>
+            </a:r>
+            <a:r>
+              <a:rPr lang="en-US" dirty="0" err="1" smtClean="0"/>
+              <a:t>Kết</a:t>
+            </a:r>
+            <a:r>
+              <a:rPr lang="en-US" dirty="0" smtClean="0"/>
+              <a:t> </a:t>
+            </a:r>
+            <a:r>
+              <a:rPr lang="en-US" dirty="0" err="1" smtClean="0"/>
+              <a:t>quả</a:t>
+            </a:r>
+            <a:r>
+              <a:rPr lang="en-US" dirty="0" smtClean="0"/>
+              <a:t> </a:t>
+            </a:r>
+            <a:r>
+              <a:rPr lang="en-US" dirty="0" err="1" smtClean="0"/>
+              <a:t>thực</a:t>
+            </a:r>
+            <a:r>
+              <a:rPr lang="en-US" dirty="0" smtClean="0"/>
+              <a:t> </a:t>
+            </a:r>
+            <a:r>
+              <a:rPr lang="en-US" dirty="0" err="1" smtClean="0"/>
+              <a:t>nghiệm</a:t>
+            </a:r>
+            <a:r>
+              <a:rPr lang="en-US" dirty="0" smtClean="0"/>
+              <a:t>(</a:t>
+            </a:r>
+            <a:r>
+              <a:rPr lang="en-US" dirty="0" err="1" smtClean="0"/>
+              <a:t>tt</a:t>
+            </a:r>
+            <a:r>
+              <a:rPr lang="en-US" dirty="0" smtClean="0"/>
+              <a:t>):</a:t>
+            </a:r>
+            <a:endParaRPr lang="en-US" dirty="0" smtClean="0"/>
+          </a:p>
+          <a:p>
+            <a:pPr lvl="1">
+              <a:buFont typeface="Arial" pitchFamily="34" charset="0"/>
+              <a:buChar char="•"/>
+            </a:pPr>
+            <a:r>
+              <a:rPr lang="en-US" dirty="0" err="1"/>
+              <a:t>Với</a:t>
+            </a:r>
+            <a:r>
+              <a:rPr lang="en-US" dirty="0"/>
+              <a:t> </a:t>
+            </a:r>
+            <a:r>
+              <a:rPr lang="en-US" dirty="0" err="1"/>
+              <a:t>thông</a:t>
+            </a:r>
+            <a:r>
+              <a:rPr lang="en-US" dirty="0"/>
+              <a:t> </a:t>
+            </a:r>
+            <a:r>
+              <a:rPr lang="en-US" dirty="0" err="1"/>
+              <a:t>số</a:t>
+            </a:r>
+            <a:r>
+              <a:rPr lang="en-US" dirty="0"/>
+              <a:t> threshold = </a:t>
+            </a:r>
+            <a:r>
+              <a:rPr lang="en-US" dirty="0" smtClean="0"/>
+              <a:t>160</a:t>
+            </a:r>
+          </a:p>
+          <a:p>
+            <a:pPr marL="457200" lvl="1" indent="0">
+              <a:buNone/>
+            </a:pPr>
+            <a:endParaRPr lang="en-US" dirty="0"/>
+          </a:p>
+          <a:p>
+            <a:pPr marL="457200" lvl="1" indent="0">
+              <a:buNone/>
+            </a:pPr>
+            <a:endParaRPr lang="en-US" dirty="0" smtClean="0"/>
+          </a:p>
+          <a:p>
+            <a:pPr marL="457200" lvl="1" indent="0">
+              <a:buNone/>
+            </a:pPr>
+            <a:endParaRPr lang="en-US" dirty="0"/>
+          </a:p>
+          <a:p>
+            <a:pPr marL="457200" lvl="1" indent="0">
+              <a:buNone/>
+            </a:pPr>
+            <a:endParaRPr lang="en-US" dirty="0" smtClean="0"/>
+          </a:p>
+          <a:p>
+            <a:pPr lvl="1">
+              <a:buFont typeface="Arial" pitchFamily="34" charset="0"/>
+              <a:buChar char="•"/>
+            </a:pPr>
+            <a:endParaRPr lang="en-US" dirty="0"/>
+          </a:p>
+          <a:p>
+            <a:pPr lvl="1">
+              <a:buFont typeface="Arial" pitchFamily="34" charset="0"/>
+              <a:buChar char="•"/>
+            </a:pPr>
+            <a:endParaRPr lang="en-US" dirty="0" smtClean="0"/>
+          </a:p>
+        </p:txBody>
+      </p:sp>
+      <p:pic>
+        <p:nvPicPr>
+          <p:cNvPr id="3074" name="Picture 2"/>
+          <p:cNvPicPr>
+            <a:picLocks noChangeAspect="1" noChangeArrowheads="1"/>
+          </p:cNvPicPr>
+          <p:nvPr/>
+        </p:nvPicPr>
+        <p:blipFill>
+          <a:blip r:embed="rId2">
+            <a:extLst>
+              <a:ext uri="{28A0092B-C50C-407E-A947-70E740481C1C}">
+                <a14:useLocalDpi xmlns:a14="http://schemas.microsoft.com/office/drawing/2010/main" val="0"/>
+              </a:ext>
+            </a:extLst>
+          </a:blip>
+          <a:srcRect/>
+          <a:stretch>
+            <a:fillRect/>
+          </a:stretch>
+        </p:blipFill>
+        <p:spPr bwMode="auto">
+          <a:xfrm>
+            <a:off x="971600" y="2348880"/>
+            <a:ext cx="6840760" cy="3816424"/>
+          </a:xfrm>
+          <a:prstGeom prst="rect">
+            <a:avLst/>
+          </a:prstGeom>
+          <a:noFill/>
+          <a:ln>
+            <a:noFill/>
+          </a:ln>
+          <a:effectLst/>
+          <a:extLst>
+            <a:ext uri="{909E8E84-426E-40DD-AFC4-6F175D3DCCD1}">
+              <a14:hiddenFill xmlns:a14="http://schemas.microsoft.com/office/drawing/2010/main">
+                <a:solidFill>
+                  <a:schemeClr val="accent1"/>
+                </a:solidFill>
+              </a14:hiddenFill>
+            </a:ext>
+            <a:ext uri="{91240B29-F687-4F45-9708-019B960494DF}">
+              <a14:hiddenLine xmlns:a14="http://schemas.microsoft.com/office/drawing/2010/main" w="9525">
+                <a:solidFill>
+                  <a:schemeClr val="tx1"/>
+                </a:solidFill>
+                <a:miter lim="800000"/>
+                <a:headEnd/>
+                <a:tailEnd/>
+              </a14:hiddenLine>
+            </a:ext>
+            <a:ext uri="{AF507438-7753-43E0-B8FC-AC1667EBCBE1}">
+              <a14:hiddenEffects xmlns:a14="http://schemas.microsoft.com/office/drawing/2010/main">
+                <a:effectLst>
+                  <a:outerShdw dist="35921" dir="2700000" algn="ctr" rotWithShape="0">
+                    <a:schemeClr val="bg2"/>
+                  </a:outerShdw>
+                </a:effectLst>
+              </a14:hiddenEffects>
+            </a:ext>
+          </a:extLst>
+        </p:spPr>
+      </p:pic>
+    </p:spTree>
+    <p:extLst>
+      <p:ext uri="{BB962C8B-B14F-4D97-AF65-F5344CB8AC3E}">
+        <p14:creationId xmlns:p14="http://schemas.microsoft.com/office/powerpoint/2010/main" val="1498507009"/>
+      </p:ext>
+    </p:extLst>
+  </p:cSld>
+  <p:clrMapOvr>
+    <a:masterClrMapping/>
+  </p:clrMapOvr>
+</p:sld>
+</file>
+
+<file path=ppt/slides/slide47.xml><?xml version="1.0" encoding="utf-8"?>
+<p:sld xmlns:a="http://schemas.openxmlformats.org/drawingml/2006/main" xmlns:r="http://schemas.openxmlformats.org/officeDocument/2006/relationships" xmlns:p="http://schemas.openxmlformats.org/presentationml/2006/main">
+  <p:cSld>
+    <p:spTree>
+      <p:nvGrpSpPr>
+        <p:cNvPr id="1" name=""/>
+        <p:cNvGrpSpPr/>
+        <p:nvPr/>
+      </p:nvGrpSpPr>
+      <p:grpSpPr>
+        <a:xfrm>
+          <a:off x="0" y="0"/>
+          <a:ext cx="0" cy="0"/>
+          <a:chOff x="0" y="0"/>
+          <a:chExt cx="0" cy="0"/>
+        </a:xfrm>
+      </p:grpSpPr>
+      <p:sp>
+        <p:nvSpPr>
+          <p:cNvPr id="36866" name="Title 1"/>
+          <p:cNvSpPr>
+            <a:spLocks noGrp="1"/>
+          </p:cNvSpPr>
+          <p:nvPr>
+            <p:ph type="title"/>
+          </p:nvPr>
+        </p:nvSpPr>
+        <p:spPr>
+          <a:xfrm>
+            <a:off x="395288" y="115888"/>
+            <a:ext cx="8229600" cy="909637"/>
+          </a:xfrm>
+        </p:spPr>
+        <p:txBody>
+          <a:bodyPr/>
+          <a:lstStyle/>
+          <a:p>
+            <a:pPr algn="l" eaLnBrk="1" hangingPunct="1"/>
+            <a:r>
+              <a:rPr lang="en-US" sz="3200" dirty="0">
+                <a:solidFill>
+                  <a:schemeClr val="bg1"/>
+                </a:solidFill>
+              </a:rPr>
+              <a:t>4. </a:t>
+            </a:r>
+            <a:r>
+              <a:rPr lang="en-US" sz="3200" dirty="0" err="1" smtClean="0">
+                <a:solidFill>
+                  <a:schemeClr val="bg1"/>
+                </a:solidFill>
+              </a:rPr>
+              <a:t>Thực</a:t>
+            </a:r>
+            <a:r>
+              <a:rPr lang="en-US" sz="3200" dirty="0" smtClean="0">
+                <a:solidFill>
+                  <a:schemeClr val="bg1"/>
+                </a:solidFill>
+              </a:rPr>
+              <a:t> </a:t>
+            </a:r>
+            <a:r>
+              <a:rPr lang="en-US" sz="3200" dirty="0" err="1" smtClean="0">
+                <a:solidFill>
+                  <a:schemeClr val="bg1"/>
+                </a:solidFill>
+              </a:rPr>
+              <a:t>Nghiệm</a:t>
+            </a:r>
+            <a:endParaRPr lang="en-US" b="1" dirty="0" smtClean="0"/>
+          </a:p>
+        </p:txBody>
+      </p:sp>
+      <p:sp>
+        <p:nvSpPr>
+          <p:cNvPr id="36867" name="Content Placeholder 2"/>
+          <p:cNvSpPr>
+            <a:spLocks noGrp="1"/>
+          </p:cNvSpPr>
+          <p:nvPr>
+            <p:ph idx="1"/>
+          </p:nvPr>
+        </p:nvSpPr>
+        <p:spPr>
+          <a:xfrm>
+            <a:off x="0" y="1124744"/>
+            <a:ext cx="9144000" cy="5184576"/>
+          </a:xfrm>
+        </p:spPr>
+        <p:txBody>
+          <a:bodyPr anchor="t"/>
+          <a:lstStyle/>
+          <a:p>
+            <a:pPr marL="457200" lvl="1" indent="0">
+              <a:buFontTx/>
+              <a:buNone/>
+            </a:pPr>
+            <a:r>
+              <a:rPr lang="en-US" dirty="0" smtClean="0"/>
+              <a:t>4</a:t>
+            </a:r>
+            <a:r>
+              <a:rPr lang="en-US" dirty="0"/>
+              <a:t>. 4 </a:t>
+            </a:r>
+            <a:r>
+              <a:rPr lang="en-US" dirty="0" err="1" smtClean="0"/>
+              <a:t>Kết</a:t>
+            </a:r>
+            <a:r>
+              <a:rPr lang="en-US" dirty="0" smtClean="0"/>
+              <a:t> </a:t>
+            </a:r>
+            <a:r>
+              <a:rPr lang="en-US" dirty="0" err="1" smtClean="0"/>
+              <a:t>quả</a:t>
+            </a:r>
+            <a:r>
+              <a:rPr lang="en-US" dirty="0" smtClean="0"/>
+              <a:t> </a:t>
+            </a:r>
+            <a:r>
+              <a:rPr lang="en-US" dirty="0" err="1" smtClean="0"/>
+              <a:t>thực</a:t>
+            </a:r>
+            <a:r>
+              <a:rPr lang="en-US" dirty="0" smtClean="0"/>
+              <a:t> </a:t>
+            </a:r>
+            <a:r>
+              <a:rPr lang="en-US" dirty="0" err="1" smtClean="0"/>
+              <a:t>nghiệm</a:t>
+            </a:r>
+            <a:r>
+              <a:rPr lang="en-US" dirty="0" smtClean="0"/>
+              <a:t>(</a:t>
+            </a:r>
+            <a:r>
+              <a:rPr lang="en-US" dirty="0" err="1" smtClean="0"/>
+              <a:t>tt</a:t>
+            </a:r>
+            <a:r>
+              <a:rPr lang="en-US" dirty="0" smtClean="0"/>
+              <a:t>):</a:t>
+            </a:r>
+            <a:endParaRPr lang="en-US" dirty="0" smtClean="0"/>
+          </a:p>
+          <a:p>
+            <a:pPr lvl="1">
+              <a:buFont typeface="Arial" pitchFamily="34" charset="0"/>
+              <a:buChar char="•"/>
+            </a:pPr>
+            <a:r>
+              <a:rPr lang="en-US" dirty="0" err="1"/>
+              <a:t>Với</a:t>
+            </a:r>
+            <a:r>
+              <a:rPr lang="en-US" dirty="0"/>
+              <a:t> </a:t>
+            </a:r>
+            <a:r>
+              <a:rPr lang="en-US" dirty="0" err="1"/>
+              <a:t>thông</a:t>
+            </a:r>
+            <a:r>
+              <a:rPr lang="en-US" dirty="0"/>
+              <a:t> </a:t>
+            </a:r>
+            <a:r>
+              <a:rPr lang="en-US" dirty="0" err="1"/>
+              <a:t>số</a:t>
+            </a:r>
+            <a:r>
+              <a:rPr lang="en-US" dirty="0"/>
+              <a:t> threshold = </a:t>
+            </a:r>
+            <a:r>
+              <a:rPr lang="en-US" dirty="0" smtClean="0"/>
+              <a:t>160</a:t>
+            </a:r>
+          </a:p>
+          <a:p>
+            <a:pPr marL="457200" lvl="1" indent="0">
+              <a:buNone/>
+            </a:pPr>
+            <a:endParaRPr lang="en-US" dirty="0" smtClean="0"/>
+          </a:p>
+          <a:p>
+            <a:pPr marL="457200" lvl="1" indent="0">
+              <a:buNone/>
+            </a:pPr>
+            <a:endParaRPr lang="en-US" dirty="0"/>
+          </a:p>
+          <a:p>
+            <a:pPr marL="457200" lvl="1" indent="0">
+              <a:buNone/>
+            </a:pPr>
+            <a:endParaRPr lang="en-US" dirty="0" smtClean="0"/>
+          </a:p>
+          <a:p>
+            <a:pPr marL="457200" lvl="1" indent="0">
+              <a:buNone/>
+            </a:pPr>
+            <a:endParaRPr lang="en-US" dirty="0"/>
+          </a:p>
+          <a:p>
+            <a:pPr marL="457200" lvl="1" indent="0">
+              <a:buNone/>
+            </a:pPr>
+            <a:endParaRPr lang="en-US" dirty="0" smtClean="0"/>
+          </a:p>
+          <a:p>
+            <a:pPr lvl="1">
+              <a:buFont typeface="Arial" pitchFamily="34" charset="0"/>
+              <a:buChar char="•"/>
+            </a:pPr>
+            <a:endParaRPr lang="en-US" dirty="0"/>
+          </a:p>
+          <a:p>
+            <a:pPr lvl="1">
+              <a:buFont typeface="Arial" pitchFamily="34" charset="0"/>
+              <a:buChar char="•"/>
+            </a:pPr>
+            <a:endParaRPr lang="en-US" dirty="0" smtClean="0"/>
+          </a:p>
+        </p:txBody>
+      </p:sp>
+      <p:pic>
+        <p:nvPicPr>
+          <p:cNvPr id="4098" name="Picture 2"/>
+          <p:cNvPicPr>
+            <a:picLocks noChangeAspect="1" noChangeArrowheads="1"/>
+          </p:cNvPicPr>
+          <p:nvPr/>
+        </p:nvPicPr>
+        <p:blipFill>
+          <a:blip r:embed="rId2">
+            <a:extLst>
+              <a:ext uri="{28A0092B-C50C-407E-A947-70E740481C1C}">
+                <a14:useLocalDpi xmlns:a14="http://schemas.microsoft.com/office/drawing/2010/main" val="0"/>
+              </a:ext>
+            </a:extLst>
+          </a:blip>
+          <a:srcRect/>
+          <a:stretch>
+            <a:fillRect/>
+          </a:stretch>
+        </p:blipFill>
+        <p:spPr bwMode="auto">
+          <a:xfrm>
+            <a:off x="539552" y="2492896"/>
+            <a:ext cx="7416824" cy="3744416"/>
+          </a:xfrm>
+          <a:prstGeom prst="rect">
+            <a:avLst/>
+          </a:prstGeom>
+          <a:noFill/>
+          <a:ln>
+            <a:noFill/>
+          </a:ln>
+          <a:effectLst/>
+          <a:extLst>
+            <a:ext uri="{909E8E84-426E-40DD-AFC4-6F175D3DCCD1}">
+              <a14:hiddenFill xmlns:a14="http://schemas.microsoft.com/office/drawing/2010/main">
+                <a:solidFill>
+                  <a:schemeClr val="accent1"/>
+                </a:solidFill>
+              </a14:hiddenFill>
+            </a:ext>
+            <a:ext uri="{91240B29-F687-4F45-9708-019B960494DF}">
+              <a14:hiddenLine xmlns:a14="http://schemas.microsoft.com/office/drawing/2010/main" w="9525">
+                <a:solidFill>
+                  <a:schemeClr val="tx1"/>
+                </a:solidFill>
+                <a:miter lim="800000"/>
+                <a:headEnd/>
+                <a:tailEnd/>
+              </a14:hiddenLine>
+            </a:ext>
+            <a:ext uri="{AF507438-7753-43E0-B8FC-AC1667EBCBE1}">
+              <a14:hiddenEffects xmlns:a14="http://schemas.microsoft.com/office/drawing/2010/main">
+                <a:effectLst>
+                  <a:outerShdw dist="35921" dir="2700000" algn="ctr" rotWithShape="0">
+                    <a:schemeClr val="bg2"/>
+                  </a:outerShdw>
+                </a:effectLst>
+              </a14:hiddenEffects>
+            </a:ext>
+          </a:extLst>
+        </p:spPr>
+      </p:pic>
+    </p:spTree>
+    <p:extLst>
+      <p:ext uri="{BB962C8B-B14F-4D97-AF65-F5344CB8AC3E}">
+        <p14:creationId xmlns:p14="http://schemas.microsoft.com/office/powerpoint/2010/main" val="2975156533"/>
+      </p:ext>
+    </p:extLst>
+  </p:cSld>
+  <p:clrMapOvr>
+    <a:masterClrMapping/>
+  </p:clrMapOvr>
+</p:sld>
+</file>
+
+<file path=ppt/slides/slide48.xml><?xml version="1.0" encoding="utf-8"?>
+<p:sld xmlns:a="http://schemas.openxmlformats.org/drawingml/2006/main" xmlns:r="http://schemas.openxmlformats.org/officeDocument/2006/relationships" xmlns:p="http://schemas.openxmlformats.org/presentationml/2006/main">
+  <p:cSld>
+    <p:spTree>
+      <p:nvGrpSpPr>
+        <p:cNvPr id="1" name=""/>
+        <p:cNvGrpSpPr/>
+        <p:nvPr/>
+      </p:nvGrpSpPr>
+      <p:grpSpPr>
+        <a:xfrm>
+          <a:off x="0" y="0"/>
+          <a:ext cx="0" cy="0"/>
+          <a:chOff x="0" y="0"/>
+          <a:chExt cx="0" cy="0"/>
+        </a:xfrm>
+      </p:grpSpPr>
+      <p:sp>
+        <p:nvSpPr>
+          <p:cNvPr id="36866" name="Title 1"/>
+          <p:cNvSpPr>
+            <a:spLocks noGrp="1"/>
+          </p:cNvSpPr>
+          <p:nvPr>
+            <p:ph type="title"/>
+          </p:nvPr>
+        </p:nvSpPr>
+        <p:spPr>
+          <a:xfrm>
+            <a:off x="395288" y="115888"/>
+            <a:ext cx="8229600" cy="909637"/>
+          </a:xfrm>
+        </p:spPr>
+        <p:txBody>
+          <a:bodyPr/>
+          <a:lstStyle/>
+          <a:p>
+            <a:pPr algn="l" eaLnBrk="1" hangingPunct="1"/>
+            <a:r>
+              <a:rPr lang="en-US" sz="3200" dirty="0">
+                <a:solidFill>
+                  <a:schemeClr val="bg1"/>
+                </a:solidFill>
+              </a:rPr>
+              <a:t>4. </a:t>
+            </a:r>
+            <a:r>
+              <a:rPr lang="en-US" sz="3200" dirty="0" err="1" smtClean="0">
+                <a:solidFill>
+                  <a:schemeClr val="bg1"/>
+                </a:solidFill>
+              </a:rPr>
+              <a:t>Thực</a:t>
+            </a:r>
+            <a:r>
+              <a:rPr lang="en-US" sz="3200" dirty="0" smtClean="0">
+                <a:solidFill>
+                  <a:schemeClr val="bg1"/>
+                </a:solidFill>
+              </a:rPr>
+              <a:t> </a:t>
+            </a:r>
+            <a:r>
+              <a:rPr lang="en-US" sz="3200" dirty="0" err="1" smtClean="0">
+                <a:solidFill>
+                  <a:schemeClr val="bg1"/>
+                </a:solidFill>
+              </a:rPr>
+              <a:t>Nghiệm</a:t>
+            </a:r>
+            <a:endParaRPr lang="en-US" b="1" dirty="0" smtClean="0"/>
+          </a:p>
+        </p:txBody>
+      </p:sp>
+      <p:sp>
+        <p:nvSpPr>
+          <p:cNvPr id="36867" name="Content Placeholder 2"/>
+          <p:cNvSpPr>
+            <a:spLocks noGrp="1"/>
+          </p:cNvSpPr>
+          <p:nvPr>
+            <p:ph idx="1"/>
+          </p:nvPr>
+        </p:nvSpPr>
+        <p:spPr>
+          <a:xfrm>
+            <a:off x="0" y="1124744"/>
+            <a:ext cx="9144000" cy="5184576"/>
+          </a:xfrm>
+        </p:spPr>
+        <p:txBody>
+          <a:bodyPr anchor="t"/>
+          <a:lstStyle/>
+          <a:p>
+            <a:pPr marL="457200" lvl="1" indent="0">
+              <a:buFontTx/>
+              <a:buNone/>
+            </a:pPr>
+            <a:r>
+              <a:rPr lang="en-US" dirty="0" smtClean="0"/>
+              <a:t>4</a:t>
+            </a:r>
+            <a:r>
+              <a:rPr lang="en-US" dirty="0"/>
+              <a:t>. 4 </a:t>
+            </a:r>
+            <a:r>
+              <a:rPr lang="en-US" dirty="0" err="1" smtClean="0"/>
+              <a:t>Kết</a:t>
+            </a:r>
+            <a:r>
+              <a:rPr lang="en-US" dirty="0" smtClean="0"/>
+              <a:t> </a:t>
+            </a:r>
+            <a:r>
+              <a:rPr lang="en-US" dirty="0" err="1" smtClean="0"/>
+              <a:t>quả</a:t>
+            </a:r>
+            <a:r>
+              <a:rPr lang="en-US" dirty="0" smtClean="0"/>
+              <a:t> </a:t>
+            </a:r>
+            <a:r>
+              <a:rPr lang="en-US" dirty="0" err="1" smtClean="0"/>
+              <a:t>thực</a:t>
+            </a:r>
+            <a:r>
+              <a:rPr lang="en-US" dirty="0" smtClean="0"/>
+              <a:t> </a:t>
+            </a:r>
+            <a:r>
+              <a:rPr lang="en-US" dirty="0" err="1" smtClean="0"/>
+              <a:t>nghiệm</a:t>
+            </a:r>
+            <a:r>
+              <a:rPr lang="en-US" dirty="0" smtClean="0"/>
+              <a:t>(</a:t>
+            </a:r>
+            <a:r>
+              <a:rPr lang="en-US" dirty="0" err="1" smtClean="0"/>
+              <a:t>tt</a:t>
+            </a:r>
+            <a:r>
+              <a:rPr lang="en-US" dirty="0" smtClean="0"/>
+              <a:t>):</a:t>
+            </a:r>
+            <a:endParaRPr lang="en-US" dirty="0" smtClean="0"/>
+          </a:p>
+          <a:p>
+            <a:pPr lvl="1">
+              <a:buFont typeface="Arial" pitchFamily="34" charset="0"/>
+              <a:buChar char="•"/>
+            </a:pPr>
+            <a:r>
+              <a:rPr lang="en-US" dirty="0" err="1"/>
+              <a:t>Với</a:t>
+            </a:r>
+            <a:r>
+              <a:rPr lang="en-US" dirty="0"/>
+              <a:t> </a:t>
+            </a:r>
+            <a:r>
+              <a:rPr lang="en-US" dirty="0" err="1"/>
+              <a:t>thông</a:t>
+            </a:r>
+            <a:r>
+              <a:rPr lang="en-US" dirty="0"/>
+              <a:t> </a:t>
+            </a:r>
+            <a:r>
+              <a:rPr lang="en-US" dirty="0" err="1"/>
+              <a:t>số</a:t>
+            </a:r>
+            <a:r>
+              <a:rPr lang="en-US" dirty="0"/>
+              <a:t> threshold = </a:t>
+            </a:r>
+            <a:r>
+              <a:rPr lang="en-US" dirty="0" smtClean="0"/>
+              <a:t>123</a:t>
+            </a:r>
+          </a:p>
+          <a:p>
+            <a:pPr marL="457200" lvl="1" indent="0">
+              <a:buNone/>
+            </a:pPr>
+            <a:endParaRPr lang="en-US" dirty="0" smtClean="0"/>
+          </a:p>
+          <a:p>
+            <a:pPr marL="457200" lvl="1" indent="0">
+              <a:buNone/>
+            </a:pPr>
+            <a:endParaRPr lang="en-US" dirty="0" smtClean="0"/>
+          </a:p>
+          <a:p>
+            <a:pPr marL="457200" lvl="1" indent="0">
+              <a:buNone/>
+            </a:pPr>
+            <a:endParaRPr lang="en-US" dirty="0"/>
+          </a:p>
+          <a:p>
+            <a:pPr marL="457200" lvl="1" indent="0">
+              <a:buNone/>
+            </a:pPr>
+            <a:endParaRPr lang="en-US" dirty="0" smtClean="0"/>
+          </a:p>
+          <a:p>
+            <a:pPr marL="457200" lvl="1" indent="0">
+              <a:buNone/>
+            </a:pPr>
+            <a:endParaRPr lang="en-US" dirty="0"/>
+          </a:p>
+          <a:p>
+            <a:pPr marL="457200" lvl="1" indent="0">
+              <a:buNone/>
+            </a:pPr>
+            <a:endParaRPr lang="en-US" dirty="0" smtClean="0"/>
+          </a:p>
+          <a:p>
+            <a:pPr lvl="1">
+              <a:buFont typeface="Arial" pitchFamily="34" charset="0"/>
+              <a:buChar char="•"/>
+            </a:pPr>
+            <a:endParaRPr lang="en-US" dirty="0"/>
+          </a:p>
+          <a:p>
+            <a:pPr lvl="1">
+              <a:buFont typeface="Arial" pitchFamily="34" charset="0"/>
+              <a:buChar char="•"/>
+            </a:pPr>
+            <a:endParaRPr lang="en-US" dirty="0" smtClean="0"/>
+          </a:p>
+        </p:txBody>
+      </p:sp>
+      <p:pic>
+        <p:nvPicPr>
+          <p:cNvPr id="5122" name="Picture 2"/>
+          <p:cNvPicPr>
+            <a:picLocks noChangeAspect="1" noChangeArrowheads="1"/>
+          </p:cNvPicPr>
+          <p:nvPr/>
+        </p:nvPicPr>
+        <p:blipFill>
+          <a:blip r:embed="rId2">
+            <a:extLst>
+              <a:ext uri="{28A0092B-C50C-407E-A947-70E740481C1C}">
+                <a14:useLocalDpi xmlns:a14="http://schemas.microsoft.com/office/drawing/2010/main" val="0"/>
+              </a:ext>
+            </a:extLst>
+          </a:blip>
+          <a:srcRect/>
+          <a:stretch>
+            <a:fillRect/>
+          </a:stretch>
+        </p:blipFill>
+        <p:spPr bwMode="auto">
+          <a:xfrm>
+            <a:off x="683568" y="2276872"/>
+            <a:ext cx="7344816" cy="3888432"/>
+          </a:xfrm>
+          <a:prstGeom prst="rect">
+            <a:avLst/>
+          </a:prstGeom>
+          <a:noFill/>
+          <a:ln>
+            <a:noFill/>
+          </a:ln>
+          <a:effectLst/>
+          <a:extLst>
+            <a:ext uri="{909E8E84-426E-40DD-AFC4-6F175D3DCCD1}">
+              <a14:hiddenFill xmlns:a14="http://schemas.microsoft.com/office/drawing/2010/main">
+                <a:solidFill>
+                  <a:schemeClr val="accent1"/>
+                </a:solidFill>
+              </a14:hiddenFill>
+            </a:ext>
+            <a:ext uri="{91240B29-F687-4F45-9708-019B960494DF}">
+              <a14:hiddenLine xmlns:a14="http://schemas.microsoft.com/office/drawing/2010/main" w="9525">
+                <a:solidFill>
+                  <a:schemeClr val="tx1"/>
+                </a:solidFill>
+                <a:miter lim="800000"/>
+                <a:headEnd/>
+                <a:tailEnd/>
+              </a14:hiddenLine>
+            </a:ext>
+            <a:ext uri="{AF507438-7753-43E0-B8FC-AC1667EBCBE1}">
+              <a14:hiddenEffects xmlns:a14="http://schemas.microsoft.com/office/drawing/2010/main">
+                <a:effectLst>
+                  <a:outerShdw dist="35921" dir="2700000" algn="ctr" rotWithShape="0">
+                    <a:schemeClr val="bg2"/>
+                  </a:outerShdw>
+                </a:effectLst>
+              </a14:hiddenEffects>
+            </a:ext>
+          </a:extLst>
+        </p:spPr>
+      </p:pic>
+    </p:spTree>
+    <p:extLst>
+      <p:ext uri="{BB962C8B-B14F-4D97-AF65-F5344CB8AC3E}">
+        <p14:creationId xmlns:p14="http://schemas.microsoft.com/office/powerpoint/2010/main" val="1168440350"/>
+      </p:ext>
+    </p:extLst>
+  </p:cSld>
+  <p:clrMapOvr>
+    <a:masterClrMapping/>
+  </p:clrMapOvr>
+</p:sld>
+</file>
+
+<file path=ppt/slides/slide49.xml><?xml version="1.0" encoding="utf-8"?>
+<p:sld xmlns:a="http://schemas.openxmlformats.org/drawingml/2006/main" xmlns:r="http://schemas.openxmlformats.org/officeDocument/2006/relationships" xmlns:p="http://schemas.openxmlformats.org/presentationml/2006/main">
+  <p:cSld>
+    <p:spTree>
+      <p:nvGrpSpPr>
+        <p:cNvPr id="1" name=""/>
+        <p:cNvGrpSpPr/>
+        <p:nvPr/>
+      </p:nvGrpSpPr>
+      <p:grpSpPr>
+        <a:xfrm>
+          <a:off x="0" y="0"/>
+          <a:ext cx="0" cy="0"/>
+          <a:chOff x="0" y="0"/>
+          <a:chExt cx="0" cy="0"/>
+        </a:xfrm>
+      </p:grpSpPr>
+      <p:sp>
+        <p:nvSpPr>
+          <p:cNvPr id="36866" name="Title 1"/>
+          <p:cNvSpPr>
+            <a:spLocks noGrp="1"/>
+          </p:cNvSpPr>
+          <p:nvPr>
+            <p:ph type="title"/>
+          </p:nvPr>
+        </p:nvSpPr>
+        <p:spPr>
+          <a:xfrm>
+            <a:off x="395288" y="115888"/>
+            <a:ext cx="8229600" cy="909637"/>
+          </a:xfrm>
+        </p:spPr>
+        <p:txBody>
+          <a:bodyPr/>
+          <a:lstStyle/>
+          <a:p>
+            <a:pPr algn="l" eaLnBrk="1" hangingPunct="1"/>
+            <a:r>
+              <a:rPr lang="en-US" sz="3200" dirty="0">
+                <a:solidFill>
+                  <a:schemeClr val="bg1"/>
+                </a:solidFill>
+              </a:rPr>
+              <a:t>4. </a:t>
+            </a:r>
+            <a:r>
+              <a:rPr lang="en-US" sz="3200" dirty="0" err="1" smtClean="0">
+                <a:solidFill>
+                  <a:schemeClr val="bg1"/>
+                </a:solidFill>
+              </a:rPr>
+              <a:t>Thực</a:t>
+            </a:r>
+            <a:r>
+              <a:rPr lang="en-US" sz="3200" dirty="0" smtClean="0">
+                <a:solidFill>
+                  <a:schemeClr val="bg1"/>
+                </a:solidFill>
+              </a:rPr>
+              <a:t> </a:t>
+            </a:r>
+            <a:r>
+              <a:rPr lang="en-US" sz="3200" dirty="0" err="1" smtClean="0">
+                <a:solidFill>
+                  <a:schemeClr val="bg1"/>
+                </a:solidFill>
+              </a:rPr>
+              <a:t>Nghiệm</a:t>
+            </a:r>
+            <a:endParaRPr lang="en-US" b="1" dirty="0" smtClean="0"/>
+          </a:p>
+        </p:txBody>
+      </p:sp>
+      <p:sp>
+        <p:nvSpPr>
+          <p:cNvPr id="36867" name="Content Placeholder 2"/>
+          <p:cNvSpPr>
+            <a:spLocks noGrp="1"/>
+          </p:cNvSpPr>
+          <p:nvPr>
+            <p:ph idx="1"/>
+          </p:nvPr>
+        </p:nvSpPr>
+        <p:spPr>
+          <a:xfrm>
+            <a:off x="0" y="1124744"/>
+            <a:ext cx="9144000" cy="5184576"/>
+          </a:xfrm>
+        </p:spPr>
+        <p:txBody>
+          <a:bodyPr anchor="t"/>
+          <a:lstStyle/>
+          <a:p>
+            <a:pPr marL="457200" lvl="1" indent="0">
+              <a:buFontTx/>
+              <a:buNone/>
+            </a:pPr>
+            <a:r>
+              <a:rPr lang="en-US" dirty="0" smtClean="0"/>
+              <a:t>4</a:t>
+            </a:r>
+            <a:r>
+              <a:rPr lang="en-US" dirty="0"/>
+              <a:t>. 4 </a:t>
+            </a:r>
+            <a:r>
+              <a:rPr lang="en-US" dirty="0" err="1" smtClean="0"/>
+              <a:t>Kết</a:t>
+            </a:r>
+            <a:r>
+              <a:rPr lang="en-US" dirty="0" smtClean="0"/>
+              <a:t> </a:t>
+            </a:r>
+            <a:r>
+              <a:rPr lang="en-US" dirty="0" err="1" smtClean="0"/>
+              <a:t>quả</a:t>
+            </a:r>
+            <a:r>
+              <a:rPr lang="en-US" dirty="0" smtClean="0"/>
+              <a:t> </a:t>
+            </a:r>
+            <a:r>
+              <a:rPr lang="en-US" dirty="0" err="1" smtClean="0"/>
+              <a:t>thực</a:t>
+            </a:r>
+            <a:r>
+              <a:rPr lang="en-US" dirty="0" smtClean="0"/>
+              <a:t> </a:t>
+            </a:r>
+            <a:r>
+              <a:rPr lang="en-US" dirty="0" err="1" smtClean="0"/>
+              <a:t>nghiệm</a:t>
+            </a:r>
+            <a:r>
+              <a:rPr lang="en-US" dirty="0" smtClean="0"/>
+              <a:t>(</a:t>
+            </a:r>
+            <a:r>
+              <a:rPr lang="en-US" dirty="0" err="1" smtClean="0"/>
+              <a:t>tt</a:t>
+            </a:r>
+            <a:r>
+              <a:rPr lang="en-US" dirty="0" smtClean="0"/>
+              <a:t>):</a:t>
+            </a:r>
+            <a:endParaRPr lang="en-US" dirty="0" smtClean="0"/>
+          </a:p>
+          <a:p>
+            <a:pPr lvl="1">
+              <a:buFont typeface="Arial" pitchFamily="34" charset="0"/>
+              <a:buChar char="•"/>
+            </a:pPr>
+            <a:r>
+              <a:rPr lang="en-US" dirty="0" err="1"/>
+              <a:t>Với</a:t>
+            </a:r>
+            <a:r>
+              <a:rPr lang="en-US" dirty="0"/>
+              <a:t> </a:t>
+            </a:r>
+            <a:r>
+              <a:rPr lang="en-US" dirty="0" err="1"/>
+              <a:t>thông</a:t>
+            </a:r>
+            <a:r>
+              <a:rPr lang="en-US" dirty="0"/>
+              <a:t> </a:t>
+            </a:r>
+            <a:r>
+              <a:rPr lang="en-US" dirty="0" err="1"/>
+              <a:t>số</a:t>
+            </a:r>
+            <a:r>
+              <a:rPr lang="en-US" dirty="0"/>
+              <a:t> threshold = </a:t>
+            </a:r>
+            <a:r>
+              <a:rPr lang="en-US" dirty="0" smtClean="0"/>
+              <a:t>123</a:t>
+            </a:r>
+          </a:p>
+          <a:p>
+            <a:pPr marL="457200" lvl="1" indent="0">
+              <a:buNone/>
+            </a:pPr>
+            <a:endParaRPr lang="en-US" dirty="0" smtClean="0"/>
+          </a:p>
+          <a:p>
+            <a:pPr marL="457200" lvl="1" indent="0">
+              <a:buNone/>
+            </a:pPr>
+            <a:endParaRPr lang="en-US" dirty="0" smtClean="0"/>
+          </a:p>
+          <a:p>
+            <a:pPr marL="457200" lvl="1" indent="0">
+              <a:buNone/>
+            </a:pPr>
+            <a:endParaRPr lang="en-US" dirty="0" smtClean="0"/>
+          </a:p>
+          <a:p>
+            <a:pPr marL="457200" lvl="1" indent="0">
+              <a:buNone/>
+            </a:pPr>
+            <a:endParaRPr lang="en-US" dirty="0"/>
+          </a:p>
+          <a:p>
+            <a:pPr marL="457200" lvl="1" indent="0">
+              <a:buNone/>
+            </a:pPr>
+            <a:endParaRPr lang="en-US" dirty="0" smtClean="0"/>
+          </a:p>
+          <a:p>
+            <a:pPr marL="457200" lvl="1" indent="0">
+              <a:buNone/>
+            </a:pPr>
+            <a:endParaRPr lang="en-US" dirty="0"/>
+          </a:p>
+          <a:p>
+            <a:pPr marL="457200" lvl="1" indent="0">
+              <a:buNone/>
+            </a:pPr>
+            <a:endParaRPr lang="en-US" dirty="0" smtClean="0"/>
+          </a:p>
+          <a:p>
+            <a:pPr lvl="1">
+              <a:buFont typeface="Arial" pitchFamily="34" charset="0"/>
+              <a:buChar char="•"/>
+            </a:pPr>
+            <a:endParaRPr lang="en-US" dirty="0"/>
+          </a:p>
+          <a:p>
+            <a:pPr lvl="1">
+              <a:buFont typeface="Arial" pitchFamily="34" charset="0"/>
+              <a:buChar char="•"/>
+            </a:pPr>
+            <a:endParaRPr lang="en-US" dirty="0" smtClean="0"/>
+          </a:p>
+        </p:txBody>
+      </p:sp>
+      <p:pic>
+        <p:nvPicPr>
+          <p:cNvPr id="6146" name="Picture 2"/>
+          <p:cNvPicPr>
+            <a:picLocks noChangeAspect="1" noChangeArrowheads="1"/>
+          </p:cNvPicPr>
+          <p:nvPr/>
+        </p:nvPicPr>
+        <p:blipFill>
+          <a:blip r:embed="rId2">
+            <a:extLst>
+              <a:ext uri="{28A0092B-C50C-407E-A947-70E740481C1C}">
+                <a14:useLocalDpi xmlns:a14="http://schemas.microsoft.com/office/drawing/2010/main" val="0"/>
+              </a:ext>
+            </a:extLst>
+          </a:blip>
+          <a:srcRect/>
+          <a:stretch>
+            <a:fillRect/>
+          </a:stretch>
+        </p:blipFill>
+        <p:spPr bwMode="auto">
+          <a:xfrm>
+            <a:off x="683568" y="2492896"/>
+            <a:ext cx="7272808" cy="3672408"/>
+          </a:xfrm>
+          <a:prstGeom prst="rect">
+            <a:avLst/>
+          </a:prstGeom>
+          <a:noFill/>
+          <a:ln>
+            <a:noFill/>
+          </a:ln>
+          <a:effectLst/>
+          <a:extLst>
+            <a:ext uri="{909E8E84-426E-40DD-AFC4-6F175D3DCCD1}">
+              <a14:hiddenFill xmlns:a14="http://schemas.microsoft.com/office/drawing/2010/main">
+                <a:solidFill>
+                  <a:schemeClr val="accent1"/>
+                </a:solidFill>
+              </a14:hiddenFill>
+            </a:ext>
+            <a:ext uri="{91240B29-F687-4F45-9708-019B960494DF}">
+              <a14:hiddenLine xmlns:a14="http://schemas.microsoft.com/office/drawing/2010/main" w="9525">
+                <a:solidFill>
+                  <a:schemeClr val="tx1"/>
+                </a:solidFill>
+                <a:miter lim="800000"/>
+                <a:headEnd/>
+                <a:tailEnd/>
+              </a14:hiddenLine>
+            </a:ext>
+            <a:ext uri="{AF507438-7753-43E0-B8FC-AC1667EBCBE1}">
+              <a14:hiddenEffects xmlns:a14="http://schemas.microsoft.com/office/drawing/2010/main">
+                <a:effectLst>
+                  <a:outerShdw dist="35921" dir="2700000" algn="ctr" rotWithShape="0">
+                    <a:schemeClr val="bg2"/>
+                  </a:outerShdw>
+                </a:effectLst>
+              </a14:hiddenEffects>
+            </a:ext>
+          </a:extLst>
+        </p:spPr>
+      </p:pic>
+    </p:spTree>
+    <p:extLst>
+      <p:ext uri="{BB962C8B-B14F-4D97-AF65-F5344CB8AC3E}">
+        <p14:creationId xmlns:p14="http://schemas.microsoft.com/office/powerpoint/2010/main" val="2349499895"/>
+      </p:ext>
+    </p:extLst>
+  </p:cSld>
+  <p:clrMapOvr>
+    <a:masterClrMapping/>
+  </p:clrMapOvr>
+</p:sld>
+</file>
+
 <file path=ppt/slides/slide5.xml><?xml version="1.0" encoding="utf-8"?>
 <p:sld xmlns:a="http://schemas.openxmlformats.org/drawingml/2006/main" xmlns:r="http://schemas.openxmlformats.org/officeDocument/2006/relationships" xmlns:p="http://schemas.openxmlformats.org/presentationml/2006/main">
   <p:cSld>
@@ -14441,6 +23049,839 @@
         </p:txBody>
       </p:sp>
     </p:spTree>
+  </p:cSld>
+  <p:clrMapOvr>
+    <a:masterClrMapping/>
+  </p:clrMapOvr>
+</p:sld>
+</file>
+
+<file path=ppt/slides/slide50.xml><?xml version="1.0" encoding="utf-8"?>
+<p:sld xmlns:a="http://schemas.openxmlformats.org/drawingml/2006/main" xmlns:r="http://schemas.openxmlformats.org/officeDocument/2006/relationships" xmlns:p="http://schemas.openxmlformats.org/presentationml/2006/main">
+  <p:cSld>
+    <p:spTree>
+      <p:nvGrpSpPr>
+        <p:cNvPr id="1" name=""/>
+        <p:cNvGrpSpPr/>
+        <p:nvPr/>
+      </p:nvGrpSpPr>
+      <p:grpSpPr>
+        <a:xfrm>
+          <a:off x="0" y="0"/>
+          <a:ext cx="0" cy="0"/>
+          <a:chOff x="0" y="0"/>
+          <a:chExt cx="0" cy="0"/>
+        </a:xfrm>
+      </p:grpSpPr>
+      <p:sp>
+        <p:nvSpPr>
+          <p:cNvPr id="36866" name="Title 1"/>
+          <p:cNvSpPr>
+            <a:spLocks noGrp="1"/>
+          </p:cNvSpPr>
+          <p:nvPr>
+            <p:ph type="title"/>
+          </p:nvPr>
+        </p:nvSpPr>
+        <p:spPr>
+          <a:xfrm>
+            <a:off x="395288" y="115888"/>
+            <a:ext cx="8229600" cy="909637"/>
+          </a:xfrm>
+        </p:spPr>
+        <p:txBody>
+          <a:bodyPr/>
+          <a:lstStyle/>
+          <a:p>
+            <a:pPr algn="l" eaLnBrk="1" hangingPunct="1"/>
+            <a:r>
+              <a:rPr lang="en-US" sz="3200" dirty="0">
+                <a:solidFill>
+                  <a:schemeClr val="bg1"/>
+                </a:solidFill>
+              </a:rPr>
+              <a:t>4. </a:t>
+            </a:r>
+            <a:r>
+              <a:rPr lang="en-US" sz="3200" dirty="0" err="1" smtClean="0">
+                <a:solidFill>
+                  <a:schemeClr val="bg1"/>
+                </a:solidFill>
+              </a:rPr>
+              <a:t>Thực</a:t>
+            </a:r>
+            <a:r>
+              <a:rPr lang="en-US" sz="3200" dirty="0" smtClean="0">
+                <a:solidFill>
+                  <a:schemeClr val="bg1"/>
+                </a:solidFill>
+              </a:rPr>
+              <a:t> </a:t>
+            </a:r>
+            <a:r>
+              <a:rPr lang="en-US" sz="3200" dirty="0" err="1" smtClean="0">
+                <a:solidFill>
+                  <a:schemeClr val="bg1"/>
+                </a:solidFill>
+              </a:rPr>
+              <a:t>Nghiệm</a:t>
+            </a:r>
+            <a:endParaRPr lang="en-US" b="1" dirty="0" smtClean="0"/>
+          </a:p>
+        </p:txBody>
+      </p:sp>
+      <p:sp>
+        <p:nvSpPr>
+          <p:cNvPr id="36867" name="Content Placeholder 2"/>
+          <p:cNvSpPr>
+            <a:spLocks noGrp="1"/>
+          </p:cNvSpPr>
+          <p:nvPr>
+            <p:ph idx="1"/>
+          </p:nvPr>
+        </p:nvSpPr>
+        <p:spPr>
+          <a:xfrm>
+            <a:off x="0" y="1124744"/>
+            <a:ext cx="9144000" cy="5184576"/>
+          </a:xfrm>
+        </p:spPr>
+        <p:txBody>
+          <a:bodyPr anchor="t"/>
+          <a:lstStyle/>
+          <a:p>
+            <a:pPr marL="457200" lvl="1" indent="0">
+              <a:buFontTx/>
+              <a:buNone/>
+            </a:pPr>
+            <a:r>
+              <a:rPr lang="en-US" dirty="0" smtClean="0"/>
+              <a:t>4</a:t>
+            </a:r>
+            <a:r>
+              <a:rPr lang="en-US" dirty="0"/>
+              <a:t>. 4 </a:t>
+            </a:r>
+            <a:r>
+              <a:rPr lang="en-US" dirty="0" err="1" smtClean="0"/>
+              <a:t>Nhận</a:t>
+            </a:r>
+            <a:r>
+              <a:rPr lang="en-US" dirty="0" smtClean="0"/>
+              <a:t> </a:t>
+            </a:r>
+            <a:r>
+              <a:rPr lang="en-US" dirty="0" err="1" smtClean="0"/>
+              <a:t>xét</a:t>
+            </a:r>
+            <a:r>
+              <a:rPr lang="en-US" dirty="0" smtClean="0"/>
+              <a:t>:</a:t>
+            </a:r>
+          </a:p>
+          <a:p>
+            <a:pPr lvl="1">
+              <a:buFont typeface="Arial" pitchFamily="34" charset="0"/>
+              <a:buChar char="•"/>
+            </a:pPr>
+            <a:r>
+              <a:rPr lang="en-US" dirty="0" err="1"/>
+              <a:t>Một</a:t>
+            </a:r>
+            <a:r>
+              <a:rPr lang="en-US" dirty="0"/>
+              <a:t> </a:t>
+            </a:r>
+            <a:r>
+              <a:rPr lang="en-US" dirty="0" err="1"/>
+              <a:t>khuyết</a:t>
+            </a:r>
+            <a:r>
+              <a:rPr lang="en-US" dirty="0"/>
+              <a:t> </a:t>
+            </a:r>
+            <a:r>
+              <a:rPr lang="en-US" dirty="0" err="1"/>
+              <a:t>điểm</a:t>
+            </a:r>
+            <a:r>
+              <a:rPr lang="en-US" dirty="0"/>
+              <a:t> </a:t>
+            </a:r>
+            <a:r>
+              <a:rPr lang="en-US" dirty="0" err="1"/>
+              <a:t>dễ</a:t>
+            </a:r>
+            <a:r>
+              <a:rPr lang="en-US" dirty="0"/>
+              <a:t> </a:t>
+            </a:r>
+            <a:r>
+              <a:rPr lang="en-US" dirty="0" err="1"/>
+              <a:t>nhận</a:t>
+            </a:r>
+            <a:r>
+              <a:rPr lang="en-US" dirty="0"/>
+              <a:t> </a:t>
+            </a:r>
+            <a:r>
+              <a:rPr lang="en-US" dirty="0" err="1"/>
+              <a:t>thấy</a:t>
+            </a:r>
+            <a:r>
+              <a:rPr lang="en-US" dirty="0"/>
+              <a:t> ở LBP </a:t>
+            </a:r>
+            <a:r>
+              <a:rPr lang="en-US" dirty="0" err="1"/>
+              <a:t>và</a:t>
+            </a:r>
+            <a:r>
+              <a:rPr lang="en-US" dirty="0"/>
+              <a:t> </a:t>
+            </a:r>
+            <a:r>
+              <a:rPr lang="en-US" dirty="0" err="1"/>
+              <a:t>các</a:t>
+            </a:r>
+            <a:r>
+              <a:rPr lang="en-US" dirty="0"/>
+              <a:t> </a:t>
+            </a:r>
+            <a:r>
+              <a:rPr lang="en-US" dirty="0" err="1"/>
+              <a:t>phương</a:t>
+            </a:r>
+            <a:r>
+              <a:rPr lang="en-US" dirty="0"/>
+              <a:t> </a:t>
+            </a:r>
+            <a:r>
+              <a:rPr lang="en-US" dirty="0" err="1"/>
+              <a:t>pháp</a:t>
+            </a:r>
+            <a:r>
+              <a:rPr lang="en-US" dirty="0"/>
+              <a:t> </a:t>
+            </a:r>
+            <a:r>
+              <a:rPr lang="en-US" dirty="0" err="1"/>
+              <a:t>mô</a:t>
+            </a:r>
+            <a:r>
+              <a:rPr lang="en-US" dirty="0"/>
+              <a:t> </a:t>
+            </a:r>
+            <a:r>
+              <a:rPr lang="en-US" dirty="0" err="1"/>
+              <a:t>tả</a:t>
+            </a:r>
+            <a:r>
+              <a:rPr lang="en-US" dirty="0"/>
+              <a:t> </a:t>
+            </a:r>
+            <a:r>
+              <a:rPr lang="en-US" dirty="0" err="1"/>
+              <a:t>cục</a:t>
+            </a:r>
+            <a:r>
+              <a:rPr lang="en-US" dirty="0"/>
+              <a:t> </a:t>
+            </a:r>
+            <a:r>
+              <a:rPr lang="en-US" dirty="0" err="1"/>
+              <a:t>bộ</a:t>
+            </a:r>
+            <a:r>
+              <a:rPr lang="en-US" dirty="0"/>
+              <a:t> </a:t>
+            </a:r>
+            <a:r>
+              <a:rPr lang="en-US" dirty="0" err="1"/>
+              <a:t>bằng</a:t>
+            </a:r>
+            <a:r>
+              <a:rPr lang="en-US" dirty="0"/>
+              <a:t> </a:t>
+            </a:r>
+            <a:r>
+              <a:rPr lang="en-US" dirty="0" err="1"/>
+              <a:t>lượng</a:t>
+            </a:r>
+            <a:r>
+              <a:rPr lang="en-US" dirty="0"/>
+              <a:t> </a:t>
+            </a:r>
+            <a:r>
+              <a:rPr lang="en-US" dirty="0" err="1"/>
+              <a:t>hóa</a:t>
+            </a:r>
+            <a:r>
+              <a:rPr lang="en-US" dirty="0"/>
+              <a:t> vector </a:t>
+            </a:r>
+            <a:r>
+              <a:rPr lang="en-US" dirty="0" err="1"/>
+              <a:t>là</a:t>
+            </a:r>
+            <a:r>
+              <a:rPr lang="en-US" dirty="0"/>
+              <a:t> </a:t>
+            </a:r>
+            <a:r>
+              <a:rPr lang="en-US" dirty="0" err="1"/>
+              <a:t>việc</a:t>
+            </a:r>
+            <a:r>
+              <a:rPr lang="en-US" dirty="0"/>
+              <a:t> </a:t>
+            </a:r>
+            <a:r>
+              <a:rPr lang="en-US" dirty="0" err="1"/>
+              <a:t>thay</a:t>
+            </a:r>
+            <a:r>
+              <a:rPr lang="en-US" dirty="0"/>
+              <a:t> </a:t>
+            </a:r>
+            <a:r>
+              <a:rPr lang="en-US" dirty="0" err="1"/>
+              <a:t>đổi</a:t>
+            </a:r>
+            <a:r>
+              <a:rPr lang="en-US" dirty="0"/>
+              <a:t> </a:t>
+            </a:r>
+            <a:r>
+              <a:rPr lang="en-US" dirty="0" err="1"/>
+              <a:t>thông</a:t>
+            </a:r>
+            <a:r>
+              <a:rPr lang="en-US" dirty="0"/>
+              <a:t> </a:t>
+            </a:r>
+            <a:r>
+              <a:rPr lang="en-US" dirty="0" err="1"/>
+              <a:t>số</a:t>
+            </a:r>
+            <a:r>
+              <a:rPr lang="en-US" dirty="0"/>
+              <a:t> </a:t>
+            </a:r>
+            <a:r>
+              <a:rPr lang="en-US" dirty="0" err="1"/>
+              <a:t>đầu</a:t>
+            </a:r>
+            <a:r>
+              <a:rPr lang="en-US" dirty="0"/>
+              <a:t> </a:t>
+            </a:r>
+            <a:r>
+              <a:rPr lang="en-US" dirty="0" err="1"/>
+              <a:t>vào</a:t>
+            </a:r>
+            <a:r>
+              <a:rPr lang="en-US" dirty="0"/>
+              <a:t>. Theo </a:t>
+            </a:r>
+            <a:r>
+              <a:rPr lang="en-US" dirty="0" err="1"/>
+              <a:t>nghĩa</a:t>
+            </a:r>
+            <a:r>
+              <a:rPr lang="en-US" dirty="0"/>
+              <a:t> </a:t>
+            </a:r>
+            <a:r>
+              <a:rPr lang="en-US" dirty="0" err="1"/>
+              <a:t>thông</a:t>
+            </a:r>
+            <a:r>
+              <a:rPr lang="en-US" dirty="0"/>
+              <a:t> </a:t>
+            </a:r>
+            <a:r>
+              <a:rPr lang="en-US" dirty="0" err="1"/>
+              <a:t>thường</a:t>
+            </a:r>
+            <a:r>
+              <a:rPr lang="en-US" dirty="0"/>
+              <a:t> </a:t>
+            </a:r>
+            <a:r>
+              <a:rPr lang="en-US" dirty="0" err="1"/>
+              <a:t>ảnh</a:t>
+            </a:r>
+            <a:r>
+              <a:rPr lang="en-US" dirty="0"/>
+              <a:t> </a:t>
+            </a:r>
+            <a:r>
+              <a:rPr lang="en-US" dirty="0" err="1"/>
+              <a:t>đầu</a:t>
+            </a:r>
+            <a:r>
+              <a:rPr lang="en-US" dirty="0"/>
+              <a:t> </a:t>
+            </a:r>
+            <a:r>
+              <a:rPr lang="en-US" dirty="0" err="1"/>
+              <a:t>vào</a:t>
+            </a:r>
+            <a:r>
+              <a:rPr lang="en-US" dirty="0"/>
+              <a:t> </a:t>
+            </a:r>
+            <a:r>
+              <a:rPr lang="en-US" dirty="0" err="1"/>
+              <a:t>thay</a:t>
+            </a:r>
+            <a:r>
+              <a:rPr lang="en-US" dirty="0"/>
+              <a:t> </a:t>
+            </a:r>
+            <a:r>
+              <a:rPr lang="en-US" dirty="0" err="1"/>
+              <a:t>đổi</a:t>
+            </a:r>
+            <a:r>
+              <a:rPr lang="en-US" dirty="0"/>
+              <a:t> </a:t>
+            </a:r>
+            <a:r>
+              <a:rPr lang="en-US" dirty="0" err="1"/>
+              <a:t>ít</a:t>
+            </a:r>
+            <a:r>
+              <a:rPr lang="en-US" dirty="0"/>
+              <a:t> </a:t>
+            </a:r>
+            <a:r>
+              <a:rPr lang="en-US" dirty="0" err="1"/>
+              <a:t>thì</a:t>
+            </a:r>
+            <a:r>
+              <a:rPr lang="en-US" dirty="0"/>
+              <a:t> </a:t>
+            </a:r>
+            <a:r>
+              <a:rPr lang="en-US" dirty="0" err="1"/>
+              <a:t>thay</a:t>
+            </a:r>
+            <a:r>
+              <a:rPr lang="en-US" dirty="0"/>
+              <a:t> </a:t>
+            </a:r>
+            <a:r>
+              <a:rPr lang="en-US" dirty="0" err="1"/>
+              <a:t>đổi</a:t>
+            </a:r>
+            <a:r>
+              <a:rPr lang="en-US" dirty="0"/>
+              <a:t> ở </a:t>
+            </a:r>
+            <a:r>
+              <a:rPr lang="en-US" dirty="0" err="1"/>
+              <a:t>kết</a:t>
+            </a:r>
+            <a:r>
+              <a:rPr lang="en-US" dirty="0"/>
+              <a:t> </a:t>
+            </a:r>
+            <a:r>
+              <a:rPr lang="en-US" dirty="0" err="1"/>
+              <a:t>quả</a:t>
+            </a:r>
+            <a:r>
+              <a:rPr lang="en-US" dirty="0"/>
+              <a:t> </a:t>
+            </a:r>
+            <a:r>
+              <a:rPr lang="en-US" dirty="0" err="1"/>
+              <a:t>đầu</a:t>
+            </a:r>
+            <a:r>
+              <a:rPr lang="en-US" dirty="0"/>
+              <a:t> </a:t>
+            </a:r>
+            <a:r>
+              <a:rPr lang="en-US" dirty="0" err="1"/>
+              <a:t>ra</a:t>
+            </a:r>
+            <a:r>
+              <a:rPr lang="en-US" dirty="0"/>
+              <a:t> </a:t>
+            </a:r>
+            <a:r>
+              <a:rPr lang="en-US" dirty="0" err="1"/>
+              <a:t>cũng</a:t>
+            </a:r>
+            <a:r>
+              <a:rPr lang="en-US" dirty="0"/>
+              <a:t> </a:t>
+            </a:r>
+            <a:r>
+              <a:rPr lang="en-US" dirty="0" err="1"/>
+              <a:t>không</a:t>
+            </a:r>
+            <a:r>
+              <a:rPr lang="en-US" dirty="0"/>
+              <a:t> </a:t>
+            </a:r>
+            <a:r>
+              <a:rPr lang="en-US" dirty="0" err="1"/>
+              <a:t>đáng</a:t>
+            </a:r>
+            <a:r>
+              <a:rPr lang="en-US" dirty="0"/>
+              <a:t> </a:t>
+            </a:r>
+            <a:r>
+              <a:rPr lang="en-US" dirty="0" err="1"/>
+              <a:t>kể</a:t>
+            </a:r>
+            <a:r>
+              <a:rPr lang="en-US" dirty="0"/>
+              <a:t>, </a:t>
+            </a:r>
+            <a:r>
+              <a:rPr lang="en-US" dirty="0" err="1"/>
+              <a:t>nhưng</a:t>
+            </a:r>
+            <a:r>
+              <a:rPr lang="en-US" dirty="0"/>
+              <a:t> LBP </a:t>
+            </a:r>
+            <a:r>
+              <a:rPr lang="en-US" dirty="0" err="1"/>
+              <a:t>lại</a:t>
+            </a:r>
+            <a:r>
+              <a:rPr lang="en-US" dirty="0"/>
+              <a:t> </a:t>
+            </a:r>
+            <a:r>
+              <a:rPr lang="en-US" dirty="0" err="1"/>
+              <a:t>không</a:t>
+            </a:r>
+            <a:r>
+              <a:rPr lang="en-US" dirty="0"/>
+              <a:t> </a:t>
+            </a:r>
+            <a:r>
+              <a:rPr lang="en-US" dirty="0" err="1"/>
+              <a:t>làm</a:t>
+            </a:r>
+            <a:r>
+              <a:rPr lang="en-US" dirty="0"/>
+              <a:t> </a:t>
+            </a:r>
+            <a:r>
+              <a:rPr lang="en-US" dirty="0" err="1"/>
+              <a:t>được</a:t>
+            </a:r>
+            <a:r>
+              <a:rPr lang="en-US" dirty="0"/>
+              <a:t>.</a:t>
+            </a:r>
+          </a:p>
+          <a:p>
+            <a:pPr lvl="1">
+              <a:buFont typeface="Arial" pitchFamily="34" charset="0"/>
+              <a:buChar char="•"/>
+            </a:pPr>
+            <a:r>
+              <a:rPr lang="en-US" dirty="0"/>
+              <a:t>LBP </a:t>
+            </a:r>
+            <a:r>
+              <a:rPr lang="en-US" dirty="0" err="1"/>
+              <a:t>cũng</a:t>
+            </a:r>
+            <a:r>
+              <a:rPr lang="en-US" dirty="0"/>
+              <a:t> </a:t>
+            </a:r>
+            <a:r>
+              <a:rPr lang="en-US" dirty="0" err="1"/>
+              <a:t>không</a:t>
+            </a:r>
+            <a:r>
+              <a:rPr lang="en-US" dirty="0"/>
+              <a:t> </a:t>
+            </a:r>
+            <a:r>
+              <a:rPr lang="en-US" dirty="0" err="1"/>
+              <a:t>hiệu</a:t>
+            </a:r>
+            <a:r>
+              <a:rPr lang="en-US" dirty="0"/>
+              <a:t> </a:t>
+            </a:r>
+            <a:r>
+              <a:rPr lang="en-US" dirty="0" err="1"/>
+              <a:t>quả</a:t>
+            </a:r>
+            <a:r>
+              <a:rPr lang="en-US" dirty="0"/>
+              <a:t> </a:t>
+            </a:r>
+            <a:r>
+              <a:rPr lang="en-US" dirty="0" err="1"/>
+              <a:t>trên</a:t>
+            </a:r>
+            <a:r>
+              <a:rPr lang="en-US" dirty="0"/>
+              <a:t> </a:t>
+            </a:r>
+            <a:r>
+              <a:rPr lang="en-US" dirty="0" err="1"/>
+              <a:t>ảnh</a:t>
+            </a:r>
+            <a:r>
+              <a:rPr lang="en-US" dirty="0"/>
+              <a:t> </a:t>
+            </a:r>
+            <a:r>
+              <a:rPr lang="en-US" dirty="0" err="1"/>
+              <a:t>bị</a:t>
+            </a:r>
+            <a:r>
+              <a:rPr lang="en-US" dirty="0"/>
+              <a:t> </a:t>
+            </a:r>
+            <a:r>
+              <a:rPr lang="en-US" dirty="0" err="1"/>
+              <a:t>nhiễu</a:t>
+            </a:r>
+            <a:r>
+              <a:rPr lang="en-US" dirty="0"/>
+              <a:t> </a:t>
+            </a:r>
+            <a:r>
+              <a:rPr lang="en-US" dirty="0" err="1"/>
+              <a:t>hạt</a:t>
+            </a:r>
+            <a:r>
+              <a:rPr lang="en-US" dirty="0"/>
+              <a:t> hay </a:t>
+            </a:r>
+            <a:r>
+              <a:rPr lang="en-US" dirty="0" err="1"/>
+              <a:t>bề</a:t>
+            </a:r>
+            <a:r>
+              <a:rPr lang="en-US" dirty="0"/>
+              <a:t> </a:t>
+            </a:r>
+            <a:r>
+              <a:rPr lang="en-US" dirty="0" err="1"/>
+              <a:t>mặt</a:t>
+            </a:r>
+            <a:r>
+              <a:rPr lang="en-US" dirty="0"/>
+              <a:t> </a:t>
+            </a:r>
+            <a:r>
+              <a:rPr lang="en-US" dirty="0" err="1"/>
+              <a:t>phẳng</a:t>
+            </a:r>
+            <a:r>
+              <a:rPr lang="en-US" dirty="0"/>
+              <a:t>. </a:t>
+            </a:r>
+            <a:r>
+              <a:rPr lang="en-US" dirty="0" err="1"/>
+              <a:t>Nhiều</a:t>
+            </a:r>
+            <a:r>
+              <a:rPr lang="en-US" dirty="0"/>
+              <a:t> </a:t>
+            </a:r>
+            <a:r>
+              <a:rPr lang="en-US" dirty="0" err="1"/>
+              <a:t>biến</a:t>
+            </a:r>
+            <a:r>
+              <a:rPr lang="en-US" dirty="0"/>
+              <a:t> </a:t>
+            </a:r>
+            <a:r>
+              <a:rPr lang="en-US" dirty="0" err="1"/>
+              <a:t>thể</a:t>
+            </a:r>
+            <a:r>
+              <a:rPr lang="en-US" dirty="0"/>
+              <a:t> </a:t>
+            </a:r>
+            <a:r>
+              <a:rPr lang="en-US" dirty="0" err="1"/>
+              <a:t>của</a:t>
+            </a:r>
+            <a:r>
+              <a:rPr lang="en-US" dirty="0"/>
+              <a:t> LBP </a:t>
+            </a:r>
+            <a:r>
+              <a:rPr lang="en-US" dirty="0" err="1"/>
+              <a:t>đã</a:t>
+            </a:r>
+            <a:r>
+              <a:rPr lang="en-US" dirty="0"/>
+              <a:t> </a:t>
+            </a:r>
+            <a:r>
+              <a:rPr lang="en-US" dirty="0" err="1"/>
+              <a:t>được</a:t>
+            </a:r>
+            <a:r>
+              <a:rPr lang="en-US" dirty="0"/>
+              <a:t> </a:t>
+            </a:r>
+            <a:r>
+              <a:rPr lang="en-US" dirty="0" err="1"/>
+              <a:t>nghiên</a:t>
+            </a:r>
+            <a:r>
+              <a:rPr lang="en-US" dirty="0"/>
+              <a:t> </a:t>
+            </a:r>
+            <a:r>
+              <a:rPr lang="en-US" dirty="0" err="1"/>
+              <a:t>cứu</a:t>
+            </a:r>
+            <a:r>
+              <a:rPr lang="en-US" dirty="0"/>
+              <a:t> </a:t>
+            </a:r>
+            <a:r>
+              <a:rPr lang="en-US" dirty="0" err="1"/>
+              <a:t>để</a:t>
+            </a:r>
+            <a:r>
+              <a:rPr lang="en-US" dirty="0"/>
+              <a:t> </a:t>
+            </a:r>
+            <a:r>
+              <a:rPr lang="en-US" dirty="0" err="1"/>
+              <a:t>giải</a:t>
+            </a:r>
+            <a:r>
+              <a:rPr lang="en-US" dirty="0"/>
+              <a:t> </a:t>
+            </a:r>
+            <a:r>
+              <a:rPr lang="en-US" dirty="0" err="1"/>
+              <a:t>quyết</a:t>
+            </a:r>
+            <a:r>
+              <a:rPr lang="en-US" dirty="0"/>
+              <a:t> </a:t>
+            </a:r>
+            <a:r>
+              <a:rPr lang="en-US" dirty="0" err="1"/>
+              <a:t>các</a:t>
+            </a:r>
+            <a:r>
+              <a:rPr lang="en-US" dirty="0"/>
+              <a:t> </a:t>
+            </a:r>
+            <a:r>
+              <a:rPr lang="en-US" dirty="0" err="1"/>
+              <a:t>vấn</a:t>
+            </a:r>
+            <a:r>
+              <a:rPr lang="en-US" dirty="0"/>
+              <a:t> </a:t>
+            </a:r>
+            <a:r>
+              <a:rPr lang="en-US" dirty="0" err="1"/>
+              <a:t>đề</a:t>
+            </a:r>
+            <a:r>
+              <a:rPr lang="en-US" dirty="0"/>
+              <a:t> </a:t>
+            </a:r>
+            <a:r>
+              <a:rPr lang="en-US" dirty="0" err="1"/>
+              <a:t>này</a:t>
+            </a:r>
+            <a:r>
+              <a:rPr lang="en-US" dirty="0"/>
+              <a:t>.</a:t>
+            </a:r>
+          </a:p>
+          <a:p>
+            <a:pPr marL="457200" lvl="1" indent="0">
+              <a:buFontTx/>
+              <a:buNone/>
+            </a:pPr>
+            <a:endParaRPr lang="en-US" sz="2400" dirty="0"/>
+          </a:p>
+          <a:p>
+            <a:pPr marL="457200" lvl="1" indent="0">
+              <a:buNone/>
+            </a:pPr>
+            <a:endParaRPr lang="en-US" dirty="0" smtClean="0"/>
+          </a:p>
+          <a:p>
+            <a:pPr marL="457200" lvl="1" indent="0">
+              <a:buNone/>
+            </a:pPr>
+            <a:endParaRPr lang="en-US" dirty="0" smtClean="0"/>
+          </a:p>
+          <a:p>
+            <a:pPr marL="457200" lvl="1" indent="0">
+              <a:buNone/>
+            </a:pPr>
+            <a:endParaRPr lang="en-US" dirty="0" smtClean="0"/>
+          </a:p>
+          <a:p>
+            <a:pPr marL="457200" lvl="1" indent="0">
+              <a:buNone/>
+            </a:pPr>
+            <a:endParaRPr lang="en-US" dirty="0"/>
+          </a:p>
+          <a:p>
+            <a:pPr marL="457200" lvl="1" indent="0">
+              <a:buNone/>
+            </a:pPr>
+            <a:endParaRPr lang="en-US" dirty="0" smtClean="0"/>
+          </a:p>
+          <a:p>
+            <a:pPr marL="457200" lvl="1" indent="0">
+              <a:buNone/>
+            </a:pPr>
+            <a:endParaRPr lang="en-US" dirty="0"/>
+          </a:p>
+          <a:p>
+            <a:pPr marL="457200" lvl="1" indent="0">
+              <a:buNone/>
+            </a:pPr>
+            <a:endParaRPr lang="en-US" dirty="0" smtClean="0"/>
+          </a:p>
+          <a:p>
+            <a:pPr lvl="1">
+              <a:buFont typeface="Arial" pitchFamily="34" charset="0"/>
+              <a:buChar char="•"/>
+            </a:pPr>
+            <a:endParaRPr lang="en-US" dirty="0"/>
+          </a:p>
+          <a:p>
+            <a:pPr lvl="1">
+              <a:buFont typeface="Arial" pitchFamily="34" charset="0"/>
+              <a:buChar char="•"/>
+            </a:pPr>
+            <a:endParaRPr lang="en-US" dirty="0" smtClean="0"/>
+          </a:p>
+        </p:txBody>
+      </p:sp>
+    </p:spTree>
+    <p:extLst>
+      <p:ext uri="{BB962C8B-B14F-4D97-AF65-F5344CB8AC3E}">
+        <p14:creationId xmlns:p14="http://schemas.microsoft.com/office/powerpoint/2010/main" val="3156422615"/>
+      </p:ext>
+    </p:extLst>
   </p:cSld>
   <p:clrMapOvr>
     <a:masterClrMapping/>
